--- a/项目介绍PPT&MVP/飞码先锋队项目介绍.pptx
+++ b/项目介绍PPT&MVP/飞码先锋队项目介绍.pptx
@@ -5,7 +5,7 @@
     <p:sldMasterId id="2147483648" r:id="rId1"/>
   </p:sldMasterIdLst>
   <p:notesMasterIdLst>
-    <p:notesMasterId r:id="rId17"/>
+    <p:notesMasterId r:id="rId23"/>
   </p:notesMasterIdLst>
   <p:sldIdLst>
     <p:sldId id="256" r:id="rId4"/>
@@ -21,6 +21,12 @@
     <p:sldId id="266" r:id="rId14"/>
     <p:sldId id="267" r:id="rId15"/>
     <p:sldId id="268" r:id="rId16"/>
+    <p:sldId id="269" r:id="rId17"/>
+    <p:sldId id="270" r:id="rId18"/>
+    <p:sldId id="271" r:id="rId19"/>
+    <p:sldId id="272" r:id="rId20"/>
+    <p:sldId id="273" r:id="rId21"/>
+    <p:sldId id="274" r:id="rId22"/>
   </p:sldIdLst>
   <p:sldSz cx="12192000" cy="6858000"/>
   <p:notesSz cx="6858000" cy="9144000"/>
@@ -146,7 +152,7 @@
       </p:grpSpPr>
       <p:sp>
         <p:nvSpPr>
-          <p:cNvPr id="1993866854" name="页眉占位符 1"/>
+          <p:cNvPr id="73609027" name="页眉占位符 1"/>
           <p:cNvSpPr>
             <a:spLocks noGrp="1"/>
           </p:cNvSpPr>
@@ -180,7 +186,7 @@
       </p:sp>
       <p:sp>
         <p:nvSpPr>
-          <p:cNvPr id="705870110" name="日期占位符 2"/>
+          <p:cNvPr id="426704021" name="日期占位符 2"/>
           <p:cNvSpPr>
             <a:spLocks noGrp="1"/>
           </p:cNvSpPr>
@@ -218,7 +224,7 @@
       </p:sp>
       <p:sp>
         <p:nvSpPr>
-          <p:cNvPr id="1066948759" name="幻灯片图像占位符 3"/>
+          <p:cNvPr id="1673396858" name="幻灯片图像占位符 3"/>
           <p:cNvSpPr>
             <a:spLocks noChangeAspect="1" noGrp="1" noRot="1"/>
           </p:cNvSpPr>
@@ -254,7 +260,7 @@
       </p:sp>
       <p:sp>
         <p:nvSpPr>
-          <p:cNvPr id="912174075" name="备注占位符 4"/>
+          <p:cNvPr id="1645960764" name="备注占位符 4"/>
           <p:cNvSpPr>
             <a:spLocks noGrp="1"/>
           </p:cNvSpPr>
@@ -328,7 +334,7 @@
       </p:sp>
       <p:sp>
         <p:nvSpPr>
-          <p:cNvPr id="853108641" name="页脚占位符 5"/>
+          <p:cNvPr id="1282426090" name="页脚占位符 5"/>
           <p:cNvSpPr>
             <a:spLocks noGrp="1"/>
           </p:cNvSpPr>
@@ -362,7 +368,7 @@
       </p:sp>
       <p:sp>
         <p:nvSpPr>
-          <p:cNvPr id="403268045" name="灯片编号占位符 6"/>
+          <p:cNvPr id="272077072" name="灯片编号占位符 6"/>
           <p:cNvSpPr>
             <a:spLocks noGrp="1"/>
           </p:cNvSpPr>
@@ -515,7 +521,7 @@
       </p:grpSpPr>
       <p:sp>
         <p:nvSpPr>
-          <p:cNvPr id="2" name="Slide Image Placeholder 1"/>
+          <p:cNvPr id="602959699" name="Slide Image Placeholder 1"/>
           <p:cNvSpPr>
             <a:spLocks noChangeAspect="1" noGrp="1" noRot="1"/>
           </p:cNvSpPr>
@@ -527,7 +533,7 @@
       </p:sp>
       <p:sp>
         <p:nvSpPr>
-          <p:cNvPr id="3" name="Notes Placeholder 2"/>
+          <p:cNvPr id="1240976082" name="Notes Placeholder 2"/>
           <p:cNvSpPr>
             <a:spLocks noGrp="1"/>
           </p:cNvSpPr>
@@ -549,7 +555,7 @@
       </p:sp>
       <p:sp>
         <p:nvSpPr>
-          <p:cNvPr id="4" name="Slide Number Placeholder 3"/>
+          <p:cNvPr id="861825569" name="Slide Number Placeholder 3"/>
           <p:cNvSpPr>
             <a:spLocks noGrp="1"/>
           </p:cNvSpPr>
@@ -565,7 +571,7 @@
             <a:pPr>
               <a:defRPr/>
             </a:pPr>
-            <a:fld id="{A7128E98-AD39-7C00-2B35-CAAA9E8DFF81}" type="slidenum">
+            <a:fld id="{DBAADFA8-61E7-4FAF-BA49-30D55F9CB5ED}" type="slidenum">
               <a:rPr/>
               <a:t/>
             </a:fld>
@@ -597,7 +603,7 @@
       </p:grpSpPr>
       <p:sp>
         <p:nvSpPr>
-          <p:cNvPr id="2" name="Slide Image Placeholder 1"/>
+          <p:cNvPr id="1210691814" name="Slide Image Placeholder 1"/>
           <p:cNvSpPr>
             <a:spLocks noChangeAspect="1" noGrp="1" noRot="1"/>
           </p:cNvSpPr>
@@ -609,7 +615,7 @@
       </p:sp>
       <p:sp>
         <p:nvSpPr>
-          <p:cNvPr id="3" name="Notes Placeholder 2"/>
+          <p:cNvPr id="1217594154" name="Notes Placeholder 2"/>
           <p:cNvSpPr>
             <a:spLocks noGrp="1"/>
           </p:cNvSpPr>
@@ -631,7 +637,7 @@
       </p:sp>
       <p:sp>
         <p:nvSpPr>
-          <p:cNvPr id="4" name="Slide Number Placeholder 3"/>
+          <p:cNvPr id="8760004" name="Slide Number Placeholder 3"/>
           <p:cNvSpPr>
             <a:spLocks noGrp="1"/>
           </p:cNvSpPr>
@@ -647,7 +653,7 @@
             <a:pPr>
               <a:defRPr/>
             </a:pPr>
-            <a:fld id="{77FAD424-A646-089D-724F-C1CCBF49FEC4}" type="slidenum">
+            <a:fld id="{6C805D12-5CF9-6DAE-F691-3C9054CAEA2C}" type="slidenum">
               <a:rPr/>
               <a:t/>
             </a:fld>
@@ -679,7 +685,7 @@
       </p:grpSpPr>
       <p:sp>
         <p:nvSpPr>
-          <p:cNvPr id="2" name="Slide Image Placeholder 1"/>
+          <p:cNvPr id="878027792" name="Slide Image Placeholder 1"/>
           <p:cNvSpPr>
             <a:spLocks noChangeAspect="1" noGrp="1" noRot="1"/>
           </p:cNvSpPr>
@@ -691,7 +697,7 @@
       </p:sp>
       <p:sp>
         <p:nvSpPr>
-          <p:cNvPr id="3" name="Notes Placeholder 2"/>
+          <p:cNvPr id="761772498" name="Notes Placeholder 2"/>
           <p:cNvSpPr>
             <a:spLocks noGrp="1"/>
           </p:cNvSpPr>
@@ -713,7 +719,7 @@
       </p:sp>
       <p:sp>
         <p:nvSpPr>
-          <p:cNvPr id="4" name="Slide Number Placeholder 3"/>
+          <p:cNvPr id="231729399" name="Slide Number Placeholder 3"/>
           <p:cNvSpPr>
             <a:spLocks noGrp="1"/>
           </p:cNvSpPr>
@@ -729,7 +735,7 @@
             <a:pPr>
               <a:defRPr/>
             </a:pPr>
-            <a:fld id="{F96BB86C-2C4A-124C-BE19-259DD497953E}" type="slidenum">
+            <a:fld id="{A4FC191D-0AD9-0829-730C-1A8E9673B1A2}" type="slidenum">
               <a:rPr/>
               <a:t/>
             </a:fld>
@@ -761,7 +767,7 @@
       </p:grpSpPr>
       <p:sp>
         <p:nvSpPr>
-          <p:cNvPr id="2" name="Slide Image Placeholder 1"/>
+          <p:cNvPr id="533725293" name="Slide Image Placeholder 1"/>
           <p:cNvSpPr>
             <a:spLocks noChangeAspect="1" noGrp="1" noRot="1"/>
           </p:cNvSpPr>
@@ -773,7 +779,7 @@
       </p:sp>
       <p:sp>
         <p:nvSpPr>
-          <p:cNvPr id="3" name="Notes Placeholder 2"/>
+          <p:cNvPr id="1008450899" name="Notes Placeholder 2"/>
           <p:cNvSpPr>
             <a:spLocks noGrp="1"/>
           </p:cNvSpPr>
@@ -795,7 +801,7 @@
       </p:sp>
       <p:sp>
         <p:nvSpPr>
-          <p:cNvPr id="4" name="Slide Number Placeholder 3"/>
+          <p:cNvPr id="1484551474" name="Slide Number Placeholder 3"/>
           <p:cNvSpPr>
             <a:spLocks noGrp="1"/>
           </p:cNvSpPr>
@@ -811,7 +817,7 @@
             <a:pPr>
               <a:defRPr/>
             </a:pPr>
-            <a:fld id="{EAF3A089-D837-4FEC-1308-66CB12FE4D76}" type="slidenum">
+            <a:fld id="{F5B2579D-40D4-6ED3-230A-C1BDDA15F6D7}" type="slidenum">
               <a:rPr/>
               <a:t/>
             </a:fld>
@@ -843,7 +849,7 @@
       </p:grpSpPr>
       <p:sp>
         <p:nvSpPr>
-          <p:cNvPr id="2" name="Slide Image Placeholder 1"/>
+          <p:cNvPr id="2042484888" name="Slide Image Placeholder 1"/>
           <p:cNvSpPr>
             <a:spLocks noChangeAspect="1" noGrp="1" noRot="1"/>
           </p:cNvSpPr>
@@ -855,7 +861,7 @@
       </p:sp>
       <p:sp>
         <p:nvSpPr>
-          <p:cNvPr id="3" name="Notes Placeholder 2"/>
+          <p:cNvPr id="561430992" name="Notes Placeholder 2"/>
           <p:cNvSpPr>
             <a:spLocks noGrp="1"/>
           </p:cNvSpPr>
@@ -877,7 +883,7 @@
       </p:sp>
       <p:sp>
         <p:nvSpPr>
-          <p:cNvPr id="4" name="Slide Number Placeholder 3"/>
+          <p:cNvPr id="147744168" name="Slide Number Placeholder 3"/>
           <p:cNvSpPr>
             <a:spLocks noGrp="1"/>
           </p:cNvSpPr>
@@ -893,7 +899,499 @@
             <a:pPr>
               <a:defRPr/>
             </a:pPr>
-            <a:fld id="{D82AC9A6-9A2F-C303-644E-8EB71961E93E}" type="slidenum">
+            <a:fld id="{4CE61446-75AA-E0FD-8622-E8A07D3101FD}" type="slidenum">
+              <a:rPr/>
+              <a:t/>
+            </a:fld>
+            <a:endParaRPr/>
+          </a:p>
+        </p:txBody>
+      </p:sp>
+    </p:spTree>
+  </p:cSld>
+</p:notes>
+</file>
+
+<file path=ppt/notesSlides/notesSlide14.xml><?xml version="1.0" encoding="utf-8"?>
+<p:notes xmlns:a="http://schemas.openxmlformats.org/drawingml/2006/main" xmlns:r="http://schemas.openxmlformats.org/officeDocument/2006/relationships" xmlns:p="http://schemas.openxmlformats.org/presentationml/2006/main" xmlns:m="http://schemas.openxmlformats.org/officeDocument/2006/math" xmlns:w="http://schemas.openxmlformats.org/wordprocessingml/2006/main">
+  <p:cSld name="">
+    <p:spTree>
+      <p:nvGrpSpPr>
+        <p:cNvPr id="1" name=""/>
+        <p:cNvGrpSpPr/>
+        <p:nvPr/>
+      </p:nvGrpSpPr>
+      <p:grpSpPr bwMode="auto">
+        <a:xfrm>
+          <a:off x="0" y="0"/>
+          <a:ext cx="0" cy="0"/>
+          <a:chOff x="0" y="0"/>
+          <a:chExt cx="0" cy="0"/>
+        </a:xfrm>
+      </p:grpSpPr>
+      <p:sp>
+        <p:nvSpPr>
+          <p:cNvPr id="834547883" name="Slide Image Placeholder 1"/>
+          <p:cNvSpPr>
+            <a:spLocks noChangeAspect="1" noGrp="1" noRot="1"/>
+          </p:cNvSpPr>
+          <p:nvPr>
+            <p:ph type="sldImg"/>
+          </p:nvPr>
+        </p:nvSpPr>
+        <p:spPr bwMode="auto"/>
+      </p:sp>
+      <p:sp>
+        <p:nvSpPr>
+          <p:cNvPr id="914531160" name="Notes Placeholder 2"/>
+          <p:cNvSpPr>
+            <a:spLocks noGrp="1"/>
+          </p:cNvSpPr>
+          <p:nvPr>
+            <p:ph type="body" idx="1"/>
+          </p:nvPr>
+        </p:nvSpPr>
+        <p:spPr bwMode="auto"/>
+        <p:txBody>
+          <a:bodyPr/>
+          <a:lstStyle/>
+          <a:p>
+            <a:pPr>
+              <a:defRPr/>
+            </a:pPr>
+            <a:endParaRPr/>
+          </a:p>
+        </p:txBody>
+      </p:sp>
+      <p:sp>
+        <p:nvSpPr>
+          <p:cNvPr id="2129052527" name="Slide Number Placeholder 3"/>
+          <p:cNvSpPr>
+            <a:spLocks noGrp="1"/>
+          </p:cNvSpPr>
+          <p:nvPr>
+            <p:ph type="sldNum" sz="quarter" idx="10"/>
+          </p:nvPr>
+        </p:nvSpPr>
+        <p:spPr bwMode="auto"/>
+        <p:txBody>
+          <a:bodyPr/>
+          <a:lstStyle/>
+          <a:p>
+            <a:pPr>
+              <a:defRPr/>
+            </a:pPr>
+            <a:fld id="{71A890CF-C0AE-7BF2-8073-D5A65F029607}" type="slidenum">
+              <a:rPr/>
+              <a:t/>
+            </a:fld>
+            <a:endParaRPr/>
+          </a:p>
+        </p:txBody>
+      </p:sp>
+    </p:spTree>
+  </p:cSld>
+</p:notes>
+</file>
+
+<file path=ppt/notesSlides/notesSlide15.xml><?xml version="1.0" encoding="utf-8"?>
+<p:notes xmlns:a="http://schemas.openxmlformats.org/drawingml/2006/main" xmlns:r="http://schemas.openxmlformats.org/officeDocument/2006/relationships" xmlns:p="http://schemas.openxmlformats.org/presentationml/2006/main" xmlns:m="http://schemas.openxmlformats.org/officeDocument/2006/math" xmlns:w="http://schemas.openxmlformats.org/wordprocessingml/2006/main">
+  <p:cSld name="">
+    <p:spTree>
+      <p:nvGrpSpPr>
+        <p:cNvPr id="1" name=""/>
+        <p:cNvGrpSpPr/>
+        <p:nvPr/>
+      </p:nvGrpSpPr>
+      <p:grpSpPr bwMode="auto">
+        <a:xfrm>
+          <a:off x="0" y="0"/>
+          <a:ext cx="0" cy="0"/>
+          <a:chOff x="0" y="0"/>
+          <a:chExt cx="0" cy="0"/>
+        </a:xfrm>
+      </p:grpSpPr>
+      <p:sp>
+        <p:nvSpPr>
+          <p:cNvPr id="411446957" name="Slide Image Placeholder 1"/>
+          <p:cNvSpPr>
+            <a:spLocks noChangeAspect="1" noGrp="1" noRot="1"/>
+          </p:cNvSpPr>
+          <p:nvPr>
+            <p:ph type="sldImg"/>
+          </p:nvPr>
+        </p:nvSpPr>
+        <p:spPr bwMode="auto"/>
+      </p:sp>
+      <p:sp>
+        <p:nvSpPr>
+          <p:cNvPr id="2139496634" name="Notes Placeholder 2"/>
+          <p:cNvSpPr>
+            <a:spLocks noGrp="1"/>
+          </p:cNvSpPr>
+          <p:nvPr>
+            <p:ph type="body" idx="1"/>
+          </p:nvPr>
+        </p:nvSpPr>
+        <p:spPr bwMode="auto"/>
+        <p:txBody>
+          <a:bodyPr/>
+          <a:lstStyle/>
+          <a:p>
+            <a:pPr>
+              <a:defRPr/>
+            </a:pPr>
+            <a:endParaRPr/>
+          </a:p>
+        </p:txBody>
+      </p:sp>
+      <p:sp>
+        <p:nvSpPr>
+          <p:cNvPr id="35429215" name="Slide Number Placeholder 3"/>
+          <p:cNvSpPr>
+            <a:spLocks noGrp="1"/>
+          </p:cNvSpPr>
+          <p:nvPr>
+            <p:ph type="sldNum" sz="quarter" idx="10"/>
+          </p:nvPr>
+        </p:nvSpPr>
+        <p:spPr bwMode="auto"/>
+        <p:txBody>
+          <a:bodyPr/>
+          <a:lstStyle/>
+          <a:p>
+            <a:pPr>
+              <a:defRPr/>
+            </a:pPr>
+            <a:fld id="{E3F81A44-0F08-7299-981A-2C03BD8C827A}" type="slidenum">
+              <a:rPr/>
+              <a:t/>
+            </a:fld>
+            <a:endParaRPr/>
+          </a:p>
+        </p:txBody>
+      </p:sp>
+    </p:spTree>
+  </p:cSld>
+</p:notes>
+</file>
+
+<file path=ppt/notesSlides/notesSlide16.xml><?xml version="1.0" encoding="utf-8"?>
+<p:notes xmlns:a="http://schemas.openxmlformats.org/drawingml/2006/main" xmlns:r="http://schemas.openxmlformats.org/officeDocument/2006/relationships" xmlns:p="http://schemas.openxmlformats.org/presentationml/2006/main" xmlns:m="http://schemas.openxmlformats.org/officeDocument/2006/math" xmlns:w="http://schemas.openxmlformats.org/wordprocessingml/2006/main">
+  <p:cSld name="">
+    <p:spTree>
+      <p:nvGrpSpPr>
+        <p:cNvPr id="1" name=""/>
+        <p:cNvGrpSpPr/>
+        <p:nvPr/>
+      </p:nvGrpSpPr>
+      <p:grpSpPr bwMode="auto">
+        <a:xfrm>
+          <a:off x="0" y="0"/>
+          <a:ext cx="0" cy="0"/>
+          <a:chOff x="0" y="0"/>
+          <a:chExt cx="0" cy="0"/>
+        </a:xfrm>
+      </p:grpSpPr>
+      <p:sp>
+        <p:nvSpPr>
+          <p:cNvPr id="1310970659" name="Slide Image Placeholder 1"/>
+          <p:cNvSpPr>
+            <a:spLocks noChangeAspect="1" noGrp="1" noRot="1"/>
+          </p:cNvSpPr>
+          <p:nvPr>
+            <p:ph type="sldImg"/>
+          </p:nvPr>
+        </p:nvSpPr>
+        <p:spPr bwMode="auto"/>
+      </p:sp>
+      <p:sp>
+        <p:nvSpPr>
+          <p:cNvPr id="665949211" name="Notes Placeholder 2"/>
+          <p:cNvSpPr>
+            <a:spLocks noGrp="1"/>
+          </p:cNvSpPr>
+          <p:nvPr>
+            <p:ph type="body" idx="1"/>
+          </p:nvPr>
+        </p:nvSpPr>
+        <p:spPr bwMode="auto"/>
+        <p:txBody>
+          <a:bodyPr/>
+          <a:lstStyle/>
+          <a:p>
+            <a:pPr>
+              <a:defRPr/>
+            </a:pPr>
+            <a:endParaRPr/>
+          </a:p>
+        </p:txBody>
+      </p:sp>
+      <p:sp>
+        <p:nvSpPr>
+          <p:cNvPr id="331491955" name="Slide Number Placeholder 3"/>
+          <p:cNvSpPr>
+            <a:spLocks noGrp="1"/>
+          </p:cNvSpPr>
+          <p:nvPr>
+            <p:ph type="sldNum" sz="quarter" idx="10"/>
+          </p:nvPr>
+        </p:nvSpPr>
+        <p:spPr bwMode="auto"/>
+        <p:txBody>
+          <a:bodyPr/>
+          <a:lstStyle/>
+          <a:p>
+            <a:pPr>
+              <a:defRPr/>
+            </a:pPr>
+            <a:fld id="{DF90E8A3-68A5-A646-41DC-744A1259E39D}" type="slidenum">
+              <a:rPr/>
+              <a:t/>
+            </a:fld>
+            <a:endParaRPr/>
+          </a:p>
+        </p:txBody>
+      </p:sp>
+    </p:spTree>
+  </p:cSld>
+</p:notes>
+</file>
+
+<file path=ppt/notesSlides/notesSlide17.xml><?xml version="1.0" encoding="utf-8"?>
+<p:notes xmlns:a="http://schemas.openxmlformats.org/drawingml/2006/main" xmlns:r="http://schemas.openxmlformats.org/officeDocument/2006/relationships" xmlns:p="http://schemas.openxmlformats.org/presentationml/2006/main" xmlns:m="http://schemas.openxmlformats.org/officeDocument/2006/math" xmlns:w="http://schemas.openxmlformats.org/wordprocessingml/2006/main">
+  <p:cSld name="">
+    <p:spTree>
+      <p:nvGrpSpPr>
+        <p:cNvPr id="1" name=""/>
+        <p:cNvGrpSpPr/>
+        <p:nvPr/>
+      </p:nvGrpSpPr>
+      <p:grpSpPr bwMode="auto">
+        <a:xfrm>
+          <a:off x="0" y="0"/>
+          <a:ext cx="0" cy="0"/>
+          <a:chOff x="0" y="0"/>
+          <a:chExt cx="0" cy="0"/>
+        </a:xfrm>
+      </p:grpSpPr>
+      <p:sp>
+        <p:nvSpPr>
+          <p:cNvPr id="1858661550" name="Slide Image Placeholder 1"/>
+          <p:cNvSpPr>
+            <a:spLocks noChangeAspect="1" noGrp="1" noRot="1"/>
+          </p:cNvSpPr>
+          <p:nvPr>
+            <p:ph type="sldImg"/>
+          </p:nvPr>
+        </p:nvSpPr>
+        <p:spPr bwMode="auto"/>
+      </p:sp>
+      <p:sp>
+        <p:nvSpPr>
+          <p:cNvPr id="802627396" name="Notes Placeholder 2"/>
+          <p:cNvSpPr>
+            <a:spLocks noGrp="1"/>
+          </p:cNvSpPr>
+          <p:nvPr>
+            <p:ph type="body" idx="1"/>
+          </p:nvPr>
+        </p:nvSpPr>
+        <p:spPr bwMode="auto"/>
+        <p:txBody>
+          <a:bodyPr/>
+          <a:lstStyle/>
+          <a:p>
+            <a:pPr>
+              <a:defRPr/>
+            </a:pPr>
+            <a:endParaRPr/>
+          </a:p>
+        </p:txBody>
+      </p:sp>
+      <p:sp>
+        <p:nvSpPr>
+          <p:cNvPr id="454357380" name="Slide Number Placeholder 3"/>
+          <p:cNvSpPr>
+            <a:spLocks noGrp="1"/>
+          </p:cNvSpPr>
+          <p:nvPr>
+            <p:ph type="sldNum" sz="quarter" idx="10"/>
+          </p:nvPr>
+        </p:nvSpPr>
+        <p:spPr bwMode="auto"/>
+        <p:txBody>
+          <a:bodyPr/>
+          <a:lstStyle/>
+          <a:p>
+            <a:pPr>
+              <a:defRPr/>
+            </a:pPr>
+            <a:fld id="{8EF82043-14B3-E5C4-6C12-5B6205FE5B2C}" type="slidenum">
+              <a:rPr/>
+              <a:t/>
+            </a:fld>
+            <a:endParaRPr/>
+          </a:p>
+        </p:txBody>
+      </p:sp>
+    </p:spTree>
+  </p:cSld>
+</p:notes>
+</file>
+
+<file path=ppt/notesSlides/notesSlide18.xml><?xml version="1.0" encoding="utf-8"?>
+<p:notes xmlns:a="http://schemas.openxmlformats.org/drawingml/2006/main" xmlns:r="http://schemas.openxmlformats.org/officeDocument/2006/relationships" xmlns:p="http://schemas.openxmlformats.org/presentationml/2006/main" xmlns:m="http://schemas.openxmlformats.org/officeDocument/2006/math" xmlns:w="http://schemas.openxmlformats.org/wordprocessingml/2006/main">
+  <p:cSld name="">
+    <p:spTree>
+      <p:nvGrpSpPr>
+        <p:cNvPr id="1" name=""/>
+        <p:cNvGrpSpPr/>
+        <p:nvPr/>
+      </p:nvGrpSpPr>
+      <p:grpSpPr bwMode="auto">
+        <a:xfrm>
+          <a:off x="0" y="0"/>
+          <a:ext cx="0" cy="0"/>
+          <a:chOff x="0" y="0"/>
+          <a:chExt cx="0" cy="0"/>
+        </a:xfrm>
+      </p:grpSpPr>
+      <p:sp>
+        <p:nvSpPr>
+          <p:cNvPr id="974264906" name="Slide Image Placeholder 1"/>
+          <p:cNvSpPr>
+            <a:spLocks noChangeAspect="1" noGrp="1" noRot="1"/>
+          </p:cNvSpPr>
+          <p:nvPr>
+            <p:ph type="sldImg"/>
+          </p:nvPr>
+        </p:nvSpPr>
+        <p:spPr bwMode="auto"/>
+      </p:sp>
+      <p:sp>
+        <p:nvSpPr>
+          <p:cNvPr id="1124937307" name="Notes Placeholder 2"/>
+          <p:cNvSpPr>
+            <a:spLocks noGrp="1"/>
+          </p:cNvSpPr>
+          <p:nvPr>
+            <p:ph type="body" idx="1"/>
+          </p:nvPr>
+        </p:nvSpPr>
+        <p:spPr bwMode="auto"/>
+        <p:txBody>
+          <a:bodyPr/>
+          <a:lstStyle/>
+          <a:p>
+            <a:pPr>
+              <a:defRPr/>
+            </a:pPr>
+            <a:endParaRPr/>
+          </a:p>
+        </p:txBody>
+      </p:sp>
+      <p:sp>
+        <p:nvSpPr>
+          <p:cNvPr id="448339479" name="Slide Number Placeholder 3"/>
+          <p:cNvSpPr>
+            <a:spLocks noGrp="1"/>
+          </p:cNvSpPr>
+          <p:nvPr>
+            <p:ph type="sldNum" sz="quarter" idx="10"/>
+          </p:nvPr>
+        </p:nvSpPr>
+        <p:spPr bwMode="auto"/>
+        <p:txBody>
+          <a:bodyPr/>
+          <a:lstStyle/>
+          <a:p>
+            <a:pPr>
+              <a:defRPr/>
+            </a:pPr>
+            <a:fld id="{EBA23A05-BAC1-116D-F667-26CB315147C1}" type="slidenum">
+              <a:rPr/>
+              <a:t/>
+            </a:fld>
+            <a:endParaRPr/>
+          </a:p>
+        </p:txBody>
+      </p:sp>
+    </p:spTree>
+  </p:cSld>
+</p:notes>
+</file>
+
+<file path=ppt/notesSlides/notesSlide19.xml><?xml version="1.0" encoding="utf-8"?>
+<p:notes xmlns:a="http://schemas.openxmlformats.org/drawingml/2006/main" xmlns:r="http://schemas.openxmlformats.org/officeDocument/2006/relationships" xmlns:p="http://schemas.openxmlformats.org/presentationml/2006/main" xmlns:m="http://schemas.openxmlformats.org/officeDocument/2006/math" xmlns:w="http://schemas.openxmlformats.org/wordprocessingml/2006/main">
+  <p:cSld name="">
+    <p:spTree>
+      <p:nvGrpSpPr>
+        <p:cNvPr id="1" name=""/>
+        <p:cNvGrpSpPr/>
+        <p:nvPr/>
+      </p:nvGrpSpPr>
+      <p:grpSpPr bwMode="auto">
+        <a:xfrm>
+          <a:off x="0" y="0"/>
+          <a:ext cx="0" cy="0"/>
+          <a:chOff x="0" y="0"/>
+          <a:chExt cx="0" cy="0"/>
+        </a:xfrm>
+      </p:grpSpPr>
+      <p:sp>
+        <p:nvSpPr>
+          <p:cNvPr id="1813596954" name="Slide Image Placeholder 1"/>
+          <p:cNvSpPr>
+            <a:spLocks noChangeAspect="1" noGrp="1" noRot="1"/>
+          </p:cNvSpPr>
+          <p:nvPr>
+            <p:ph type="sldImg"/>
+          </p:nvPr>
+        </p:nvSpPr>
+        <p:spPr bwMode="auto"/>
+      </p:sp>
+      <p:sp>
+        <p:nvSpPr>
+          <p:cNvPr id="1816362446" name="Notes Placeholder 2"/>
+          <p:cNvSpPr>
+            <a:spLocks noGrp="1"/>
+          </p:cNvSpPr>
+          <p:nvPr>
+            <p:ph type="body" idx="1"/>
+          </p:nvPr>
+        </p:nvSpPr>
+        <p:spPr bwMode="auto"/>
+        <p:txBody>
+          <a:bodyPr/>
+          <a:lstStyle/>
+          <a:p>
+            <a:pPr>
+              <a:defRPr/>
+            </a:pPr>
+            <a:endParaRPr/>
+          </a:p>
+        </p:txBody>
+      </p:sp>
+      <p:sp>
+        <p:nvSpPr>
+          <p:cNvPr id="563797375" name="Slide Number Placeholder 3"/>
+          <p:cNvSpPr>
+            <a:spLocks noGrp="1"/>
+          </p:cNvSpPr>
+          <p:nvPr>
+            <p:ph type="sldNum" sz="quarter" idx="10"/>
+          </p:nvPr>
+        </p:nvSpPr>
+        <p:spPr bwMode="auto"/>
+        <p:txBody>
+          <a:bodyPr/>
+          <a:lstStyle/>
+          <a:p>
+            <a:pPr>
+              <a:defRPr/>
+            </a:pPr>
+            <a:fld id="{77CE7AE3-645E-87AA-1FB7-00D3AFAA4F39}" type="slidenum">
               <a:rPr/>
               <a:t/>
             </a:fld>
@@ -925,7 +1423,7 @@
       </p:grpSpPr>
       <p:sp>
         <p:nvSpPr>
-          <p:cNvPr id="2" name="Slide Image Placeholder 1"/>
+          <p:cNvPr id="1545357341" name="Slide Image Placeholder 1"/>
           <p:cNvSpPr>
             <a:spLocks noChangeAspect="1" noGrp="1" noRot="1"/>
           </p:cNvSpPr>
@@ -937,7 +1435,7 @@
       </p:sp>
       <p:sp>
         <p:nvSpPr>
-          <p:cNvPr id="3" name="Notes Placeholder 2"/>
+          <p:cNvPr id="1745897495" name="Notes Placeholder 2"/>
           <p:cNvSpPr>
             <a:spLocks noGrp="1"/>
           </p:cNvSpPr>
@@ -959,7 +1457,7 @@
       </p:sp>
       <p:sp>
         <p:nvSpPr>
-          <p:cNvPr id="4" name="Slide Number Placeholder 3"/>
+          <p:cNvPr id="196776457" name="Slide Number Placeholder 3"/>
           <p:cNvSpPr>
             <a:spLocks noGrp="1"/>
           </p:cNvSpPr>
@@ -975,7 +1473,7 @@
             <a:pPr>
               <a:defRPr/>
             </a:pPr>
-            <a:fld id="{1C2FBDCE-63F9-78DD-B395-9C80BA7ECF62}" type="slidenum">
+            <a:fld id="{B441F8E0-03C3-11F2-0D67-8CAA4D047D1B}" type="slidenum">
               <a:rPr/>
               <a:t/>
             </a:fld>
@@ -1007,7 +1505,7 @@
       </p:grpSpPr>
       <p:sp>
         <p:nvSpPr>
-          <p:cNvPr id="2" name="Slide Image Placeholder 1"/>
+          <p:cNvPr id="940053829" name="Slide Image Placeholder 1"/>
           <p:cNvSpPr>
             <a:spLocks noChangeAspect="1" noGrp="1" noRot="1"/>
           </p:cNvSpPr>
@@ -1019,7 +1517,7 @@
       </p:sp>
       <p:sp>
         <p:nvSpPr>
-          <p:cNvPr id="3" name="Notes Placeholder 2"/>
+          <p:cNvPr id="445551453" name="Notes Placeholder 2"/>
           <p:cNvSpPr>
             <a:spLocks noGrp="1"/>
           </p:cNvSpPr>
@@ -1041,7 +1539,7 @@
       </p:sp>
       <p:sp>
         <p:nvSpPr>
-          <p:cNvPr id="4" name="Slide Number Placeholder 3"/>
+          <p:cNvPr id="650211979" name="Slide Number Placeholder 3"/>
           <p:cNvSpPr>
             <a:spLocks noGrp="1"/>
           </p:cNvSpPr>
@@ -1057,7 +1555,7 @@
             <a:pPr>
               <a:defRPr/>
             </a:pPr>
-            <a:fld id="{96C6CDDD-DE3B-7B52-7860-6E3CD371D797}" type="slidenum">
+            <a:fld id="{611F21DC-1187-0FB0-1705-CFAB5D2425D4}" type="slidenum">
               <a:rPr/>
               <a:t/>
             </a:fld>
@@ -1089,7 +1587,7 @@
       </p:grpSpPr>
       <p:sp>
         <p:nvSpPr>
-          <p:cNvPr id="2" name="Slide Image Placeholder 1"/>
+          <p:cNvPr id="1416578836" name="Slide Image Placeholder 1"/>
           <p:cNvSpPr>
             <a:spLocks noChangeAspect="1" noGrp="1" noRot="1"/>
           </p:cNvSpPr>
@@ -1101,7 +1599,7 @@
       </p:sp>
       <p:sp>
         <p:nvSpPr>
-          <p:cNvPr id="3" name="Notes Placeholder 2"/>
+          <p:cNvPr id="1505881630" name="Notes Placeholder 2"/>
           <p:cNvSpPr>
             <a:spLocks noGrp="1"/>
           </p:cNvSpPr>
@@ -1123,7 +1621,7 @@
       </p:sp>
       <p:sp>
         <p:nvSpPr>
-          <p:cNvPr id="4" name="Slide Number Placeholder 3"/>
+          <p:cNvPr id="474646728" name="Slide Number Placeholder 3"/>
           <p:cNvSpPr>
             <a:spLocks noGrp="1"/>
           </p:cNvSpPr>
@@ -1139,7 +1637,7 @@
             <a:pPr>
               <a:defRPr/>
             </a:pPr>
-            <a:fld id="{6C2BC218-53DA-94D3-6515-103EB5042409}" type="slidenum">
+            <a:fld id="{8EAB6851-AF2F-2E3A-5E3F-B4CD308C137B}" type="slidenum">
               <a:rPr/>
               <a:t/>
             </a:fld>
@@ -1171,7 +1669,7 @@
       </p:grpSpPr>
       <p:sp>
         <p:nvSpPr>
-          <p:cNvPr id="893610869" name="Slide Image Placeholder 1"/>
+          <p:cNvPr id="103057689" name="Slide Image Placeholder 1"/>
           <p:cNvSpPr>
             <a:spLocks noChangeAspect="1" noGrp="1" noRot="1"/>
           </p:cNvSpPr>
@@ -1183,7 +1681,7 @@
       </p:sp>
       <p:sp>
         <p:nvSpPr>
-          <p:cNvPr id="2113042559" name="Notes Placeholder 2"/>
+          <p:cNvPr id="1070213373" name="Notes Placeholder 2"/>
           <p:cNvSpPr>
             <a:spLocks noGrp="1"/>
           </p:cNvSpPr>
@@ -1205,7 +1703,7 @@
       </p:sp>
       <p:sp>
         <p:nvSpPr>
-          <p:cNvPr id="571988490" name="Slide Number Placeholder 3"/>
+          <p:cNvPr id="131087624" name="Slide Number Placeholder 3"/>
           <p:cNvSpPr>
             <a:spLocks noGrp="1"/>
           </p:cNvSpPr>
@@ -1253,7 +1751,7 @@
       </p:grpSpPr>
       <p:sp>
         <p:nvSpPr>
-          <p:cNvPr id="1655190176" name="Slide Image Placeholder 1"/>
+          <p:cNvPr id="2063951894" name="Slide Image Placeholder 1"/>
           <p:cNvSpPr>
             <a:spLocks noChangeAspect="1" noGrp="1" noRot="1"/>
           </p:cNvSpPr>
@@ -1265,7 +1763,7 @@
       </p:sp>
       <p:sp>
         <p:nvSpPr>
-          <p:cNvPr id="2087617989" name="Notes Placeholder 2"/>
+          <p:cNvPr id="1150804628" name="Notes Placeholder 2"/>
           <p:cNvSpPr>
             <a:spLocks noGrp="1"/>
           </p:cNvSpPr>
@@ -1287,7 +1785,7 @@
       </p:sp>
       <p:sp>
         <p:nvSpPr>
-          <p:cNvPr id="1349696578" name="Slide Number Placeholder 3"/>
+          <p:cNvPr id="868050299" name="Slide Number Placeholder 3"/>
           <p:cNvSpPr>
             <a:spLocks noGrp="1"/>
           </p:cNvSpPr>
@@ -1303,7 +1801,7 @@
             <a:pPr>
               <a:defRPr/>
             </a:pPr>
-            <a:fld id="{ABC0CD28-DC74-4069-A20F-F71725CBB942}" type="slidenum">
+            <a:fld id="{E3DE4245-C9F3-E39F-6374-33D0EEE36DAB}" type="slidenum">
               <a:rPr/>
               <a:t/>
             </a:fld>
@@ -1335,7 +1833,7 @@
       </p:grpSpPr>
       <p:sp>
         <p:nvSpPr>
-          <p:cNvPr id="2" name="Slide Image Placeholder 1"/>
+          <p:cNvPr id="332254028" name="Slide Image Placeholder 1"/>
           <p:cNvSpPr>
             <a:spLocks noChangeAspect="1" noGrp="1" noRot="1"/>
           </p:cNvSpPr>
@@ -1347,7 +1845,7 @@
       </p:sp>
       <p:sp>
         <p:nvSpPr>
-          <p:cNvPr id="3" name="Notes Placeholder 2"/>
+          <p:cNvPr id="507094586" name="Notes Placeholder 2"/>
           <p:cNvSpPr>
             <a:spLocks noGrp="1"/>
           </p:cNvSpPr>
@@ -1369,7 +1867,7 @@
       </p:sp>
       <p:sp>
         <p:nvSpPr>
-          <p:cNvPr id="4" name="Slide Number Placeholder 3"/>
+          <p:cNvPr id="514019605" name="Slide Number Placeholder 3"/>
           <p:cNvSpPr>
             <a:spLocks noGrp="1"/>
           </p:cNvSpPr>
@@ -1385,7 +1883,7 @@
             <a:pPr>
               <a:defRPr/>
             </a:pPr>
-            <a:fld id="{6E535621-761B-FC33-8DD3-468AE11B3EA1}" type="slidenum">
+            <a:fld id="{8487088A-A165-CEC1-1DA9-0D2C5BEA94E6}" type="slidenum">
               <a:rPr/>
               <a:t/>
             </a:fld>
@@ -1417,7 +1915,7 @@
       </p:grpSpPr>
       <p:sp>
         <p:nvSpPr>
-          <p:cNvPr id="2" name="Slide Image Placeholder 1"/>
+          <p:cNvPr id="1055891034" name="Slide Image Placeholder 1"/>
           <p:cNvSpPr>
             <a:spLocks noChangeAspect="1" noGrp="1" noRot="1"/>
           </p:cNvSpPr>
@@ -1429,7 +1927,7 @@
       </p:sp>
       <p:sp>
         <p:nvSpPr>
-          <p:cNvPr id="3" name="Notes Placeholder 2"/>
+          <p:cNvPr id="944978658" name="Notes Placeholder 2"/>
           <p:cNvSpPr>
             <a:spLocks noGrp="1"/>
           </p:cNvSpPr>
@@ -1451,7 +1949,7 @@
       </p:sp>
       <p:sp>
         <p:nvSpPr>
-          <p:cNvPr id="4" name="Slide Number Placeholder 3"/>
+          <p:cNvPr id="741714079" name="Slide Number Placeholder 3"/>
           <p:cNvSpPr>
             <a:spLocks noGrp="1"/>
           </p:cNvSpPr>
@@ -1467,7 +1965,7 @@
             <a:pPr>
               <a:defRPr/>
             </a:pPr>
-            <a:fld id="{AF96852D-AECC-2B9A-DF7B-B0ADF4B291EF}" type="slidenum">
+            <a:fld id="{B137E71D-F887-8D25-20FC-2D23251AAA54}" type="slidenum">
               <a:rPr/>
               <a:t/>
             </a:fld>
@@ -1499,7 +1997,7 @@
       </p:grpSpPr>
       <p:sp>
         <p:nvSpPr>
-          <p:cNvPr id="2" name="Slide Image Placeholder 1"/>
+          <p:cNvPr id="1977634607" name="Slide Image Placeholder 1"/>
           <p:cNvSpPr>
             <a:spLocks noChangeAspect="1" noGrp="1" noRot="1"/>
           </p:cNvSpPr>
@@ -1511,7 +2009,7 @@
       </p:sp>
       <p:sp>
         <p:nvSpPr>
-          <p:cNvPr id="3" name="Notes Placeholder 2"/>
+          <p:cNvPr id="1859859867" name="Notes Placeholder 2"/>
           <p:cNvSpPr>
             <a:spLocks noGrp="1"/>
           </p:cNvSpPr>
@@ -1533,7 +2031,7 @@
       </p:sp>
       <p:sp>
         <p:nvSpPr>
-          <p:cNvPr id="4" name="Slide Number Placeholder 3"/>
+          <p:cNvPr id="1570016481" name="Slide Number Placeholder 3"/>
           <p:cNvSpPr>
             <a:spLocks noGrp="1"/>
           </p:cNvSpPr>
@@ -1549,7 +2047,7 @@
             <a:pPr>
               <a:defRPr/>
             </a:pPr>
-            <a:fld id="{E9AD47C1-36DE-83C8-111F-375F0AF6A71B}" type="slidenum">
+            <a:fld id="{760D94F0-4EB2-431A-2784-26B56F7D4CF0}" type="slidenum">
               <a:rPr/>
               <a:t/>
             </a:fld>
@@ -1581,7 +2079,7 @@
       </p:grpSpPr>
       <p:pic>
         <p:nvPicPr>
-          <p:cNvPr id="280473459" name="Picture 6"/>
+          <p:cNvPr id="285712907" name="Picture 6"/>
           <p:cNvPicPr>
             <a:picLocks noChangeAspect="1"/>
           </p:cNvPicPr>
@@ -1604,7 +2102,7 @@
       </p:pic>
       <p:sp>
         <p:nvSpPr>
-          <p:cNvPr id="1586094185" name="Freeform: Shape 1"/>
+          <p:cNvPr id="1472062921" name="Freeform: Shape 1"/>
           <p:cNvSpPr/>
           <p:nvPr/>
         </p:nvSpPr>
@@ -1709,7 +2207,7 @@
       </p:sp>
       <p:sp>
         <p:nvSpPr>
-          <p:cNvPr id="1369046885" name="Title 2"/>
+          <p:cNvPr id="1910741239" name="Title 2"/>
           <p:cNvSpPr>
             <a:spLocks noGrp="1"/>
           </p:cNvSpPr>
@@ -1754,7 +2252,7 @@
       </p:sp>
       <p:sp>
         <p:nvSpPr>
-          <p:cNvPr id="1877021444" name="Subtitle 3"/>
+          <p:cNvPr id="348880690" name="Subtitle 3"/>
           <p:cNvSpPr>
             <a:spLocks noGrp="1"/>
           </p:cNvSpPr>
@@ -1800,7 +2298,7 @@
       </p:sp>
       <p:sp>
         <p:nvSpPr>
-          <p:cNvPr id="1099141387" name="Text Placeholder 4"/>
+          <p:cNvPr id="1608950432" name="Text Placeholder 4"/>
           <p:cNvSpPr>
             <a:spLocks noGrp="1"/>
           </p:cNvSpPr>
@@ -1859,7 +2357,7 @@
       </p:sp>
       <p:sp>
         <p:nvSpPr>
-          <p:cNvPr id="924917819" name="Text Placeholder 5"/>
+          <p:cNvPr id="1914709835" name="Text Placeholder 5"/>
           <p:cNvSpPr>
             <a:spLocks noGrp="1"/>
           </p:cNvSpPr>
@@ -1946,7 +2444,7 @@
       </p:grpSpPr>
       <p:grpSp>
         <p:nvGrpSpPr>
-          <p:cNvPr id="1872290391" name="Group 5"/>
+          <p:cNvPr id="1388732430" name="Group 5"/>
           <p:cNvGrpSpPr/>
           <p:nvPr userDrawn="1"/>
         </p:nvGrpSpPr>
@@ -2068,7 +2566,7 @@
       </p:grpSp>
       <p:sp>
         <p:nvSpPr>
-          <p:cNvPr id="414632595" name="Title 8"/>
+          <p:cNvPr id="1279286156" name="Title 8"/>
           <p:cNvSpPr>
             <a:spLocks noGrp="1"/>
           </p:cNvSpPr>
@@ -2115,7 +2613,7 @@
       </p:sp>
       <p:sp>
         <p:nvSpPr>
-          <p:cNvPr id="1453190129" name="Content Placeholder 7"/>
+          <p:cNvPr id="1451237472" name="Content Placeholder 7"/>
           <p:cNvSpPr>
             <a:spLocks noGrp="1"/>
           </p:cNvSpPr>
@@ -2217,7 +2715,7 @@
       </p:sp>
       <p:sp>
         <p:nvSpPr>
-          <p:cNvPr id="1630721556" name="Date Placeholder 1"/>
+          <p:cNvPr id="1445369836" name="Date Placeholder 1"/>
           <p:cNvSpPr>
             <a:spLocks noGrp="1"/>
           </p:cNvSpPr>
@@ -2243,7 +2741,7 @@
       </p:sp>
       <p:sp>
         <p:nvSpPr>
-          <p:cNvPr id="262335854" name="Footer Placeholder 2"/>
+          <p:cNvPr id="424476" name="Footer Placeholder 2"/>
           <p:cNvSpPr>
             <a:spLocks noGrp="1"/>
           </p:cNvSpPr>
@@ -2269,7 +2767,7 @@
       </p:sp>
       <p:sp>
         <p:nvSpPr>
-          <p:cNvPr id="639858854" name="Slide Number Placeholder 3"/>
+          <p:cNvPr id="1948103222" name="Slide Number Placeholder 3"/>
           <p:cNvSpPr>
             <a:spLocks noGrp="1"/>
           </p:cNvSpPr>
@@ -2325,7 +2823,7 @@
       </p:grpSpPr>
       <p:grpSp>
         <p:nvGrpSpPr>
-          <p:cNvPr id="1918415453" name="Group 4"/>
+          <p:cNvPr id="69122009" name="Group 4"/>
           <p:cNvGrpSpPr/>
           <p:nvPr userDrawn="1"/>
         </p:nvGrpSpPr>
@@ -2633,7 +3131,7 @@
       </p:grpSp>
       <p:sp>
         <p:nvSpPr>
-          <p:cNvPr id="1918619998" name="Title 4"/>
+          <p:cNvPr id="10011793" name="Title 4"/>
           <p:cNvSpPr>
             <a:spLocks noGrp="1"/>
           </p:cNvSpPr>
@@ -2680,7 +3178,7 @@
       </p:sp>
       <p:sp>
         <p:nvSpPr>
-          <p:cNvPr id="1855743940" name="Content Placeholder 6"/>
+          <p:cNvPr id="605988707" name="Content Placeholder 6"/>
           <p:cNvSpPr>
             <a:spLocks noGrp="1"/>
           </p:cNvSpPr>
@@ -2770,7 +3268,7 @@
       </p:sp>
       <p:sp>
         <p:nvSpPr>
-          <p:cNvPr id="300104298" name="Date Placeholder 1"/>
+          <p:cNvPr id="210083798" name="Date Placeholder 1"/>
           <p:cNvSpPr>
             <a:spLocks noGrp="1"/>
           </p:cNvSpPr>
@@ -2796,7 +3294,7 @@
       </p:sp>
       <p:sp>
         <p:nvSpPr>
-          <p:cNvPr id="1428207404" name="Footer Placeholder 2"/>
+          <p:cNvPr id="132363116" name="Footer Placeholder 2"/>
           <p:cNvSpPr>
             <a:spLocks noGrp="1"/>
           </p:cNvSpPr>
@@ -2822,7 +3320,7 @@
       </p:sp>
       <p:sp>
         <p:nvSpPr>
-          <p:cNvPr id="1814732056" name="Slide Number Placeholder 3"/>
+          <p:cNvPr id="921609708" name="Slide Number Placeholder 3"/>
           <p:cNvSpPr>
             <a:spLocks noGrp="1"/>
           </p:cNvSpPr>
@@ -2848,7 +3346,7 @@
       </p:sp>
       <p:grpSp>
         <p:nvGrpSpPr>
-          <p:cNvPr id="1673380370" name="Group 5"/>
+          <p:cNvPr id="181868168" name="Group 5"/>
           <p:cNvGrpSpPr/>
           <p:nvPr/>
         </p:nvGrpSpPr>
@@ -3508,7 +4006,7 @@
       </p:grpSpPr>
       <p:pic>
         <p:nvPicPr>
-          <p:cNvPr id="1445738184" name="Picture 4"/>
+          <p:cNvPr id="1308928429" name="Picture 4"/>
           <p:cNvPicPr>
             <a:picLocks noChangeAspect="1"/>
           </p:cNvPicPr>
@@ -3531,7 +4029,7 @@
       </p:pic>
       <p:sp>
         <p:nvSpPr>
-          <p:cNvPr id="936137317" name="Rectangle 1"/>
+          <p:cNvPr id="1172458412" name="Rectangle 1"/>
           <p:cNvSpPr/>
           <p:nvPr/>
         </p:nvSpPr>
@@ -3593,7 +4091,7 @@
       </p:sp>
       <p:sp>
         <p:nvSpPr>
-          <p:cNvPr id="670753514" name="矩形 5"/>
+          <p:cNvPr id="1635590404" name="矩形 5"/>
           <p:cNvSpPr/>
           <p:nvPr userDrawn="1"/>
         </p:nvSpPr>
@@ -3653,7 +4151,7 @@
       </p:sp>
       <p:sp>
         <p:nvSpPr>
-          <p:cNvPr id="1629946322" name="Title 2"/>
+          <p:cNvPr id="705323135" name="Title 2"/>
           <p:cNvSpPr>
             <a:spLocks noGrp="1"/>
           </p:cNvSpPr>
@@ -3698,7 +4196,7 @@
       </p:sp>
       <p:sp>
         <p:nvSpPr>
-          <p:cNvPr id="379696231" name="Subtitle 3"/>
+          <p:cNvPr id="1880804865" name="Subtitle 3"/>
           <p:cNvSpPr>
             <a:spLocks noGrp="1"/>
           </p:cNvSpPr>
@@ -3774,7 +4272,7 @@
       </p:grpSpPr>
       <p:grpSp>
         <p:nvGrpSpPr>
-          <p:cNvPr id="593036756" name="Group 4"/>
+          <p:cNvPr id="265440132" name="Group 4"/>
           <p:cNvGrpSpPr/>
           <p:nvPr userDrawn="1"/>
         </p:nvGrpSpPr>
@@ -4082,7 +4580,7 @@
       </p:grpSp>
       <p:sp>
         <p:nvSpPr>
-          <p:cNvPr id="1832446363" name="Title 8"/>
+          <p:cNvPr id="880859970" name="Title 8"/>
           <p:cNvSpPr>
             <a:spLocks noGrp="1"/>
           </p:cNvSpPr>
@@ -4129,7 +4627,7 @@
       </p:sp>
       <p:sp>
         <p:nvSpPr>
-          <p:cNvPr id="535839236" name="Date Placeholder 1"/>
+          <p:cNvPr id="773821194" name="Date Placeholder 1"/>
           <p:cNvSpPr>
             <a:spLocks noGrp="1"/>
           </p:cNvSpPr>
@@ -4155,7 +4653,7 @@
       </p:sp>
       <p:sp>
         <p:nvSpPr>
-          <p:cNvPr id="277162693" name="Footer Placeholder 2"/>
+          <p:cNvPr id="221642328" name="Footer Placeholder 2"/>
           <p:cNvSpPr>
             <a:spLocks noGrp="1"/>
           </p:cNvSpPr>
@@ -4181,7 +4679,7 @@
       </p:sp>
       <p:sp>
         <p:nvSpPr>
-          <p:cNvPr id="1865204816" name="Slide Number Placeholder 3"/>
+          <p:cNvPr id="1613724670" name="Slide Number Placeholder 3"/>
           <p:cNvSpPr>
             <a:spLocks noGrp="1"/>
           </p:cNvSpPr>
@@ -4232,7 +4730,7 @@
       </p:grpSpPr>
       <p:grpSp>
         <p:nvGrpSpPr>
-          <p:cNvPr id="94595774" name="Group 4"/>
+          <p:cNvPr id="83133638" name="Group 4"/>
           <p:cNvGrpSpPr/>
           <p:nvPr userDrawn="1"/>
         </p:nvGrpSpPr>
@@ -4540,7 +5038,7 @@
       </p:grpSp>
       <p:sp>
         <p:nvSpPr>
-          <p:cNvPr id="1634459881" name="Date Placeholder 1"/>
+          <p:cNvPr id="1712768092" name="Date Placeholder 1"/>
           <p:cNvSpPr>
             <a:spLocks noGrp="1"/>
           </p:cNvSpPr>
@@ -4566,7 +5064,7 @@
       </p:sp>
       <p:sp>
         <p:nvSpPr>
-          <p:cNvPr id="721795408" name="Footer Placeholder 2"/>
+          <p:cNvPr id="1556832910" name="Footer Placeholder 2"/>
           <p:cNvSpPr>
             <a:spLocks noGrp="1"/>
           </p:cNvSpPr>
@@ -4592,7 +5090,7 @@
       </p:sp>
       <p:sp>
         <p:nvSpPr>
-          <p:cNvPr id="1865354167" name="Slide Number Placeholder 3"/>
+          <p:cNvPr id="222222349" name="Slide Number Placeholder 3"/>
           <p:cNvSpPr>
             <a:spLocks noGrp="1"/>
           </p:cNvSpPr>
@@ -4643,7 +5141,7 @@
       </p:grpSpPr>
       <p:pic>
         <p:nvPicPr>
-          <p:cNvPr id="1388410311" name="Picture 5"/>
+          <p:cNvPr id="1265482172" name="Picture 5"/>
           <p:cNvPicPr>
             <a:picLocks noChangeAspect="1"/>
           </p:cNvPicPr>
@@ -4666,7 +5164,7 @@
       </p:pic>
       <p:sp>
         <p:nvSpPr>
-          <p:cNvPr id="818007110" name="Freeform: Shape 1"/>
+          <p:cNvPr id="232071973" name="Freeform: Shape 1"/>
           <p:cNvSpPr/>
           <p:nvPr/>
         </p:nvSpPr>
@@ -4771,7 +5269,7 @@
       </p:sp>
       <p:sp>
         <p:nvSpPr>
-          <p:cNvPr id="728371244" name="Title 2"/>
+          <p:cNvPr id="506090056" name="Title 2"/>
           <p:cNvSpPr>
             <a:spLocks noGrp="1"/>
           </p:cNvSpPr>
@@ -4816,7 +5314,7 @@
       </p:sp>
       <p:sp>
         <p:nvSpPr>
-          <p:cNvPr id="1660431694" name="Text Placeholder 3"/>
+          <p:cNvPr id="1904667255" name="Text Placeholder 3"/>
           <p:cNvSpPr>
             <a:spLocks noGrp="1"/>
           </p:cNvSpPr>
@@ -4875,7 +5373,7 @@
       </p:sp>
       <p:sp>
         <p:nvSpPr>
-          <p:cNvPr id="1395749363" name="Text Placeholder 4"/>
+          <p:cNvPr id="2087399598" name="Text Placeholder 4"/>
           <p:cNvSpPr>
             <a:spLocks noGrp="1"/>
           </p:cNvSpPr>
@@ -4962,7 +5460,7 @@
       </p:grpSpPr>
       <p:sp>
         <p:nvSpPr>
-          <p:cNvPr id="790345344" name="标题占位符 1"/>
+          <p:cNvPr id="1751889649" name="标题占位符 1"/>
           <p:cNvSpPr>
             <a:spLocks noGrp="1"/>
           </p:cNvSpPr>
@@ -4998,7 +5496,7 @@
       </p:sp>
       <p:sp>
         <p:nvSpPr>
-          <p:cNvPr id="267129587" name="文本占位符 2"/>
+          <p:cNvPr id="990312359" name="文本占位符 2"/>
           <p:cNvSpPr>
             <a:spLocks noGrp="1"/>
           </p:cNvSpPr>
@@ -5078,7 +5576,7 @@
       </p:sp>
       <p:sp>
         <p:nvSpPr>
-          <p:cNvPr id="177372306" name="日期占位符 3"/>
+          <p:cNvPr id="1130669575" name="日期占位符 3"/>
           <p:cNvSpPr>
             <a:spLocks noGrp="1"/>
           </p:cNvSpPr>
@@ -5122,7 +5620,7 @@
       </p:sp>
       <p:sp>
         <p:nvSpPr>
-          <p:cNvPr id="2078625838" name="页脚占位符 4"/>
+          <p:cNvPr id="1980290302" name="页脚占位符 4"/>
           <p:cNvSpPr>
             <a:spLocks noGrp="1"/>
           </p:cNvSpPr>
@@ -5166,7 +5664,7 @@
       </p:sp>
       <p:sp>
         <p:nvSpPr>
-          <p:cNvPr id="897198629" name="灯片编号占位符 5"/>
+          <p:cNvPr id="647781354" name="灯片编号占位符 5"/>
           <p:cNvSpPr>
             <a:spLocks noGrp="1"/>
           </p:cNvSpPr>
@@ -5523,7 +6021,7 @@
       </p:grpSpPr>
       <p:sp>
         <p:nvSpPr>
-          <p:cNvPr id="1992174703" name="Title 2"/>
+          <p:cNvPr id="1846148206" name="Title 2"/>
           <p:cNvSpPr>
             <a:spLocks noGrp="1"/>
           </p:cNvSpPr>
@@ -5581,7 +6079,7 @@
       </p:sp>
       <p:sp>
         <p:nvSpPr>
-          <p:cNvPr id="1806243284" name="Subtitle 3"/>
+          <p:cNvPr id="1810574263" name="Subtitle 3"/>
           <p:cNvSpPr>
             <a:spLocks noGrp="1"/>
           </p:cNvSpPr>
@@ -5651,81 +6149,270 @@
       </p:grpSpPr>
       <p:sp>
         <p:nvSpPr>
-          <p:cNvPr id="369490362" name="Title 2"/>
+          <p:cNvPr id="37588294" name="Title 4"/>
           <p:cNvSpPr>
             <a:spLocks noGrp="1"/>
           </p:cNvSpPr>
           <p:nvPr>
-            <p:ph type="title"/>
+            <p:ph type="title" hasCustomPrompt="1"/>
           </p:nvPr>
         </p:nvSpPr>
         <p:spPr bwMode="auto">
           <a:xfrm>
-            <a:off x="7066384" y="3000375"/>
-            <a:ext cx="4363616" cy="857250"/>
+            <a:off x="660399" y="1500187"/>
+            <a:ext cx="2836800" cy="914400"/>
           </a:xfrm>
+          <a:prstGeom prst="rect">
+            <a:avLst/>
+          </a:prstGeom>
         </p:spPr>
         <p:txBody>
-          <a:bodyPr wrap="square">
-            <a:normAutofit fontScale="90000"/>
+          <a:bodyPr wrap="none" anchor="t">
+            <a:normAutofit/>
           </a:bodyPr>
-          <a:lstStyle/>
+          <a:lstStyle>
+            <a:lvl1pPr algn="r">
+              <a:lnSpc>
+                <a:spcPct val="100000"/>
+              </a:lnSpc>
+              <a:defRPr sz="2800">
+                <a:solidFill>
+                  <a:schemeClr val="accent1"/>
+                </a:solidFill>
+              </a:defRPr>
+            </a:lvl1pPr>
+          </a:lstStyle>
           <a:p>
             <a:pPr>
               <a:defRPr/>
             </a:pPr>
-            <a:r>
-              <a:rPr lang="en-US"/>
-              <a:t>03.</a:t>
-            </a:r>
-            <a:r>
-              <a:rPr lang="zh-CN"/>
-              <a:t>项目亮点</a:t>
-            </a:r>
-            <a:br>
-              <a:rPr lang="zh-CN" sz="3600" b="1">
-                <a:solidFill>
-                  <a:schemeClr val="tx1"/>
-                </a:solidFill>
-              </a:rPr>
-            </a:br>
-            <a:endParaRPr lang="zh-CN"/>
+            <a:endParaRPr/>
           </a:p>
         </p:txBody>
       </p:sp>
       <p:sp>
         <p:nvSpPr>
-          <p:cNvPr id="400831114" name="Subtitle 3"/>
+          <p:cNvPr id="1436469282" name="Content Placeholder 6"/>
           <p:cNvSpPr>
             <a:spLocks noGrp="1"/>
           </p:cNvSpPr>
           <p:nvPr>
-            <p:ph type="subTitle" idx="1"/>
+            <p:ph sz="quarter" idx="1" hasCustomPrompt="1"/>
           </p:nvPr>
         </p:nvSpPr>
         <p:spPr bwMode="auto">
           <a:xfrm>
-            <a:off x="6096000" y="3524250"/>
-            <a:ext cx="5334000" cy="952500"/>
+            <a:off x="3746499" y="1500186"/>
+            <a:ext cx="7772400" cy="4633199"/>
           </a:xfrm>
+          <a:prstGeom prst="rect">
+            <a:avLst/>
+          </a:prstGeom>
         </p:spPr>
         <p:txBody>
           <a:bodyPr wrap="square">
             <a:normAutofit/>
           </a:bodyPr>
-          <a:lstStyle/>
+          <a:lstStyle>
+            <a:lvl1pPr marL="457200" indent="-457200">
+              <a:lnSpc>
+                <a:spcPct val="130000"/>
+              </a:lnSpc>
+              <a:buFont typeface="+mj-lt"/>
+              <a:buAutoNum type="arabicPeriod"/>
+              <a:defRPr sz="2400" b="0">
+                <a:solidFill>
+                  <a:schemeClr val="tx1"/>
+                </a:solidFill>
+                <a:latin typeface="+mn-lt"/>
+              </a:defRPr>
+            </a:lvl1pPr>
+          </a:lstStyle>
           <a:p>
-            <a:pPr>
+            <a:pPr marL="0" indent="0">
+              <a:buFont typeface="+mj-lt"/>
+              <a:buNone/>
               <a:defRPr/>
             </a:pPr>
             <a:r>
-              <a:rPr lang="zh-CN"/>
-              <a:t>解释该研究项目的意义</a:t>
+              <a:rPr sz="2400" b="1" i="0" u="none">
+                <a:solidFill>
+                  <a:srgbClr val="000000"/>
+                </a:solidFill>
+                <a:latin typeface="Times New Roman"/>
+                <a:ea typeface="Times New Roman"/>
+                <a:cs typeface="Times New Roman"/>
+              </a:rPr>
+              <a:t>后端开发与终端设计</a:t>
+            </a:r>
+            <a:endParaRPr sz="2400"/>
+          </a:p>
+          <a:p>
+            <a:pPr marL="0" indent="0">
+              <a:buFont typeface="+mj-lt"/>
+              <a:buNone/>
+              <a:defRPr/>
+            </a:pPr>
+            <a:r>
+              <a:rPr sz="2400" b="1" i="0" u="none">
+                <a:solidFill>
+                  <a:srgbClr val="000000"/>
+                </a:solidFill>
+                <a:latin typeface="Times New Roman"/>
+                <a:ea typeface="Times New Roman"/>
+                <a:cs typeface="Times New Roman"/>
+              </a:rPr>
+              <a:t>后端目标</a:t>
+            </a:r>
+            <a:r>
+              <a:rPr sz="2400" b="0" i="0" u="none">
+                <a:solidFill>
+                  <a:srgbClr val="000000"/>
+                </a:solidFill>
+                <a:latin typeface="Times New Roman"/>
+                <a:ea typeface="Times New Roman"/>
+                <a:cs typeface="Times New Roman"/>
+              </a:rPr>
+              <a:t>：构建一套支持游记内容管理与审核的后台系统</a:t>
+            </a:r>
+            <a:endParaRPr sz="2400"/>
+          </a:p>
+          <a:p>
+            <a:pPr marL="0" indent="0">
+              <a:buFont typeface="+mj-lt"/>
+              <a:buNone/>
+              <a:defRPr/>
+            </a:pPr>
+            <a:r>
+              <a:rPr sz="2400" b="1" i="0" u="none">
+                <a:solidFill>
+                  <a:srgbClr val="000000"/>
+                </a:solidFill>
+                <a:latin typeface="Times New Roman"/>
+                <a:ea typeface="Times New Roman"/>
+                <a:cs typeface="Times New Roman"/>
+              </a:rPr>
+              <a:t>终端平台</a:t>
+            </a:r>
+            <a:r>
+              <a:rPr sz="2400" b="0" i="0" u="none">
+                <a:solidFill>
+                  <a:srgbClr val="000000"/>
+                </a:solidFill>
+                <a:latin typeface="Times New Roman"/>
+                <a:ea typeface="Times New Roman"/>
+                <a:cs typeface="Times New Roman"/>
+              </a:rPr>
+              <a:t>：PC 管理站点</a:t>
+            </a:r>
+            <a:endParaRPr sz="2400"/>
+          </a:p>
+          <a:p>
+            <a:pPr marL="0" indent="0">
+              <a:buFont typeface="+mj-lt"/>
+              <a:buNone/>
+              <a:defRPr/>
+            </a:pPr>
+            <a:r>
+              <a:rPr sz="2400" b="1" i="0" u="none">
+                <a:solidFill>
+                  <a:srgbClr val="000000"/>
+                </a:solidFill>
+                <a:latin typeface="Times New Roman"/>
+                <a:ea typeface="Times New Roman"/>
+                <a:cs typeface="Times New Roman"/>
+              </a:rPr>
+              <a:t>开发模块</a:t>
+            </a:r>
+            <a:r>
+              <a:rPr sz="2400" b="0" i="0" u="none">
+                <a:solidFill>
+                  <a:srgbClr val="000000"/>
+                </a:solidFill>
+                <a:latin typeface="Times New Roman"/>
+                <a:ea typeface="Times New Roman"/>
+                <a:cs typeface="Times New Roman"/>
+              </a:rPr>
+              <a:t>：后端接口设计 + 审核页面实现 + 权限控制</a:t>
+            </a:r>
+            <a:endParaRPr sz="2400"/>
+          </a:p>
+          <a:p>
+            <a:pPr marL="0" indent="0">
+              <a:buFont typeface="+mj-lt"/>
+              <a:buNone/>
+              <a:defRPr/>
+            </a:pPr>
+            <a:r>
+              <a:rPr sz="2400" b="1" i="0" u="none">
+                <a:solidFill>
+                  <a:srgbClr val="000000"/>
+                </a:solidFill>
+                <a:latin typeface="Times New Roman"/>
+                <a:ea typeface="Times New Roman"/>
+                <a:cs typeface="Times New Roman"/>
+              </a:rPr>
+              <a:t>应用场景</a:t>
+            </a:r>
+            <a:r>
+              <a:rPr sz="2400" b="0" i="0" u="none">
+                <a:solidFill>
+                  <a:srgbClr val="000000"/>
+                </a:solidFill>
+                <a:latin typeface="Times New Roman"/>
+                <a:ea typeface="Times New Roman"/>
+                <a:cs typeface="Times New Roman"/>
+              </a:rPr>
+              <a:t>：适用于游记类平台内容管理使用</a:t>
             </a:r>
             <a:endParaRPr/>
           </a:p>
         </p:txBody>
       </p:sp>
+      <p:pic>
+        <p:nvPicPr>
+          <p:cNvPr id="1868275858" name=""/>
+          <p:cNvPicPr>
+            <a:picLocks noChangeAspect="1"/>
+          </p:cNvPicPr>
+          <p:nvPr/>
+        </p:nvPicPr>
+        <p:blipFill>
+          <a:blip r:embed="rId3"/>
+          <a:stretch/>
+        </p:blipFill>
+        <p:spPr bwMode="auto">
+          <a:xfrm flipH="0" flipV="0">
+            <a:off x="552449" y="764901"/>
+            <a:ext cx="2545628" cy="3051884"/>
+          </a:xfrm>
+          <a:prstGeom prst="rect">
+            <a:avLst/>
+          </a:prstGeom>
+        </p:spPr>
+      </p:pic>
+      <p:pic>
+        <p:nvPicPr>
+          <p:cNvPr id="822728710" name=""/>
+          <p:cNvPicPr>
+            <a:picLocks noChangeAspect="1"/>
+          </p:cNvPicPr>
+          <p:nvPr/>
+        </p:nvPicPr>
+        <p:blipFill>
+          <a:blip r:embed="rId4"/>
+          <a:stretch/>
+        </p:blipFill>
+        <p:spPr bwMode="auto">
+          <a:xfrm>
+            <a:off x="552449" y="4190999"/>
+            <a:ext cx="2543175" cy="2457450"/>
+          </a:xfrm>
+          <a:prstGeom prst="rect">
+            <a:avLst/>
+          </a:prstGeom>
+        </p:spPr>
+      </p:pic>
     </p:spTree>
   </p:cSld>
   <p:clrMapOvr>
@@ -5761,74 +6448,339 @@
       </p:grpSpPr>
       <p:sp>
         <p:nvSpPr>
-          <p:cNvPr id="1925026853" name="Title 2"/>
+          <p:cNvPr id="1482113731" name="Title 4"/>
           <p:cNvSpPr>
             <a:spLocks noGrp="1"/>
           </p:cNvSpPr>
           <p:nvPr>
-            <p:ph type="title"/>
+            <p:ph type="title" hasCustomPrompt="1"/>
           </p:nvPr>
         </p:nvSpPr>
         <p:spPr bwMode="auto">
           <a:xfrm>
-            <a:off x="6096000" y="2571750"/>
-            <a:ext cx="5334000" cy="857250"/>
+            <a:off x="660399" y="1500187"/>
+            <a:ext cx="2836800" cy="914400"/>
           </a:xfrm>
+          <a:prstGeom prst="rect">
+            <a:avLst/>
+          </a:prstGeom>
         </p:spPr>
         <p:txBody>
-          <a:bodyPr wrap="square">
+          <a:bodyPr wrap="none" anchor="t">
             <a:normAutofit/>
           </a:bodyPr>
-          <a:lstStyle/>
+          <a:lstStyle>
+            <a:lvl1pPr algn="r">
+              <a:lnSpc>
+                <a:spcPct val="100000"/>
+              </a:lnSpc>
+              <a:defRPr sz="2800">
+                <a:solidFill>
+                  <a:schemeClr val="accent1"/>
+                </a:solidFill>
+              </a:defRPr>
+            </a:lvl1pPr>
+          </a:lstStyle>
           <a:p>
             <a:pPr>
               <a:defRPr/>
             </a:pPr>
-            <a:r>
-              <a:rPr lang="en-US"/>
-              <a:t>04.</a:t>
-            </a:r>
-            <a:r>
-              <a:rPr lang="zh-CN"/>
-              <a:t>技术说明</a:t>
-            </a:r>
             <a:endParaRPr/>
           </a:p>
         </p:txBody>
       </p:sp>
       <p:sp>
         <p:nvSpPr>
-          <p:cNvPr id="1044481775" name="Subtitle 3"/>
+          <p:cNvPr id="1756247314" name="Content Placeholder 6"/>
           <p:cNvSpPr>
             <a:spLocks noGrp="1"/>
           </p:cNvSpPr>
           <p:nvPr>
-            <p:ph type="subTitle" idx="1"/>
+            <p:ph sz="quarter" idx="1" hasCustomPrompt="1"/>
           </p:nvPr>
         </p:nvSpPr>
         <p:spPr bwMode="auto">
           <a:xfrm>
-            <a:off x="6096000" y="3524250"/>
-            <a:ext cx="5334000" cy="952500"/>
+            <a:off x="5422898" y="1500185"/>
+            <a:ext cx="7772400" cy="4633199"/>
           </a:xfrm>
+          <a:prstGeom prst="rect">
+            <a:avLst/>
+          </a:prstGeom>
         </p:spPr>
         <p:txBody>
-          <a:bodyPr wrap="square">
-            <a:normAutofit/>
+          <a:bodyPr vertOverflow="overflow" horzOverflow="overflow" vert="horz" wrap="square" lIns="91440" tIns="45720" rIns="91440" bIns="45720" numCol="1" spcCol="0" rtlCol="0" fromWordArt="0" anchor="t" anchorCtr="0" forceAA="0" upright="0" compatLnSpc="0">
+            <a:normAutofit fontScale="95000" lnSpcReduction="1000"/>
           </a:bodyPr>
-          <a:lstStyle/>
+          <a:lstStyle>
+            <a:lvl1pPr marL="457200" indent="-457200">
+              <a:lnSpc>
+                <a:spcPct val="130000"/>
+              </a:lnSpc>
+              <a:buFont typeface="+mj-lt"/>
+              <a:buAutoNum type="arabicPeriod"/>
+              <a:defRPr sz="2400" b="0">
+                <a:solidFill>
+                  <a:schemeClr val="tx1"/>
+                </a:solidFill>
+                <a:latin typeface="+mn-lt"/>
+              </a:defRPr>
+            </a:lvl1pPr>
+          </a:lstStyle>
           <a:p>
-            <a:pPr>
+            <a:pPr marL="0" indent="0">
+              <a:buFont typeface="+mj-lt"/>
+              <a:buNone/>
               <a:defRPr/>
             </a:pPr>
             <a:r>
-              <a:rPr lang="zh-CN"/>
-              <a:t>介绍该研究在某个方面的独特创新点</a:t>
+              <a:rPr sz="1800" b="1" i="0" u="none">
+                <a:solidFill>
+                  <a:srgbClr val="000000"/>
+                </a:solidFill>
+                <a:latin typeface="Times New Roman"/>
+                <a:ea typeface="Times New Roman"/>
+                <a:cs typeface="Times New Roman"/>
+              </a:rPr>
+              <a:t>系统结构与核心价值</a:t>
+            </a:r>
+            <a:endParaRPr sz="1800" b="1" i="0" u="none">
+              <a:solidFill>
+                <a:srgbClr val="000000"/>
+              </a:solidFill>
+              <a:latin typeface="Times New Roman"/>
+              <a:ea typeface="Times New Roman"/>
+              <a:cs typeface="Times New Roman"/>
+            </a:endParaRPr>
+          </a:p>
+          <a:p>
+            <a:pPr marL="0" indent="0">
+              <a:buFont typeface="+mj-lt"/>
+              <a:buNone/>
+              <a:defRPr/>
+            </a:pPr>
+            <a:r>
+              <a:rPr sz="1800" b="1" i="0" u="none">
+                <a:solidFill>
+                  <a:srgbClr val="000000"/>
+                </a:solidFill>
+                <a:latin typeface="Times New Roman"/>
+                <a:ea typeface="Times New Roman"/>
+                <a:cs typeface="Times New Roman"/>
+              </a:rPr>
+              <a:t>设计核心</a:t>
+            </a:r>
+            <a:endParaRPr sz="1800"/>
+          </a:p>
+          <a:p>
+            <a:pPr marL="0" indent="0">
+              <a:buFont typeface="+mj-lt"/>
+              <a:buNone/>
+              <a:defRPr/>
+            </a:pPr>
+            <a:r>
+              <a:rPr sz="1800" b="0" i="0" u="none">
+                <a:solidFill>
+                  <a:srgbClr val="000000"/>
+                </a:solidFill>
+                <a:latin typeface="Times New Roman"/>
+                <a:ea typeface="Times New Roman"/>
+                <a:cs typeface="Times New Roman"/>
+              </a:rPr>
+              <a:t>实现</a:t>
+            </a:r>
+            <a:r>
+              <a:rPr sz="1800" b="1" i="0" u="none">
+                <a:solidFill>
+                  <a:srgbClr val="000000"/>
+                </a:solidFill>
+                <a:latin typeface="Times New Roman"/>
+                <a:ea typeface="Times New Roman"/>
+                <a:cs typeface="Times New Roman"/>
+              </a:rPr>
+              <a:t>游记内容审核全流程管理</a:t>
+            </a:r>
+            <a:endParaRPr sz="1800"/>
+          </a:p>
+          <a:p>
+            <a:pPr marL="0" indent="0">
+              <a:buFont typeface="+mj-lt"/>
+              <a:buNone/>
+              <a:defRPr/>
+            </a:pPr>
+            <a:r>
+              <a:rPr sz="1800" b="0" i="0" u="none">
+                <a:solidFill>
+                  <a:srgbClr val="000000"/>
+                </a:solidFill>
+                <a:latin typeface="Times New Roman"/>
+                <a:ea typeface="Times New Roman"/>
+                <a:cs typeface="Times New Roman"/>
+              </a:rPr>
+              <a:t>提供</a:t>
+            </a:r>
+            <a:r>
+              <a:rPr sz="1800" b="1" i="0" u="none">
+                <a:solidFill>
+                  <a:srgbClr val="000000"/>
+                </a:solidFill>
+                <a:latin typeface="Times New Roman"/>
+                <a:ea typeface="Times New Roman"/>
+                <a:cs typeface="Times New Roman"/>
+              </a:rPr>
+              <a:t>权限区分与角色操作界面</a:t>
+            </a:r>
+            <a:endParaRPr sz="1800"/>
+          </a:p>
+          <a:p>
+            <a:pPr marL="0" indent="0">
+              <a:buFont typeface="+mj-lt"/>
+              <a:buNone/>
+              <a:defRPr/>
+            </a:pPr>
+            <a:r>
+              <a:rPr sz="1800" b="0" i="0" u="none">
+                <a:solidFill>
+                  <a:srgbClr val="000000"/>
+                </a:solidFill>
+                <a:latin typeface="Times New Roman"/>
+                <a:ea typeface="Times New Roman"/>
+                <a:cs typeface="Times New Roman"/>
+              </a:rPr>
+              <a:t>支持</a:t>
+            </a:r>
+            <a:r>
+              <a:rPr sz="1800" b="1" i="0" u="none">
+                <a:solidFill>
+                  <a:srgbClr val="000000"/>
+                </a:solidFill>
+                <a:latin typeface="Times New Roman"/>
+                <a:ea typeface="Times New Roman"/>
+                <a:cs typeface="Times New Roman"/>
+              </a:rPr>
+              <a:t>逻辑删除与数据恢复可能</a:t>
+            </a:r>
+            <a:endParaRPr sz="1800"/>
+          </a:p>
+          <a:p>
+            <a:pPr marL="0" indent="0">
+              <a:buFont typeface="+mj-lt"/>
+              <a:buNone/>
+              <a:defRPr/>
+            </a:pPr>
+            <a:r>
+              <a:rPr sz="1800" b="0" i="0" u="none">
+                <a:solidFill>
+                  <a:srgbClr val="000000"/>
+                </a:solidFill>
+                <a:latin typeface="Times New Roman"/>
+                <a:ea typeface="Times New Roman"/>
+                <a:cs typeface="Times New Roman"/>
+              </a:rPr>
+              <a:t>简化登录机制，聚焦审核核心流程</a:t>
+            </a:r>
+            <a:endParaRPr sz="1800"/>
+          </a:p>
+          <a:p>
+            <a:pPr marL="0" indent="0">
+              <a:buFont typeface="+mj-lt"/>
+              <a:buNone/>
+              <a:defRPr/>
+            </a:pPr>
+            <a:r>
+              <a:rPr sz="1800" b="1" i="0" u="none">
+                <a:solidFill>
+                  <a:srgbClr val="000000"/>
+                </a:solidFill>
+                <a:latin typeface="Times New Roman"/>
+                <a:ea typeface="Times New Roman"/>
+                <a:cs typeface="Times New Roman"/>
+              </a:rPr>
+              <a:t> 价值体现</a:t>
+            </a:r>
+            <a:endParaRPr sz="1800"/>
+          </a:p>
+          <a:p>
+            <a:pPr marL="0" indent="0">
+              <a:buFont typeface="+mj-lt"/>
+              <a:buNone/>
+              <a:defRPr/>
+            </a:pPr>
+            <a:r>
+              <a:rPr sz="1800" b="0" i="0" u="none">
+                <a:solidFill>
+                  <a:srgbClr val="000000"/>
+                </a:solidFill>
+                <a:latin typeface="Times New Roman"/>
+                <a:ea typeface="Times New Roman"/>
+                <a:cs typeface="Times New Roman"/>
+              </a:rPr>
+              <a:t>保证平台内容质量</a:t>
+            </a:r>
+            <a:endParaRPr sz="1800"/>
+          </a:p>
+          <a:p>
+            <a:pPr marL="0" indent="0">
+              <a:buFont typeface="+mj-lt"/>
+              <a:buNone/>
+              <a:defRPr/>
+            </a:pPr>
+            <a:r>
+              <a:rPr sz="1800" b="0" i="0" u="none">
+                <a:solidFill>
+                  <a:srgbClr val="000000"/>
+                </a:solidFill>
+                <a:latin typeface="Times New Roman"/>
+                <a:ea typeface="Times New Roman"/>
+                <a:cs typeface="Times New Roman"/>
+              </a:rPr>
+              <a:t>降低违规内容传播风险</a:t>
+            </a:r>
+            <a:endParaRPr sz="1800"/>
+          </a:p>
+          <a:p>
+            <a:pPr marL="0" indent="0">
+              <a:buFont typeface="+mj-lt"/>
+              <a:buNone/>
+              <a:defRPr/>
+            </a:pPr>
+            <a:r>
+              <a:rPr sz="1800" b="0" i="0" u="none">
+                <a:solidFill>
+                  <a:srgbClr val="000000"/>
+                </a:solidFill>
+                <a:latin typeface="Times New Roman"/>
+                <a:ea typeface="Times New Roman"/>
+                <a:cs typeface="Times New Roman"/>
+              </a:rPr>
+              <a:t>后期可扩展支持更多内容类型（如攻略、评论等）</a:t>
             </a:r>
             <a:endParaRPr/>
           </a:p>
         </p:txBody>
       </p:sp>
+      <p:pic>
+        <p:nvPicPr>
+          <p:cNvPr id="1366989428" name=""/>
+          <p:cNvPicPr>
+            <a:picLocks noChangeAspect="1"/>
+          </p:cNvPicPr>
+          <p:nvPr/>
+        </p:nvPicPr>
+        <p:blipFill>
+          <a:blip r:embed="rId3"/>
+          <a:stretch/>
+        </p:blipFill>
+        <p:spPr bwMode="auto">
+          <a:xfrm flipH="0" flipV="0">
+            <a:off x="572193" y="1957386"/>
+            <a:ext cx="2828407" cy="3390899"/>
+          </a:xfrm>
+          <a:prstGeom prst="rect">
+            <a:avLst/>
+          </a:prstGeom>
+        </p:spPr>
+      </p:pic>
     </p:spTree>
   </p:cSld>
   <p:clrMapOvr>
@@ -5864,7 +6816,342 @@
       </p:grpSpPr>
       <p:sp>
         <p:nvSpPr>
-          <p:cNvPr id="2133975935" name="Title 69"/>
+          <p:cNvPr id="1076564564" name="Title 4"/>
+          <p:cNvSpPr>
+            <a:spLocks noGrp="1"/>
+          </p:cNvSpPr>
+          <p:nvPr>
+            <p:ph type="title" hasCustomPrompt="1"/>
+          </p:nvPr>
+        </p:nvSpPr>
+        <p:spPr bwMode="auto">
+          <a:xfrm>
+            <a:off x="660399" y="1500187"/>
+            <a:ext cx="2836800" cy="914400"/>
+          </a:xfrm>
+          <a:prstGeom prst="rect">
+            <a:avLst/>
+          </a:prstGeom>
+        </p:spPr>
+        <p:txBody>
+          <a:bodyPr wrap="none" anchor="t">
+            <a:normAutofit/>
+          </a:bodyPr>
+          <a:lstStyle>
+            <a:lvl1pPr algn="r">
+              <a:lnSpc>
+                <a:spcPct val="100000"/>
+              </a:lnSpc>
+              <a:defRPr sz="2800">
+                <a:solidFill>
+                  <a:schemeClr val="accent1"/>
+                </a:solidFill>
+              </a:defRPr>
+            </a:lvl1pPr>
+          </a:lstStyle>
+          <a:p>
+            <a:pPr>
+              <a:defRPr/>
+            </a:pPr>
+            <a:endParaRPr/>
+          </a:p>
+        </p:txBody>
+      </p:sp>
+      <p:pic>
+        <p:nvPicPr>
+          <p:cNvPr id="752387523" name=""/>
+          <p:cNvPicPr>
+            <a:picLocks noChangeAspect="1"/>
+          </p:cNvPicPr>
+          <p:nvPr/>
+        </p:nvPicPr>
+        <p:blipFill>
+          <a:blip r:embed="rId3"/>
+          <a:stretch/>
+        </p:blipFill>
+        <p:spPr bwMode="auto">
+          <a:xfrm flipH="0" flipV="0">
+            <a:off x="522939" y="1957386"/>
+            <a:ext cx="2911829" cy="3490913"/>
+          </a:xfrm>
+          <a:prstGeom prst="rect">
+            <a:avLst/>
+          </a:prstGeom>
+        </p:spPr>
+      </p:pic>
+      <p:sp>
+        <p:nvSpPr>
+          <p:cNvPr id="1558312012" name=""/>
+          <p:cNvSpPr/>
+          <p:nvPr/>
+        </p:nvSpPr>
+        <p:spPr bwMode="auto">
+          <a:xfrm flipH="0" flipV="0">
+            <a:off x="5213349" y="1500185"/>
+            <a:ext cx="7773840" cy="3211197"/>
+          </a:xfrm>
+        </p:spPr>
+        <p:txBody>
+          <a:bodyPr rot="0" spcFirstLastPara="0" vertOverflow="overflow" horzOverflow="overflow" vert="horz" wrap="square" lIns="91440" tIns="45720" rIns="91440" bIns="45720" numCol="1" spcCol="0" rtlCol="0" fromWordArt="0" anchor="t" anchorCtr="0" forceAA="0" upright="0" compatLnSpc="1">
+            <a:prstTxWarp prst="textNoShape"/>
+            <a:spAutoFit/>
+          </a:bodyPr>
+          <a:p>
+            <a:pPr>
+              <a:defRPr/>
+            </a:pPr>
+            <a:r>
+              <a:rPr sz="2400" b="1" i="0" u="none">
+                <a:solidFill>
+                  <a:srgbClr val="000000"/>
+                </a:solidFill>
+                <a:latin typeface="Times New Roman"/>
+                <a:ea typeface="Times New Roman"/>
+                <a:cs typeface="Times New Roman"/>
+              </a:rPr>
+              <a:t>审核列表页面功能</a:t>
+            </a:r>
+            <a:endParaRPr sz="2400"/>
+          </a:p>
+          <a:p>
+            <a:pPr>
+              <a:defRPr/>
+            </a:pPr>
+            <a:r>
+              <a:rPr sz="2400" b="1" i="0" u="none">
+                <a:solidFill>
+                  <a:srgbClr val="000000"/>
+                </a:solidFill>
+                <a:latin typeface="Times New Roman"/>
+                <a:ea typeface="Times New Roman"/>
+                <a:cs typeface="Times New Roman"/>
+              </a:rPr>
+              <a:t>🗂 页面作用：</a:t>
+            </a:r>
+            <a:endParaRPr sz="2400"/>
+          </a:p>
+          <a:p>
+            <a:pPr>
+              <a:defRPr/>
+            </a:pPr>
+            <a:r>
+              <a:rPr sz="2400" b="0" i="0" u="none">
+                <a:solidFill>
+                  <a:srgbClr val="000000"/>
+                </a:solidFill>
+                <a:latin typeface="Times New Roman"/>
+                <a:ea typeface="Times New Roman"/>
+                <a:cs typeface="Times New Roman"/>
+              </a:rPr>
+              <a:t>展示用户发布的所有游记</a:t>
+            </a:r>
+            <a:br>
+              <a:rPr sz="2400" b="0" i="0" u="none">
+                <a:solidFill>
+                  <a:srgbClr val="000000"/>
+                </a:solidFill>
+                <a:latin typeface="Times New Roman"/>
+                <a:ea typeface="Times New Roman"/>
+                <a:cs typeface="Times New Roman"/>
+              </a:rPr>
+            </a:br>
+            <a:r>
+              <a:rPr sz="2400" b="0" i="0" u="none">
+                <a:solidFill>
+                  <a:srgbClr val="000000"/>
+                </a:solidFill>
+                <a:latin typeface="Times New Roman"/>
+                <a:ea typeface="Times New Roman"/>
+                <a:cs typeface="Times New Roman"/>
+              </a:rPr>
+              <a:t> 支持按状态筛选、操作、管理</a:t>
+            </a:r>
+            <a:endParaRPr sz="2400"/>
+          </a:p>
+          <a:p>
+            <a:pPr>
+              <a:defRPr/>
+            </a:pPr>
+            <a:r>
+              <a:rPr sz="2400" b="1" i="0" u="none">
+                <a:solidFill>
+                  <a:srgbClr val="000000"/>
+                </a:solidFill>
+                <a:latin typeface="Times New Roman"/>
+                <a:ea typeface="Times New Roman"/>
+                <a:cs typeface="Times New Roman"/>
+              </a:rPr>
+              <a:t>🔍 核心功能：</a:t>
+            </a:r>
+            <a:endParaRPr sz="2400"/>
+          </a:p>
+          <a:p>
+            <a:pPr>
+              <a:defRPr/>
+            </a:pPr>
+            <a:r>
+              <a:rPr sz="2400" b="0" i="0" u="none">
+                <a:solidFill>
+                  <a:srgbClr val="000000"/>
+                </a:solidFill>
+                <a:latin typeface="Times New Roman"/>
+                <a:ea typeface="Times New Roman"/>
+                <a:cs typeface="Times New Roman"/>
+              </a:rPr>
+              <a:t>游记状态筛选（待审核 / 已通过 / 未通过）</a:t>
+            </a:r>
+            <a:endParaRPr sz="2400"/>
+          </a:p>
+          <a:p>
+            <a:pPr>
+              <a:defRPr/>
+            </a:pPr>
+            <a:r>
+              <a:rPr sz="2400" b="0" i="0" u="none">
+                <a:solidFill>
+                  <a:srgbClr val="000000"/>
+                </a:solidFill>
+                <a:latin typeface="Times New Roman"/>
+                <a:ea typeface="Times New Roman"/>
+                <a:cs typeface="Times New Roman"/>
+              </a:rPr>
+              <a:t>审核操作（通过、拒绝、删除）</a:t>
+            </a:r>
+            <a:endParaRPr sz="2400"/>
+          </a:p>
+          <a:p>
+            <a:pPr>
+              <a:defRPr/>
+            </a:pPr>
+            <a:r>
+              <a:rPr sz="2400" b="0" i="0" u="none">
+                <a:solidFill>
+                  <a:srgbClr val="000000"/>
+                </a:solidFill>
+                <a:latin typeface="Times New Roman"/>
+                <a:ea typeface="Times New Roman"/>
+                <a:cs typeface="Times New Roman"/>
+              </a:rPr>
+              <a:t>状态更新实时反馈</a:t>
+            </a:r>
+            <a:endParaRPr/>
+          </a:p>
+        </p:txBody>
+      </p:sp>
+    </p:spTree>
+  </p:cSld>
+  <p:clrMapOvr>
+    <a:masterClrMapping/>
+  </p:clrMapOvr>
+  <mc:AlternateContent xmlns:mc="http://schemas.openxmlformats.org/markup-compatibility/2006">
+    <mc:Choice xmlns:p159="http://schemas.microsoft.com/office/powerpoint/2015/09/main" xmlns:p14="http://schemas.microsoft.com/office/powerpoint/2010/main" Requires="p159">
+      <p:transition p14:dur="2000" advClick="1"/>
+    </mc:Choice>
+    <mc:Fallback>
+      <p:transition advClick="1"/>
+    </mc:Fallback>
+  </mc:AlternateContent>
+</p:sld>
+</file>
+
+<file path=ppt/slides/slide13.xml><?xml version="1.0" encoding="utf-8"?>
+<p:sld xmlns:a="http://schemas.openxmlformats.org/drawingml/2006/main" xmlns:r="http://schemas.openxmlformats.org/officeDocument/2006/relationships" xmlns:p="http://schemas.openxmlformats.org/presentationml/2006/main" xmlns:m="http://schemas.openxmlformats.org/officeDocument/2006/math" xmlns:w="http://schemas.openxmlformats.org/wordprocessingml/2006/main" xmlns:mc="http://schemas.openxmlformats.org/markup-compatibility/2006" showMasterPhAnim="0" showMasterSp="1" show="1">
+  <p:cSld name="">
+    <p:spTree>
+      <p:nvGrpSpPr>
+        <p:cNvPr id="1" name=""/>
+        <p:cNvGrpSpPr/>
+        <p:nvPr/>
+      </p:nvGrpSpPr>
+      <p:grpSpPr bwMode="auto">
+        <a:xfrm>
+          <a:off x="0" y="0"/>
+          <a:ext cx="0" cy="0"/>
+          <a:chOff x="0" y="0"/>
+          <a:chExt cx="0" cy="0"/>
+        </a:xfrm>
+      </p:grpSpPr>
+      <p:sp>
+        <p:nvSpPr>
+          <p:cNvPr id="1846964320" name="Title 2"/>
+          <p:cNvSpPr>
+            <a:spLocks noGrp="1"/>
+          </p:cNvSpPr>
+          <p:nvPr>
+            <p:ph type="title"/>
+          </p:nvPr>
+        </p:nvSpPr>
+        <p:spPr bwMode="auto">
+          <a:xfrm>
+            <a:off x="6096000" y="2571750"/>
+            <a:ext cx="5334000" cy="857250"/>
+          </a:xfrm>
+        </p:spPr>
+        <p:txBody>
+          <a:bodyPr wrap="square">
+            <a:normAutofit/>
+          </a:bodyPr>
+          <a:lstStyle/>
+          <a:p>
+            <a:pPr>
+              <a:defRPr/>
+            </a:pPr>
+            <a:r>
+              <a:rPr lang="en-US"/>
+              <a:t>0</a:t>
+            </a:r>
+            <a:r>
+              <a:rPr lang="zh-CN"/>
+              <a:t>4</a:t>
+            </a:r>
+            <a:r>
+              <a:rPr lang="en-US"/>
+              <a:t>.</a:t>
+            </a:r>
+            <a:r>
+              <a:rPr lang="zh-CN"/>
+              <a:t>产品原型设计</a:t>
+            </a:r>
+            <a:endParaRPr/>
+          </a:p>
+        </p:txBody>
+      </p:sp>
+    </p:spTree>
+  </p:cSld>
+  <p:clrMapOvr>
+    <a:masterClrMapping/>
+  </p:clrMapOvr>
+  <mc:AlternateContent xmlns:mc="http://schemas.openxmlformats.org/markup-compatibility/2006">
+    <mc:Choice xmlns:p159="http://schemas.microsoft.com/office/powerpoint/2015/09/main" xmlns:p14="http://schemas.microsoft.com/office/powerpoint/2010/main" Requires="p159">
+      <p:transition p14:dur="2000" advClick="1"/>
+    </mc:Choice>
+    <mc:Fallback>
+      <p:transition advClick="1"/>
+    </mc:Fallback>
+  </mc:AlternateContent>
+</p:sld>
+</file>
+
+<file path=ppt/slides/slide14.xml><?xml version="1.0" encoding="utf-8"?>
+<p:sld xmlns:a="http://schemas.openxmlformats.org/drawingml/2006/main" xmlns:r="http://schemas.openxmlformats.org/officeDocument/2006/relationships" xmlns:p="http://schemas.openxmlformats.org/presentationml/2006/main" xmlns:m="http://schemas.openxmlformats.org/officeDocument/2006/math" xmlns:w="http://schemas.openxmlformats.org/wordprocessingml/2006/main" xmlns:mc="http://schemas.openxmlformats.org/markup-compatibility/2006" showMasterPhAnim="0" showMasterSp="1" show="1">
+  <p:cSld name="">
+    <p:spTree>
+      <p:nvGrpSpPr>
+        <p:cNvPr id="1" name=""/>
+        <p:cNvGrpSpPr/>
+        <p:nvPr/>
+      </p:nvGrpSpPr>
+      <p:grpSpPr bwMode="auto">
+        <a:xfrm>
+          <a:off x="0" y="0"/>
+          <a:ext cx="0" cy="0"/>
+          <a:chOff x="0" y="0"/>
+          <a:chExt cx="0" cy="0"/>
+        </a:xfrm>
+      </p:grpSpPr>
+      <p:sp>
+        <p:nvSpPr>
+          <p:cNvPr id="305533174" name="Title 69"/>
           <p:cNvSpPr>
             <a:spLocks noGrp="1"/>
           </p:cNvSpPr>
@@ -5897,7 +7184,2149 @@
       </p:sp>
       <p:pic>
         <p:nvPicPr>
-          <p:cNvPr id="1513134801" name="图片 6"/>
+          <p:cNvPr id="686744835" name="图片 6"/>
+          <p:cNvPicPr>
+            <a:picLocks noChangeAspect="1"/>
+          </p:cNvPicPr>
+          <p:nvPr/>
+        </p:nvPicPr>
+        <p:blipFill>
+          <a:blip r:embed="rId3"/>
+          <a:stretch/>
+        </p:blipFill>
+        <p:spPr bwMode="auto">
+          <a:xfrm>
+            <a:off x="225009" y="1715819"/>
+            <a:ext cx="3173961" cy="4760942"/>
+          </a:xfrm>
+          <a:prstGeom prst="rect">
+            <a:avLst/>
+          </a:prstGeom>
+        </p:spPr>
+      </p:pic>
+      <p:sp>
+        <p:nvSpPr>
+          <p:cNvPr id="2076907005" name="文本框 10"/>
+          <p:cNvSpPr txBox="1"/>
+          <p:nvPr/>
+        </p:nvSpPr>
+        <p:spPr bwMode="auto">
+          <a:xfrm>
+            <a:off x="5131837" y="1358467"/>
+            <a:ext cx="3875529" cy="523220"/>
+          </a:xfrm>
+          <a:prstGeom prst="rect">
+            <a:avLst/>
+          </a:prstGeom>
+          <a:noFill/>
+        </p:spPr>
+        <p:txBody>
+          <a:bodyPr wrap="square" rtlCol="0">
+            <a:spAutoFit/>
+          </a:bodyPr>
+          <a:lstStyle/>
+          <a:p>
+            <a:pPr>
+              <a:defRPr/>
+            </a:pPr>
+            <a:r>
+              <a:rPr lang="en-US" sz="2800" b="1">
+                <a:latin typeface="+mn-ea"/>
+              </a:rPr>
+              <a:t>AI</a:t>
+            </a:r>
+            <a:r>
+              <a:rPr lang="zh-CN" sz="2800" b="1">
+                <a:latin typeface="+mn-ea"/>
+              </a:rPr>
+              <a:t>辅助图形组件的设计</a:t>
+            </a:r>
+            <a:endParaRPr/>
+          </a:p>
+        </p:txBody>
+      </p:sp>
+      <p:grpSp>
+        <p:nvGrpSpPr>
+          <p:cNvPr id="584199545" name="组合 25"/>
+          <p:cNvGrpSpPr/>
+          <p:nvPr/>
+        </p:nvGrpSpPr>
+        <p:grpSpPr bwMode="auto">
+          <a:xfrm>
+            <a:off x="3928242" y="4554362"/>
+            <a:ext cx="7200140" cy="1704331"/>
+            <a:chOff x="3959774" y="3345673"/>
+            <a:chExt cx="7200140" cy="1704331"/>
+          </a:xfrm>
+        </p:grpSpPr>
+        <p:grpSp>
+          <p:nvGrpSpPr>
+            <p:cNvPr id="25" name="组合 24"/>
+            <p:cNvGrpSpPr/>
+            <p:nvPr/>
+          </p:nvGrpSpPr>
+          <p:grpSpPr bwMode="auto">
+            <a:xfrm>
+              <a:off x="3959774" y="3345673"/>
+              <a:ext cx="7200140" cy="500756"/>
+              <a:chOff x="3959774" y="3345673"/>
+              <a:chExt cx="7200140" cy="500756"/>
+            </a:xfrm>
+          </p:grpSpPr>
+          <p:sp>
+            <p:nvSpPr>
+              <p:cNvPr id="9" name="文本框 8"/>
+              <p:cNvSpPr txBox="1"/>
+              <p:nvPr/>
+            </p:nvSpPr>
+            <p:spPr bwMode="auto">
+              <a:xfrm>
+                <a:off x="4460534" y="3381122"/>
+                <a:ext cx="6699380" cy="429861"/>
+              </a:xfrm>
+              <a:prstGeom prst="rect">
+                <a:avLst/>
+              </a:prstGeom>
+              <a:noFill/>
+            </p:spPr>
+            <p:txBody>
+              <a:bodyPr wrap="square" rtlCol="0">
+                <a:spAutoFit/>
+              </a:bodyPr>
+              <a:lstStyle/>
+              <a:p>
+                <a:pPr algn="ctr">
+                  <a:lnSpc>
+                    <a:spcPct val="120000"/>
+                  </a:lnSpc>
+                  <a:defRPr/>
+                </a:pPr>
+                <a:r>
+                  <a:rPr lang="zh-CN" sz="2000">
+                    <a:latin typeface="+mn-ea"/>
+                  </a:rPr>
+                  <a:t>技术说明：文本描述</a:t>
+                </a:r>
+                <a:r>
+                  <a:rPr lang="en-US" sz="2000">
+                    <a:latin typeface="+mn-ea"/>
+                  </a:rPr>
+                  <a:t>+AI</a:t>
+                </a:r>
+                <a:r>
+                  <a:rPr lang="zh-CN" sz="2000">
+                    <a:latin typeface="+mn-ea"/>
+                  </a:rPr>
+                  <a:t>生图</a:t>
+                </a:r>
+                <a:r>
+                  <a:rPr lang="en-US" sz="2000">
+                    <a:latin typeface="+mn-ea"/>
+                  </a:rPr>
+                  <a:t>+PS（</a:t>
+                </a:r>
+                <a:r>
+                  <a:rPr lang="zh-CN" sz="2000">
+                    <a:latin typeface="+mn-ea"/>
+                  </a:rPr>
+                  <a:t>修改细节</a:t>
+                </a:r>
+                <a:r>
+                  <a:rPr lang="en-US" sz="2000">
+                    <a:latin typeface="+mn-ea"/>
+                  </a:rPr>
+                  <a:t>）+AI</a:t>
+                </a:r>
+                <a:r>
+                  <a:rPr lang="zh-CN" sz="2000">
+                    <a:latin typeface="+mn-ea"/>
+                  </a:rPr>
+                  <a:t>润色</a:t>
+                </a:r>
+                <a:endParaRPr/>
+              </a:p>
+            </p:txBody>
+          </p:sp>
+          <p:grpSp>
+            <p:nvGrpSpPr>
+              <p:cNvPr id="21" name="组合 20"/>
+              <p:cNvGrpSpPr/>
+              <p:nvPr/>
+            </p:nvGrpSpPr>
+            <p:grpSpPr bwMode="auto">
+              <a:xfrm>
+                <a:off x="3959774" y="3345673"/>
+                <a:ext cx="500759" cy="500756"/>
+                <a:chOff x="1324109" y="3681748"/>
+                <a:chExt cx="500759" cy="500756"/>
+              </a:xfrm>
+            </p:grpSpPr>
+            <p:sp>
+              <p:nvSpPr>
+                <p:cNvPr id="14" name="圆角矩形 18"/>
+                <p:cNvSpPr/>
+                <p:nvPr/>
+              </p:nvSpPr>
+              <p:spPr bwMode="auto">
+                <a:xfrm>
+                  <a:off x="1324109" y="3681748"/>
+                  <a:ext cx="500759" cy="500756"/>
+                </a:xfrm>
+                <a:prstGeom prst="roundRect">
+                  <a:avLst>
+                    <a:gd name="adj" fmla="val 16667"/>
+                  </a:avLst>
+                </a:prstGeom>
+                <a:solidFill>
+                  <a:schemeClr val="accent3"/>
+                </a:solidFill>
+                <a:ln w="12700" cap="rnd">
+                  <a:noFill/>
+                  <a:prstDash val="solid"/>
+                  <a:round/>
+                  <a:headEnd/>
+                  <a:tailEnd/>
+                </a:ln>
+                <a:effectLst>
+                  <a:outerShdw blurRad="254000" dist="127000" algn="ctr" rotWithShape="0">
+                    <a:schemeClr val="accent3">
+                      <a:alpha val="32000"/>
+                    </a:schemeClr>
+                  </a:outerShdw>
+                </a:effectLst>
+              </p:spPr>
+              <p:style>
+                <a:lnRef idx="2">
+                  <a:schemeClr val="accent1">
+                    <a:shade val="50000"/>
+                  </a:schemeClr>
+                </a:lnRef>
+                <a:fillRef idx="1">
+                  <a:schemeClr val="accent1"/>
+                </a:fillRef>
+                <a:effectRef idx="0">
+                  <a:schemeClr val="accent1"/>
+                </a:effectRef>
+                <a:fontRef idx="minor">
+                  <a:schemeClr val="lt1"/>
+                </a:fontRef>
+              </p:style>
+              <p:txBody>
+                <a:bodyPr rot="0" spcFirstLastPara="0" vert="horz" wrap="square" lIns="91440" tIns="45720" rIns="91440" bIns="45720" numCol="1" spcCol="0" rtlCol="0" fromWordArt="0" anchor="ctr" anchorCtr="0" forceAA="0" compatLnSpc="1">
+                  <a:prstTxWarp prst="textNoShape"/>
+                  <a:normAutofit/>
+                </a:bodyPr>
+                <a:lstStyle>
+                  <a:defPPr>
+                    <a:defRPr lang="zh-CN"/>
+                  </a:defPPr>
+                  <a:lvl1pPr marL="0" algn="l" defTabSz="914400">
+                    <a:defRPr sz="1800">
+                      <a:solidFill>
+                        <a:schemeClr val="lt1"/>
+                      </a:solidFill>
+                    </a:defRPr>
+                  </a:lvl1pPr>
+                  <a:lvl2pPr marL="457200" algn="l" defTabSz="914400">
+                    <a:defRPr sz="1800">
+                      <a:solidFill>
+                        <a:schemeClr val="lt1"/>
+                      </a:solidFill>
+                    </a:defRPr>
+                  </a:lvl2pPr>
+                  <a:lvl3pPr marL="914400" algn="l" defTabSz="914400">
+                    <a:defRPr sz="1800">
+                      <a:solidFill>
+                        <a:schemeClr val="lt1"/>
+                      </a:solidFill>
+                    </a:defRPr>
+                  </a:lvl3pPr>
+                  <a:lvl4pPr marL="1371600" algn="l" defTabSz="914400">
+                    <a:defRPr sz="1800">
+                      <a:solidFill>
+                        <a:schemeClr val="lt1"/>
+                      </a:solidFill>
+                    </a:defRPr>
+                  </a:lvl4pPr>
+                  <a:lvl5pPr marL="1828800" algn="l" defTabSz="914400">
+                    <a:defRPr sz="1800">
+                      <a:solidFill>
+                        <a:schemeClr val="lt1"/>
+                      </a:solidFill>
+                    </a:defRPr>
+                  </a:lvl5pPr>
+                  <a:lvl6pPr marL="2286000" algn="l" defTabSz="914400">
+                    <a:defRPr sz="1800">
+                      <a:solidFill>
+                        <a:schemeClr val="lt1"/>
+                      </a:solidFill>
+                    </a:defRPr>
+                  </a:lvl6pPr>
+                  <a:lvl7pPr marL="2743200" algn="l" defTabSz="914400">
+                    <a:defRPr sz="1800">
+                      <a:solidFill>
+                        <a:schemeClr val="lt1"/>
+                      </a:solidFill>
+                    </a:defRPr>
+                  </a:lvl7pPr>
+                  <a:lvl8pPr marL="3200400" algn="l" defTabSz="914400">
+                    <a:defRPr sz="1800">
+                      <a:solidFill>
+                        <a:schemeClr val="lt1"/>
+                      </a:solidFill>
+                    </a:defRPr>
+                  </a:lvl8pPr>
+                  <a:lvl9pPr marL="3657600" algn="l" defTabSz="914400">
+                    <a:defRPr sz="1800">
+                      <a:solidFill>
+                        <a:schemeClr val="lt1"/>
+                      </a:solidFill>
+                    </a:defRPr>
+                  </a:lvl9pPr>
+                </a:lstStyle>
+                <a:p>
+                  <a:pPr algn="ctr" defTabSz="914354">
+                    <a:defRPr/>
+                  </a:pPr>
+                  <a:endParaRPr lang="zh-CN" sz="2000" b="1">
+                    <a:solidFill>
+                      <a:schemeClr val="bg1"/>
+                    </a:solidFill>
+                  </a:endParaRPr>
+                </a:p>
+              </p:txBody>
+            </p:sp>
+            <p:sp>
+              <p:nvSpPr>
+                <p:cNvPr id="15" name="任意多边形 19"/>
+                <p:cNvSpPr/>
+                <p:nvPr/>
+              </p:nvSpPr>
+              <p:spPr bwMode="auto">
+                <a:xfrm>
+                  <a:off x="1458626" y="3826609"/>
+                  <a:ext cx="231723" cy="211033"/>
+                </a:xfrm>
+                <a:custGeom>
+                  <a:avLst/>
+                  <a:gdLst>
+                    <a:gd name="connsiteX0" fmla="*/ 125329 w 533400"/>
+                    <a:gd name="connsiteY0" fmla="*/ 229221 h 485775"/>
+                    <a:gd name="connsiteX1" fmla="*/ 125329 w 533400"/>
+                    <a:gd name="connsiteY1" fmla="*/ 276846 h 485775"/>
+                    <a:gd name="connsiteX2" fmla="*/ 144379 w 533400"/>
+                    <a:gd name="connsiteY2" fmla="*/ 276846 h 485775"/>
+                    <a:gd name="connsiteX3" fmla="*/ 144379 w 533400"/>
+                    <a:gd name="connsiteY3" fmla="*/ 229221 h 485775"/>
+                    <a:gd name="connsiteX4" fmla="*/ 392029 w 533400"/>
+                    <a:gd name="connsiteY4" fmla="*/ 229221 h 485775"/>
+                    <a:gd name="connsiteX5" fmla="*/ 392029 w 533400"/>
+                    <a:gd name="connsiteY5" fmla="*/ 276846 h 485775"/>
+                    <a:gd name="connsiteX6" fmla="*/ 411079 w 533400"/>
+                    <a:gd name="connsiteY6" fmla="*/ 276846 h 485775"/>
+                    <a:gd name="connsiteX7" fmla="*/ 411079 w 533400"/>
+                    <a:gd name="connsiteY7" fmla="*/ 229221 h 485775"/>
+                    <a:gd name="connsiteX8" fmla="*/ 534904 w 533400"/>
+                    <a:gd name="connsiteY8" fmla="*/ 229221 h 485775"/>
+                    <a:gd name="connsiteX9" fmla="*/ 534904 w 533400"/>
+                    <a:gd name="connsiteY9" fmla="*/ 457821 h 485775"/>
+                    <a:gd name="connsiteX10" fmla="*/ 506329 w 533400"/>
+                    <a:gd name="connsiteY10" fmla="*/ 486396 h 485775"/>
+                    <a:gd name="connsiteX11" fmla="*/ 30079 w 533400"/>
+                    <a:gd name="connsiteY11" fmla="*/ 486396 h 485775"/>
+                    <a:gd name="connsiteX12" fmla="*/ 1504 w 533400"/>
+                    <a:gd name="connsiteY12" fmla="*/ 457821 h 485775"/>
+                    <a:gd name="connsiteX13" fmla="*/ 1504 w 533400"/>
+                    <a:gd name="connsiteY13" fmla="*/ 229221 h 485775"/>
+                    <a:gd name="connsiteX14" fmla="*/ 125329 w 533400"/>
+                    <a:gd name="connsiteY14" fmla="*/ 229221 h 485775"/>
+                    <a:gd name="connsiteX15" fmla="*/ 372979 w 533400"/>
+                    <a:gd name="connsiteY15" fmla="*/ 621 h 485775"/>
+                    <a:gd name="connsiteX16" fmla="*/ 411079 w 533400"/>
+                    <a:gd name="connsiteY16" fmla="*/ 36816 h 485775"/>
+                    <a:gd name="connsiteX17" fmla="*/ 411079 w 533400"/>
+                    <a:gd name="connsiteY17" fmla="*/ 38721 h 485775"/>
+                    <a:gd name="connsiteX18" fmla="*/ 411079 w 533400"/>
+                    <a:gd name="connsiteY18" fmla="*/ 114921 h 485775"/>
+                    <a:gd name="connsiteX19" fmla="*/ 506329 w 533400"/>
+                    <a:gd name="connsiteY19" fmla="*/ 114921 h 485775"/>
+                    <a:gd name="connsiteX20" fmla="*/ 534904 w 533400"/>
+                    <a:gd name="connsiteY20" fmla="*/ 143496 h 485775"/>
+                    <a:gd name="connsiteX21" fmla="*/ 534904 w 533400"/>
+                    <a:gd name="connsiteY21" fmla="*/ 210171 h 485775"/>
+                    <a:gd name="connsiteX22" fmla="*/ 1504 w 533400"/>
+                    <a:gd name="connsiteY22" fmla="*/ 210171 h 485775"/>
+                    <a:gd name="connsiteX23" fmla="*/ 1504 w 533400"/>
+                    <a:gd name="connsiteY23" fmla="*/ 143496 h 485775"/>
+                    <a:gd name="connsiteX24" fmla="*/ 30079 w 533400"/>
+                    <a:gd name="connsiteY24" fmla="*/ 114921 h 485775"/>
+                    <a:gd name="connsiteX25" fmla="*/ 125329 w 533400"/>
+                    <a:gd name="connsiteY25" fmla="*/ 114921 h 485775"/>
+                    <a:gd name="connsiteX26" fmla="*/ 125329 w 533400"/>
+                    <a:gd name="connsiteY26" fmla="*/ 38721 h 485775"/>
+                    <a:gd name="connsiteX27" fmla="*/ 161524 w 533400"/>
+                    <a:gd name="connsiteY27" fmla="*/ 621 h 485775"/>
+                    <a:gd name="connsiteX28" fmla="*/ 163429 w 533400"/>
+                    <a:gd name="connsiteY28" fmla="*/ 621 h 485775"/>
+                    <a:gd name="connsiteX29" fmla="*/ 372979 w 533400"/>
+                    <a:gd name="connsiteY29" fmla="*/ 621 h 485775"/>
+                    <a:gd name="connsiteX30" fmla="*/ 372979 w 533400"/>
+                    <a:gd name="connsiteY30" fmla="*/ 19671 h 485775"/>
+                    <a:gd name="connsiteX31" fmla="*/ 163429 w 533400"/>
+                    <a:gd name="connsiteY31" fmla="*/ 19671 h 485775"/>
+                    <a:gd name="connsiteX32" fmla="*/ 144474 w 533400"/>
+                    <a:gd name="connsiteY32" fmla="*/ 37292 h 485775"/>
+                    <a:gd name="connsiteX33" fmla="*/ 144379 w 533400"/>
+                    <a:gd name="connsiteY33" fmla="*/ 38721 h 485775"/>
+                    <a:gd name="connsiteX34" fmla="*/ 144379 w 533400"/>
+                    <a:gd name="connsiteY34" fmla="*/ 114921 h 485775"/>
+                    <a:gd name="connsiteX35" fmla="*/ 392029 w 533400"/>
+                    <a:gd name="connsiteY35" fmla="*/ 114921 h 485775"/>
+                    <a:gd name="connsiteX36" fmla="*/ 392029 w 533400"/>
+                    <a:gd name="connsiteY36" fmla="*/ 38721 h 485775"/>
+                    <a:gd name="connsiteX37" fmla="*/ 375836 w 533400"/>
+                    <a:gd name="connsiteY37" fmla="*/ 19862 h 485775"/>
+                    <a:gd name="connsiteX38" fmla="*/ 374408 w 533400"/>
+                    <a:gd name="connsiteY38" fmla="*/ 19671 h 485775"/>
+                    <a:gd name="connsiteX39" fmla="*/ 372979 w 533400"/>
+                    <a:gd name="connsiteY39" fmla="*/ 19671 h 485775"/>
+                  </a:gdLst>
+                  <a:ahLst/>
+                  <a:cxnLst>
+                    <a:cxn ang="0">
+                      <a:pos x="connsiteX0" y="connsiteY0"/>
+                    </a:cxn>
+                    <a:cxn ang="0">
+                      <a:pos x="connsiteX1" y="connsiteY1"/>
+                    </a:cxn>
+                    <a:cxn ang="0">
+                      <a:pos x="connsiteX2" y="connsiteY2"/>
+                    </a:cxn>
+                    <a:cxn ang="0">
+                      <a:pos x="connsiteX3" y="connsiteY3"/>
+                    </a:cxn>
+                    <a:cxn ang="0">
+                      <a:pos x="connsiteX4" y="connsiteY4"/>
+                    </a:cxn>
+                    <a:cxn ang="0">
+                      <a:pos x="connsiteX5" y="connsiteY5"/>
+                    </a:cxn>
+                    <a:cxn ang="0">
+                      <a:pos x="connsiteX6" y="connsiteY6"/>
+                    </a:cxn>
+                    <a:cxn ang="0">
+                      <a:pos x="connsiteX7" y="connsiteY7"/>
+                    </a:cxn>
+                    <a:cxn ang="0">
+                      <a:pos x="connsiteX8" y="connsiteY8"/>
+                    </a:cxn>
+                    <a:cxn ang="0">
+                      <a:pos x="connsiteX9" y="connsiteY9"/>
+                    </a:cxn>
+                    <a:cxn ang="0">
+                      <a:pos x="connsiteX10" y="connsiteY10"/>
+                    </a:cxn>
+                    <a:cxn ang="0">
+                      <a:pos x="connsiteX11" y="connsiteY11"/>
+                    </a:cxn>
+                    <a:cxn ang="0">
+                      <a:pos x="connsiteX12" y="connsiteY12"/>
+                    </a:cxn>
+                    <a:cxn ang="0">
+                      <a:pos x="connsiteX13" y="connsiteY13"/>
+                    </a:cxn>
+                    <a:cxn ang="0">
+                      <a:pos x="connsiteX14" y="connsiteY14"/>
+                    </a:cxn>
+                    <a:cxn ang="0">
+                      <a:pos x="connsiteX15" y="connsiteY15"/>
+                    </a:cxn>
+                    <a:cxn ang="0">
+                      <a:pos x="connsiteX16" y="connsiteY16"/>
+                    </a:cxn>
+                    <a:cxn ang="0">
+                      <a:pos x="connsiteX17" y="connsiteY17"/>
+                    </a:cxn>
+                    <a:cxn ang="0">
+                      <a:pos x="connsiteX18" y="connsiteY18"/>
+                    </a:cxn>
+                    <a:cxn ang="0">
+                      <a:pos x="connsiteX19" y="connsiteY19"/>
+                    </a:cxn>
+                    <a:cxn ang="0">
+                      <a:pos x="connsiteX20" y="connsiteY20"/>
+                    </a:cxn>
+                    <a:cxn ang="0">
+                      <a:pos x="connsiteX21" y="connsiteY21"/>
+                    </a:cxn>
+                    <a:cxn ang="0">
+                      <a:pos x="connsiteX22" y="connsiteY22"/>
+                    </a:cxn>
+                    <a:cxn ang="0">
+                      <a:pos x="connsiteX23" y="connsiteY23"/>
+                    </a:cxn>
+                    <a:cxn ang="0">
+                      <a:pos x="connsiteX24" y="connsiteY24"/>
+                    </a:cxn>
+                    <a:cxn ang="0">
+                      <a:pos x="connsiteX25" y="connsiteY25"/>
+                    </a:cxn>
+                    <a:cxn ang="0">
+                      <a:pos x="connsiteX26" y="connsiteY26"/>
+                    </a:cxn>
+                    <a:cxn ang="0">
+                      <a:pos x="connsiteX27" y="connsiteY27"/>
+                    </a:cxn>
+                    <a:cxn ang="0">
+                      <a:pos x="connsiteX28" y="connsiteY28"/>
+                    </a:cxn>
+                    <a:cxn ang="0">
+                      <a:pos x="connsiteX29" y="connsiteY29"/>
+                    </a:cxn>
+                    <a:cxn ang="0">
+                      <a:pos x="connsiteX30" y="connsiteY30"/>
+                    </a:cxn>
+                    <a:cxn ang="0">
+                      <a:pos x="connsiteX31" y="connsiteY31"/>
+                    </a:cxn>
+                    <a:cxn ang="0">
+                      <a:pos x="connsiteX32" y="connsiteY32"/>
+                    </a:cxn>
+                    <a:cxn ang="0">
+                      <a:pos x="connsiteX33" y="connsiteY33"/>
+                    </a:cxn>
+                    <a:cxn ang="0">
+                      <a:pos x="connsiteX34" y="connsiteY34"/>
+                    </a:cxn>
+                    <a:cxn ang="0">
+                      <a:pos x="connsiteX35" y="connsiteY35"/>
+                    </a:cxn>
+                    <a:cxn ang="0">
+                      <a:pos x="connsiteX36" y="connsiteY36"/>
+                    </a:cxn>
+                    <a:cxn ang="0">
+                      <a:pos x="connsiteX37" y="connsiteY37"/>
+                    </a:cxn>
+                    <a:cxn ang="0">
+                      <a:pos x="connsiteX38" y="connsiteY38"/>
+                    </a:cxn>
+                    <a:cxn ang="0">
+                      <a:pos x="connsiteX39" y="connsiteY39"/>
+                    </a:cxn>
+                  </a:cxnLst>
+                  <a:rect l="l" t="t" r="r" b="b"/>
+                  <a:pathLst>
+                    <a:path w="533400" h="485775" fill="norm" stroke="1" extrusionOk="0">
+                      <a:moveTo>
+                        <a:pt x="125329" y="229221"/>
+                      </a:moveTo>
+                      <a:lnTo>
+                        <a:pt x="125329" y="276846"/>
+                      </a:lnTo>
+                      <a:lnTo>
+                        <a:pt x="144379" y="276846"/>
+                      </a:lnTo>
+                      <a:lnTo>
+                        <a:pt x="144379" y="229221"/>
+                      </a:lnTo>
+                      <a:lnTo>
+                        <a:pt x="392029" y="229221"/>
+                      </a:lnTo>
+                      <a:lnTo>
+                        <a:pt x="392029" y="276846"/>
+                      </a:lnTo>
+                      <a:lnTo>
+                        <a:pt x="411079" y="276846"/>
+                      </a:lnTo>
+                      <a:lnTo>
+                        <a:pt x="411079" y="229221"/>
+                      </a:lnTo>
+                      <a:lnTo>
+                        <a:pt x="534904" y="229221"/>
+                      </a:lnTo>
+                      <a:lnTo>
+                        <a:pt x="534904" y="457821"/>
+                      </a:lnTo>
+                      <a:cubicBezTo>
+                        <a:pt x="534904" y="473632"/>
+                        <a:pt x="522141" y="486396"/>
+                        <a:pt x="506329" y="486396"/>
+                      </a:cubicBezTo>
+                      <a:lnTo>
+                        <a:pt x="30079" y="486396"/>
+                      </a:lnTo>
+                      <a:cubicBezTo>
+                        <a:pt x="14267" y="486396"/>
+                        <a:pt x="1504" y="473632"/>
+                        <a:pt x="1504" y="457821"/>
+                      </a:cubicBezTo>
+                      <a:lnTo>
+                        <a:pt x="1504" y="229221"/>
+                      </a:lnTo>
+                      <a:lnTo>
+                        <a:pt x="125329" y="229221"/>
+                      </a:lnTo>
+                      <a:close/>
+                      <a:moveTo>
+                        <a:pt x="372979" y="621"/>
+                      </a:moveTo>
+                      <a:cubicBezTo>
+                        <a:pt x="393363" y="621"/>
+                        <a:pt x="410031" y="16623"/>
+                        <a:pt x="411079" y="36816"/>
+                      </a:cubicBezTo>
+                      <a:lnTo>
+                        <a:pt x="411079" y="38721"/>
+                      </a:lnTo>
+                      <a:lnTo>
+                        <a:pt x="411079" y="114921"/>
+                      </a:lnTo>
+                      <a:lnTo>
+                        <a:pt x="506329" y="114921"/>
+                      </a:lnTo>
+                      <a:cubicBezTo>
+                        <a:pt x="522141" y="114921"/>
+                        <a:pt x="534904" y="127685"/>
+                        <a:pt x="534904" y="143496"/>
+                      </a:cubicBezTo>
+                      <a:lnTo>
+                        <a:pt x="534904" y="210171"/>
+                      </a:lnTo>
+                      <a:lnTo>
+                        <a:pt x="1504" y="210171"/>
+                      </a:lnTo>
+                      <a:lnTo>
+                        <a:pt x="1504" y="143496"/>
+                      </a:lnTo>
+                      <a:cubicBezTo>
+                        <a:pt x="1504" y="127685"/>
+                        <a:pt x="14267" y="114921"/>
+                        <a:pt x="30079" y="114921"/>
+                      </a:cubicBezTo>
+                      <a:lnTo>
+                        <a:pt x="125329" y="114921"/>
+                      </a:lnTo>
+                      <a:lnTo>
+                        <a:pt x="125329" y="38721"/>
+                      </a:lnTo>
+                      <a:cubicBezTo>
+                        <a:pt x="125329" y="18337"/>
+                        <a:pt x="141331" y="1669"/>
+                        <a:pt x="161524" y="621"/>
+                      </a:cubicBezTo>
+                      <a:lnTo>
+                        <a:pt x="163429" y="621"/>
+                      </a:lnTo>
+                      <a:lnTo>
+                        <a:pt x="372979" y="621"/>
+                      </a:lnTo>
+                      <a:close/>
+                      <a:moveTo>
+                        <a:pt x="372979" y="19671"/>
+                      </a:moveTo>
+                      <a:lnTo>
+                        <a:pt x="163429" y="19671"/>
+                      </a:lnTo>
+                      <a:cubicBezTo>
+                        <a:pt x="153428" y="19671"/>
+                        <a:pt x="145141" y="27482"/>
+                        <a:pt x="144474" y="37292"/>
+                      </a:cubicBezTo>
+                      <a:lnTo>
+                        <a:pt x="144379" y="38721"/>
+                      </a:lnTo>
+                      <a:lnTo>
+                        <a:pt x="144379" y="114921"/>
+                      </a:lnTo>
+                      <a:lnTo>
+                        <a:pt x="392029" y="114921"/>
+                      </a:lnTo>
+                      <a:lnTo>
+                        <a:pt x="392029" y="38721"/>
+                      </a:lnTo>
+                      <a:cubicBezTo>
+                        <a:pt x="392029" y="29196"/>
+                        <a:pt x="384981" y="21290"/>
+                        <a:pt x="375836" y="19862"/>
+                      </a:cubicBezTo>
+                      <a:lnTo>
+                        <a:pt x="374408" y="19671"/>
+                      </a:lnTo>
+                      <a:lnTo>
+                        <a:pt x="372979" y="19671"/>
+                      </a:lnTo>
+                      <a:close/>
+                    </a:path>
+                  </a:pathLst>
+                </a:custGeom>
+                <a:solidFill>
+                  <a:srgbClr val="FFFFFF"/>
+                </a:solidFill>
+                <a:ln>
+                  <a:noFill/>
+                </a:ln>
+              </p:spPr>
+              <p:txBody>
+                <a:bodyPr/>
+                <a:lstStyle>
+                  <a:defPPr>
+                    <a:defRPr lang="zh-CN"/>
+                  </a:defPPr>
+                  <a:lvl1pPr marL="0" algn="l" defTabSz="914400">
+                    <a:defRPr sz="1800">
+                      <a:solidFill>
+                        <a:schemeClr val="tx1"/>
+                      </a:solidFill>
+                    </a:defRPr>
+                  </a:lvl1pPr>
+                  <a:lvl2pPr marL="457200" algn="l" defTabSz="914400">
+                    <a:defRPr sz="1800">
+                      <a:solidFill>
+                        <a:schemeClr val="tx1"/>
+                      </a:solidFill>
+                    </a:defRPr>
+                  </a:lvl2pPr>
+                  <a:lvl3pPr marL="914400" algn="l" defTabSz="914400">
+                    <a:defRPr sz="1800">
+                      <a:solidFill>
+                        <a:schemeClr val="tx1"/>
+                      </a:solidFill>
+                    </a:defRPr>
+                  </a:lvl3pPr>
+                  <a:lvl4pPr marL="1371600" algn="l" defTabSz="914400">
+                    <a:defRPr sz="1800">
+                      <a:solidFill>
+                        <a:schemeClr val="tx1"/>
+                      </a:solidFill>
+                    </a:defRPr>
+                  </a:lvl4pPr>
+                  <a:lvl5pPr marL="1828800" algn="l" defTabSz="914400">
+                    <a:defRPr sz="1800">
+                      <a:solidFill>
+                        <a:schemeClr val="tx1"/>
+                      </a:solidFill>
+                    </a:defRPr>
+                  </a:lvl5pPr>
+                  <a:lvl6pPr marL="2286000" algn="l" defTabSz="914400">
+                    <a:defRPr sz="1800">
+                      <a:solidFill>
+                        <a:schemeClr val="tx1"/>
+                      </a:solidFill>
+                    </a:defRPr>
+                  </a:lvl6pPr>
+                  <a:lvl7pPr marL="2743200" algn="l" defTabSz="914400">
+                    <a:defRPr sz="1800">
+                      <a:solidFill>
+                        <a:schemeClr val="tx1"/>
+                      </a:solidFill>
+                    </a:defRPr>
+                  </a:lvl7pPr>
+                  <a:lvl8pPr marL="3200400" algn="l" defTabSz="914400">
+                    <a:defRPr sz="1800">
+                      <a:solidFill>
+                        <a:schemeClr val="tx1"/>
+                      </a:solidFill>
+                    </a:defRPr>
+                  </a:lvl8pPr>
+                  <a:lvl9pPr marL="3657600" algn="l" defTabSz="914400">
+                    <a:defRPr sz="1800">
+                      <a:solidFill>
+                        <a:schemeClr val="tx1"/>
+                      </a:solidFill>
+                    </a:defRPr>
+                  </a:lvl9pPr>
+                </a:lstStyle>
+                <a:p>
+                  <a:pPr>
+                    <a:defRPr/>
+                  </a:pPr>
+                  <a:endParaRPr lang="zh-CN"/>
+                </a:p>
+              </p:txBody>
+            </p:sp>
+          </p:grpSp>
+        </p:grpSp>
+        <p:grpSp>
+          <p:nvGrpSpPr>
+            <p:cNvPr id="24" name="组合 23"/>
+            <p:cNvGrpSpPr/>
+            <p:nvPr/>
+          </p:nvGrpSpPr>
+          <p:grpSpPr bwMode="auto">
+            <a:xfrm>
+              <a:off x="3959774" y="4241472"/>
+              <a:ext cx="7013375" cy="808532"/>
+              <a:chOff x="3959774" y="4241472"/>
+              <a:chExt cx="7013375" cy="808532"/>
+            </a:xfrm>
+          </p:grpSpPr>
+          <p:sp>
+            <p:nvSpPr>
+              <p:cNvPr id="10" name="文本框 9"/>
+              <p:cNvSpPr txBox="1"/>
+              <p:nvPr/>
+            </p:nvSpPr>
+            <p:spPr bwMode="auto">
+              <a:xfrm>
+                <a:off x="4647300" y="4342118"/>
+                <a:ext cx="6325849" cy="707886"/>
+              </a:xfrm>
+              <a:prstGeom prst="rect">
+                <a:avLst/>
+              </a:prstGeom>
+              <a:noFill/>
+            </p:spPr>
+            <p:txBody>
+              <a:bodyPr wrap="square" rtlCol="0">
+                <a:spAutoFit/>
+              </a:bodyPr>
+              <a:lstStyle/>
+              <a:p>
+                <a:pPr>
+                  <a:defRPr/>
+                </a:pPr>
+                <a:r>
+                  <a:rPr lang="zh-CN" sz="2000"/>
+                  <a:t>缺点：</a:t>
+                </a:r>
+                <a:r>
+                  <a:rPr lang="en-US" sz="2000"/>
+                  <a:t>AI</a:t>
+                </a:r>
+                <a:r>
+                  <a:rPr lang="zh-CN" sz="2000"/>
+                  <a:t>生图具有随机性，且设计图形的整个周期耗时</a:t>
+                </a:r>
+                <a:r>
+                  <a:rPr lang="en-US" sz="2000"/>
+                  <a:t>    	</a:t>
+                </a:r>
+                <a:r>
+                  <a:rPr lang="zh-CN" sz="2000"/>
+                  <a:t>较长</a:t>
+                </a:r>
+                <a:endParaRPr/>
+              </a:p>
+            </p:txBody>
+          </p:sp>
+          <p:sp>
+            <p:nvSpPr>
+              <p:cNvPr id="22" name="圆角矩形 21"/>
+              <p:cNvSpPr/>
+              <p:nvPr/>
+            </p:nvSpPr>
+            <p:spPr bwMode="auto">
+              <a:xfrm>
+                <a:off x="3959774" y="4241472"/>
+                <a:ext cx="500759" cy="500756"/>
+              </a:xfrm>
+              <a:prstGeom prst="roundRect">
+                <a:avLst>
+                  <a:gd name="adj" fmla="val 16667"/>
+                </a:avLst>
+              </a:prstGeom>
+              <a:solidFill>
+                <a:schemeClr val="accent6"/>
+              </a:solidFill>
+              <a:ln w="12700" cap="rnd">
+                <a:noFill/>
+                <a:prstDash val="solid"/>
+                <a:round/>
+                <a:headEnd/>
+                <a:tailEnd/>
+              </a:ln>
+              <a:effectLst>
+                <a:outerShdw blurRad="254000" dist="127000" algn="ctr" rotWithShape="0">
+                  <a:schemeClr val="accent6">
+                    <a:alpha val="32000"/>
+                  </a:schemeClr>
+                </a:outerShdw>
+              </a:effectLst>
+            </p:spPr>
+            <p:style>
+              <a:lnRef idx="2">
+                <a:schemeClr val="accent1">
+                  <a:shade val="50000"/>
+                </a:schemeClr>
+              </a:lnRef>
+              <a:fillRef idx="1">
+                <a:schemeClr val="accent1"/>
+              </a:fillRef>
+              <a:effectRef idx="0">
+                <a:schemeClr val="accent1"/>
+              </a:effectRef>
+              <a:fontRef idx="minor">
+                <a:schemeClr val="lt1"/>
+              </a:fontRef>
+            </p:style>
+            <p:txBody>
+              <a:bodyPr rot="0" spcFirstLastPara="0" vert="horz" wrap="square" lIns="91440" tIns="45720" rIns="91440" bIns="45720" numCol="1" spcCol="0" rtlCol="0" fromWordArt="0" anchor="ctr" anchorCtr="0" forceAA="0" compatLnSpc="1">
+                <a:prstTxWarp prst="textNoShape"/>
+                <a:normAutofit/>
+              </a:bodyPr>
+              <a:lstStyle>
+                <a:defPPr>
+                  <a:defRPr lang="zh-CN"/>
+                </a:defPPr>
+                <a:lvl1pPr marL="0" algn="l" defTabSz="914400">
+                  <a:defRPr sz="1800">
+                    <a:solidFill>
+                      <a:schemeClr val="lt1"/>
+                    </a:solidFill>
+                  </a:defRPr>
+                </a:lvl1pPr>
+                <a:lvl2pPr marL="457200" algn="l" defTabSz="914400">
+                  <a:defRPr sz="1800">
+                    <a:solidFill>
+                      <a:schemeClr val="lt1"/>
+                    </a:solidFill>
+                  </a:defRPr>
+                </a:lvl2pPr>
+                <a:lvl3pPr marL="914400" algn="l" defTabSz="914400">
+                  <a:defRPr sz="1800">
+                    <a:solidFill>
+                      <a:schemeClr val="lt1"/>
+                    </a:solidFill>
+                  </a:defRPr>
+                </a:lvl3pPr>
+                <a:lvl4pPr marL="1371600" algn="l" defTabSz="914400">
+                  <a:defRPr sz="1800">
+                    <a:solidFill>
+                      <a:schemeClr val="lt1"/>
+                    </a:solidFill>
+                  </a:defRPr>
+                </a:lvl4pPr>
+                <a:lvl5pPr marL="1828800" algn="l" defTabSz="914400">
+                  <a:defRPr sz="1800">
+                    <a:solidFill>
+                      <a:schemeClr val="lt1"/>
+                    </a:solidFill>
+                  </a:defRPr>
+                </a:lvl5pPr>
+                <a:lvl6pPr marL="2286000" algn="l" defTabSz="914400">
+                  <a:defRPr sz="1800">
+                    <a:solidFill>
+                      <a:schemeClr val="lt1"/>
+                    </a:solidFill>
+                  </a:defRPr>
+                </a:lvl6pPr>
+                <a:lvl7pPr marL="2743200" algn="l" defTabSz="914400">
+                  <a:defRPr sz="1800">
+                    <a:solidFill>
+                      <a:schemeClr val="lt1"/>
+                    </a:solidFill>
+                  </a:defRPr>
+                </a:lvl7pPr>
+                <a:lvl8pPr marL="3200400" algn="l" defTabSz="914400">
+                  <a:defRPr sz="1800">
+                    <a:solidFill>
+                      <a:schemeClr val="lt1"/>
+                    </a:solidFill>
+                  </a:defRPr>
+                </a:lvl8pPr>
+                <a:lvl9pPr marL="3657600" algn="l" defTabSz="914400">
+                  <a:defRPr sz="1800">
+                    <a:solidFill>
+                      <a:schemeClr val="lt1"/>
+                    </a:solidFill>
+                  </a:defRPr>
+                </a:lvl9pPr>
+              </a:lstStyle>
+              <a:p>
+                <a:pPr algn="ctr" defTabSz="914354">
+                  <a:defRPr/>
+                </a:pPr>
+                <a:endParaRPr lang="zh-CN" sz="2000" b="1">
+                  <a:solidFill>
+                    <a:schemeClr val="bg1"/>
+                  </a:solidFill>
+                </a:endParaRPr>
+              </a:p>
+            </p:txBody>
+          </p:sp>
+          <p:sp>
+            <p:nvSpPr>
+              <p:cNvPr id="23" name="任意多边形: 形状 22"/>
+              <p:cNvSpPr/>
+              <p:nvPr/>
+            </p:nvSpPr>
+            <p:spPr bwMode="auto">
+              <a:xfrm>
+                <a:off x="4030153" y="4311850"/>
+                <a:ext cx="360000" cy="360000"/>
+              </a:xfrm>
+              <a:custGeom>
+                <a:avLst/>
+                <a:gdLst>
+                  <a:gd name="connsiteX0" fmla="*/ 269689 w 533400"/>
+                  <a:gd name="connsiteY0" fmla="*/ 359587 h 533400"/>
+                  <a:gd name="connsiteX1" fmla="*/ 291126 w 533400"/>
+                  <a:gd name="connsiteY1" fmla="*/ 381021 h 533400"/>
+                  <a:gd name="connsiteX2" fmla="*/ 269689 w 533400"/>
+                  <a:gd name="connsiteY2" fmla="*/ 402456 h 533400"/>
+                  <a:gd name="connsiteX3" fmla="*/ 248252 w 533400"/>
+                  <a:gd name="connsiteY3" fmla="*/ 381021 h 533400"/>
+                  <a:gd name="connsiteX4" fmla="*/ 269689 w 533400"/>
+                  <a:gd name="connsiteY4" fmla="*/ 359587 h 533400"/>
+                  <a:gd name="connsiteX5" fmla="*/ 500729 w 533400"/>
+                  <a:gd name="connsiteY5" fmla="*/ 183356 h 533400"/>
+                  <a:gd name="connsiteX6" fmla="*/ 524113 w 533400"/>
+                  <a:gd name="connsiteY6" fmla="*/ 196739 h 533400"/>
+                  <a:gd name="connsiteX7" fmla="*/ 533400 w 533400"/>
+                  <a:gd name="connsiteY7" fmla="*/ 266700 h 533400"/>
+                  <a:gd name="connsiteX8" fmla="*/ 512445 w 533400"/>
+                  <a:gd name="connsiteY8" fmla="*/ 370523 h 533400"/>
+                  <a:gd name="connsiteX9" fmla="*/ 455295 w 533400"/>
+                  <a:gd name="connsiteY9" fmla="*/ 455295 h 533400"/>
+                  <a:gd name="connsiteX10" fmla="*/ 370523 w 533400"/>
+                  <a:gd name="connsiteY10" fmla="*/ 512445 h 533400"/>
+                  <a:gd name="connsiteX11" fmla="*/ 266700 w 533400"/>
+                  <a:gd name="connsiteY11" fmla="*/ 533400 h 533400"/>
+                  <a:gd name="connsiteX12" fmla="*/ 144018 w 533400"/>
+                  <a:gd name="connsiteY12" fmla="*/ 503587 h 533400"/>
+                  <a:gd name="connsiteX13" fmla="*/ 76486 w 533400"/>
+                  <a:gd name="connsiteY13" fmla="*/ 453628 h 533400"/>
+                  <a:gd name="connsiteX14" fmla="*/ 76486 w 533400"/>
+                  <a:gd name="connsiteY14" fmla="*/ 489728 h 533400"/>
+                  <a:gd name="connsiteX15" fmla="*/ 57436 w 533400"/>
+                  <a:gd name="connsiteY15" fmla="*/ 508778 h 533400"/>
+                  <a:gd name="connsiteX16" fmla="*/ 38386 w 533400"/>
+                  <a:gd name="connsiteY16" fmla="*/ 489728 h 533400"/>
+                  <a:gd name="connsiteX17" fmla="*/ 38386 w 533400"/>
+                  <a:gd name="connsiteY17" fmla="*/ 400431 h 533400"/>
+                  <a:gd name="connsiteX18" fmla="*/ 57436 w 533400"/>
+                  <a:gd name="connsiteY18" fmla="*/ 381381 h 533400"/>
+                  <a:gd name="connsiteX19" fmla="*/ 146732 w 533400"/>
+                  <a:gd name="connsiteY19" fmla="*/ 381381 h 533400"/>
+                  <a:gd name="connsiteX20" fmla="*/ 165782 w 533400"/>
+                  <a:gd name="connsiteY20" fmla="*/ 400431 h 533400"/>
+                  <a:gd name="connsiteX21" fmla="*/ 146732 w 533400"/>
+                  <a:gd name="connsiteY21" fmla="*/ 419481 h 533400"/>
+                  <a:gd name="connsiteX22" fmla="*/ 96631 w 533400"/>
+                  <a:gd name="connsiteY22" fmla="*/ 419481 h 533400"/>
+                  <a:gd name="connsiteX23" fmla="*/ 266700 w 533400"/>
+                  <a:gd name="connsiteY23" fmla="*/ 495348 h 533400"/>
+                  <a:gd name="connsiteX24" fmla="*/ 495300 w 533400"/>
+                  <a:gd name="connsiteY24" fmla="*/ 266748 h 533400"/>
+                  <a:gd name="connsiteX25" fmla="*/ 487347 w 533400"/>
+                  <a:gd name="connsiteY25" fmla="*/ 206740 h 533400"/>
+                  <a:gd name="connsiteX26" fmla="*/ 500729 w 533400"/>
+                  <a:gd name="connsiteY26" fmla="*/ 183356 h 533400"/>
+                  <a:gd name="connsiteX27" fmla="*/ 268546 w 533400"/>
+                  <a:gd name="connsiteY27" fmla="*/ 109994 h 533400"/>
+                  <a:gd name="connsiteX28" fmla="*/ 325329 w 533400"/>
+                  <a:gd name="connsiteY28" fmla="*/ 135239 h 533400"/>
+                  <a:gd name="connsiteX29" fmla="*/ 342907 w 533400"/>
+                  <a:gd name="connsiteY29" fmla="*/ 194732 h 533400"/>
+                  <a:gd name="connsiteX30" fmla="*/ 342907 w 533400"/>
+                  <a:gd name="connsiteY30" fmla="*/ 194827 h 533400"/>
+                  <a:gd name="connsiteX31" fmla="*/ 334142 w 533400"/>
+                  <a:gd name="connsiteY31" fmla="*/ 228170 h 533400"/>
+                  <a:gd name="connsiteX32" fmla="*/ 318374 w 533400"/>
+                  <a:gd name="connsiteY32" fmla="*/ 250938 h 533400"/>
+                  <a:gd name="connsiteX33" fmla="*/ 303607 w 533400"/>
+                  <a:gd name="connsiteY33" fmla="*/ 267847 h 533400"/>
+                  <a:gd name="connsiteX34" fmla="*/ 293127 w 533400"/>
+                  <a:gd name="connsiteY34" fmla="*/ 284566 h 533400"/>
+                  <a:gd name="connsiteX35" fmla="*/ 287934 w 533400"/>
+                  <a:gd name="connsiteY35" fmla="*/ 307954 h 533400"/>
+                  <a:gd name="connsiteX36" fmla="*/ 268927 w 533400"/>
+                  <a:gd name="connsiteY36" fmla="*/ 325720 h 533400"/>
+                  <a:gd name="connsiteX37" fmla="*/ 267593 w 533400"/>
+                  <a:gd name="connsiteY37" fmla="*/ 325673 h 533400"/>
+                  <a:gd name="connsiteX38" fmla="*/ 249920 w 533400"/>
+                  <a:gd name="connsiteY38" fmla="*/ 305286 h 533400"/>
+                  <a:gd name="connsiteX39" fmla="*/ 258542 w 533400"/>
+                  <a:gd name="connsiteY39" fmla="*/ 268419 h 533400"/>
+                  <a:gd name="connsiteX40" fmla="*/ 274500 w 533400"/>
+                  <a:gd name="connsiteY40" fmla="*/ 243126 h 533400"/>
+                  <a:gd name="connsiteX41" fmla="*/ 290030 w 533400"/>
+                  <a:gd name="connsiteY41" fmla="*/ 225407 h 533400"/>
+                  <a:gd name="connsiteX42" fmla="*/ 300415 w 533400"/>
+                  <a:gd name="connsiteY42" fmla="*/ 210450 h 533400"/>
+                  <a:gd name="connsiteX43" fmla="*/ 304845 w 533400"/>
+                  <a:gd name="connsiteY43" fmla="*/ 192207 h 533400"/>
+                  <a:gd name="connsiteX44" fmla="*/ 304845 w 533400"/>
+                  <a:gd name="connsiteY44" fmla="*/ 192112 h 533400"/>
+                  <a:gd name="connsiteX45" fmla="*/ 296747 w 533400"/>
+                  <a:gd name="connsiteY45" fmla="*/ 160484 h 533400"/>
+                  <a:gd name="connsiteX46" fmla="*/ 265878 w 533400"/>
+                  <a:gd name="connsiteY46" fmla="*/ 148052 h 533400"/>
+                  <a:gd name="connsiteX47" fmla="*/ 235533 w 533400"/>
+                  <a:gd name="connsiteY47" fmla="*/ 157293 h 533400"/>
+                  <a:gd name="connsiteX48" fmla="*/ 220861 w 533400"/>
+                  <a:gd name="connsiteY48" fmla="*/ 193732 h 533400"/>
+                  <a:gd name="connsiteX49" fmla="*/ 200520 w 533400"/>
+                  <a:gd name="connsiteY49" fmla="*/ 211165 h 533400"/>
+                  <a:gd name="connsiteX50" fmla="*/ 182847 w 533400"/>
+                  <a:gd name="connsiteY50" fmla="*/ 190778 h 533400"/>
+                  <a:gd name="connsiteX51" fmla="*/ 182847 w 533400"/>
+                  <a:gd name="connsiteY51" fmla="*/ 190635 h 533400"/>
+                  <a:gd name="connsiteX52" fmla="*/ 182894 w 533400"/>
+                  <a:gd name="connsiteY52" fmla="*/ 189969 h 533400"/>
+                  <a:gd name="connsiteX53" fmla="*/ 209190 w 533400"/>
+                  <a:gd name="connsiteY53" fmla="*/ 129762 h 533400"/>
+                  <a:gd name="connsiteX54" fmla="*/ 268546 w 533400"/>
+                  <a:gd name="connsiteY54" fmla="*/ 109994 h 533400"/>
+                  <a:gd name="connsiteX55" fmla="*/ 266700 w 533400"/>
+                  <a:gd name="connsiteY55" fmla="*/ 0 h 533400"/>
+                  <a:gd name="connsiteX56" fmla="*/ 377666 w 533400"/>
+                  <a:gd name="connsiteY56" fmla="*/ 24098 h 533400"/>
+                  <a:gd name="connsiteX57" fmla="*/ 458105 w 533400"/>
+                  <a:gd name="connsiteY57" fmla="*/ 80963 h 533400"/>
+                  <a:gd name="connsiteX58" fmla="*/ 458105 w 533400"/>
+                  <a:gd name="connsiteY58" fmla="*/ 44339 h 533400"/>
+                  <a:gd name="connsiteX59" fmla="*/ 477155 w 533400"/>
+                  <a:gd name="connsiteY59" fmla="*/ 25289 h 533400"/>
+                  <a:gd name="connsiteX60" fmla="*/ 496205 w 533400"/>
+                  <a:gd name="connsiteY60" fmla="*/ 44339 h 533400"/>
+                  <a:gd name="connsiteX61" fmla="*/ 496205 w 533400"/>
+                  <a:gd name="connsiteY61" fmla="*/ 133636 h 533400"/>
+                  <a:gd name="connsiteX62" fmla="*/ 477155 w 533400"/>
+                  <a:gd name="connsiteY62" fmla="*/ 152686 h 533400"/>
+                  <a:gd name="connsiteX63" fmla="*/ 387858 w 533400"/>
+                  <a:gd name="connsiteY63" fmla="*/ 152686 h 533400"/>
+                  <a:gd name="connsiteX64" fmla="*/ 368808 w 533400"/>
+                  <a:gd name="connsiteY64" fmla="*/ 133636 h 533400"/>
+                  <a:gd name="connsiteX65" fmla="*/ 387858 w 533400"/>
+                  <a:gd name="connsiteY65" fmla="*/ 114586 h 533400"/>
+                  <a:gd name="connsiteX66" fmla="*/ 437388 w 533400"/>
+                  <a:gd name="connsiteY66" fmla="*/ 114586 h 533400"/>
+                  <a:gd name="connsiteX67" fmla="*/ 266700 w 533400"/>
+                  <a:gd name="connsiteY67" fmla="*/ 38100 h 533400"/>
+                  <a:gd name="connsiteX68" fmla="*/ 38100 w 533400"/>
+                  <a:gd name="connsiteY68" fmla="*/ 266700 h 533400"/>
+                  <a:gd name="connsiteX69" fmla="*/ 46101 w 533400"/>
+                  <a:gd name="connsiteY69" fmla="*/ 326850 h 533400"/>
+                  <a:gd name="connsiteX70" fmla="*/ 32671 w 533400"/>
+                  <a:gd name="connsiteY70" fmla="*/ 350187 h 533400"/>
+                  <a:gd name="connsiteX71" fmla="*/ 27670 w 533400"/>
+                  <a:gd name="connsiteY71" fmla="*/ 350806 h 533400"/>
+                  <a:gd name="connsiteX72" fmla="*/ 9287 w 533400"/>
+                  <a:gd name="connsiteY72" fmla="*/ 336756 h 533400"/>
+                  <a:gd name="connsiteX73" fmla="*/ 0 w 533400"/>
+                  <a:gd name="connsiteY73" fmla="*/ 266700 h 533400"/>
+                  <a:gd name="connsiteX74" fmla="*/ 20955 w 533400"/>
+                  <a:gd name="connsiteY74" fmla="*/ 162877 h 533400"/>
+                  <a:gd name="connsiteX75" fmla="*/ 78105 w 533400"/>
+                  <a:gd name="connsiteY75" fmla="*/ 78105 h 533400"/>
+                  <a:gd name="connsiteX76" fmla="*/ 162877 w 533400"/>
+                  <a:gd name="connsiteY76" fmla="*/ 20955 h 533400"/>
+                  <a:gd name="connsiteX77" fmla="*/ 266700 w 533400"/>
+                  <a:gd name="connsiteY77" fmla="*/ 0 h 533400"/>
+                </a:gdLst>
+                <a:ahLst/>
+                <a:cxnLst>
+                  <a:cxn ang="0">
+                    <a:pos x="connsiteX0" y="connsiteY0"/>
+                  </a:cxn>
+                  <a:cxn ang="0">
+                    <a:pos x="connsiteX1" y="connsiteY1"/>
+                  </a:cxn>
+                  <a:cxn ang="0">
+                    <a:pos x="connsiteX2" y="connsiteY2"/>
+                  </a:cxn>
+                  <a:cxn ang="0">
+                    <a:pos x="connsiteX3" y="connsiteY3"/>
+                  </a:cxn>
+                  <a:cxn ang="0">
+                    <a:pos x="connsiteX4" y="connsiteY4"/>
+                  </a:cxn>
+                  <a:cxn ang="0">
+                    <a:pos x="connsiteX5" y="connsiteY5"/>
+                  </a:cxn>
+                  <a:cxn ang="0">
+                    <a:pos x="connsiteX6" y="connsiteY6"/>
+                  </a:cxn>
+                  <a:cxn ang="0">
+                    <a:pos x="connsiteX7" y="connsiteY7"/>
+                  </a:cxn>
+                  <a:cxn ang="0">
+                    <a:pos x="connsiteX8" y="connsiteY8"/>
+                  </a:cxn>
+                  <a:cxn ang="0">
+                    <a:pos x="connsiteX9" y="connsiteY9"/>
+                  </a:cxn>
+                  <a:cxn ang="0">
+                    <a:pos x="connsiteX10" y="connsiteY10"/>
+                  </a:cxn>
+                  <a:cxn ang="0">
+                    <a:pos x="connsiteX11" y="connsiteY11"/>
+                  </a:cxn>
+                  <a:cxn ang="0">
+                    <a:pos x="connsiteX12" y="connsiteY12"/>
+                  </a:cxn>
+                  <a:cxn ang="0">
+                    <a:pos x="connsiteX13" y="connsiteY13"/>
+                  </a:cxn>
+                  <a:cxn ang="0">
+                    <a:pos x="connsiteX14" y="connsiteY14"/>
+                  </a:cxn>
+                  <a:cxn ang="0">
+                    <a:pos x="connsiteX15" y="connsiteY15"/>
+                  </a:cxn>
+                  <a:cxn ang="0">
+                    <a:pos x="connsiteX16" y="connsiteY16"/>
+                  </a:cxn>
+                  <a:cxn ang="0">
+                    <a:pos x="connsiteX17" y="connsiteY17"/>
+                  </a:cxn>
+                  <a:cxn ang="0">
+                    <a:pos x="connsiteX18" y="connsiteY18"/>
+                  </a:cxn>
+                  <a:cxn ang="0">
+                    <a:pos x="connsiteX19" y="connsiteY19"/>
+                  </a:cxn>
+                  <a:cxn ang="0">
+                    <a:pos x="connsiteX20" y="connsiteY20"/>
+                  </a:cxn>
+                  <a:cxn ang="0">
+                    <a:pos x="connsiteX21" y="connsiteY21"/>
+                  </a:cxn>
+                  <a:cxn ang="0">
+                    <a:pos x="connsiteX22" y="connsiteY22"/>
+                  </a:cxn>
+                  <a:cxn ang="0">
+                    <a:pos x="connsiteX23" y="connsiteY23"/>
+                  </a:cxn>
+                  <a:cxn ang="0">
+                    <a:pos x="connsiteX24" y="connsiteY24"/>
+                  </a:cxn>
+                  <a:cxn ang="0">
+                    <a:pos x="connsiteX25" y="connsiteY25"/>
+                  </a:cxn>
+                  <a:cxn ang="0">
+                    <a:pos x="connsiteX26" y="connsiteY26"/>
+                  </a:cxn>
+                  <a:cxn ang="0">
+                    <a:pos x="connsiteX27" y="connsiteY27"/>
+                  </a:cxn>
+                  <a:cxn ang="0">
+                    <a:pos x="connsiteX28" y="connsiteY28"/>
+                  </a:cxn>
+                  <a:cxn ang="0">
+                    <a:pos x="connsiteX29" y="connsiteY29"/>
+                  </a:cxn>
+                  <a:cxn ang="0">
+                    <a:pos x="connsiteX30" y="connsiteY30"/>
+                  </a:cxn>
+                  <a:cxn ang="0">
+                    <a:pos x="connsiteX31" y="connsiteY31"/>
+                  </a:cxn>
+                  <a:cxn ang="0">
+                    <a:pos x="connsiteX32" y="connsiteY32"/>
+                  </a:cxn>
+                  <a:cxn ang="0">
+                    <a:pos x="connsiteX33" y="connsiteY33"/>
+                  </a:cxn>
+                  <a:cxn ang="0">
+                    <a:pos x="connsiteX34" y="connsiteY34"/>
+                  </a:cxn>
+                  <a:cxn ang="0">
+                    <a:pos x="connsiteX35" y="connsiteY35"/>
+                  </a:cxn>
+                  <a:cxn ang="0">
+                    <a:pos x="connsiteX36" y="connsiteY36"/>
+                  </a:cxn>
+                  <a:cxn ang="0">
+                    <a:pos x="connsiteX37" y="connsiteY37"/>
+                  </a:cxn>
+                  <a:cxn ang="0">
+                    <a:pos x="connsiteX38" y="connsiteY38"/>
+                  </a:cxn>
+                  <a:cxn ang="0">
+                    <a:pos x="connsiteX39" y="connsiteY39"/>
+                  </a:cxn>
+                  <a:cxn ang="0">
+                    <a:pos x="connsiteX40" y="connsiteY40"/>
+                  </a:cxn>
+                  <a:cxn ang="0">
+                    <a:pos x="connsiteX41" y="connsiteY41"/>
+                  </a:cxn>
+                  <a:cxn ang="0">
+                    <a:pos x="connsiteX42" y="connsiteY42"/>
+                  </a:cxn>
+                  <a:cxn ang="0">
+                    <a:pos x="connsiteX43" y="connsiteY43"/>
+                  </a:cxn>
+                  <a:cxn ang="0">
+                    <a:pos x="connsiteX44" y="connsiteY44"/>
+                  </a:cxn>
+                  <a:cxn ang="0">
+                    <a:pos x="connsiteX45" y="connsiteY45"/>
+                  </a:cxn>
+                  <a:cxn ang="0">
+                    <a:pos x="connsiteX46" y="connsiteY46"/>
+                  </a:cxn>
+                  <a:cxn ang="0">
+                    <a:pos x="connsiteX47" y="connsiteY47"/>
+                  </a:cxn>
+                  <a:cxn ang="0">
+                    <a:pos x="connsiteX48" y="connsiteY48"/>
+                  </a:cxn>
+                  <a:cxn ang="0">
+                    <a:pos x="connsiteX49" y="connsiteY49"/>
+                  </a:cxn>
+                  <a:cxn ang="0">
+                    <a:pos x="connsiteX50" y="connsiteY50"/>
+                  </a:cxn>
+                  <a:cxn ang="0">
+                    <a:pos x="connsiteX51" y="connsiteY51"/>
+                  </a:cxn>
+                  <a:cxn ang="0">
+                    <a:pos x="connsiteX52" y="connsiteY52"/>
+                  </a:cxn>
+                  <a:cxn ang="0">
+                    <a:pos x="connsiteX53" y="connsiteY53"/>
+                  </a:cxn>
+                  <a:cxn ang="0">
+                    <a:pos x="connsiteX54" y="connsiteY54"/>
+                  </a:cxn>
+                  <a:cxn ang="0">
+                    <a:pos x="connsiteX55" y="connsiteY55"/>
+                  </a:cxn>
+                  <a:cxn ang="0">
+                    <a:pos x="connsiteX56" y="connsiteY56"/>
+                  </a:cxn>
+                  <a:cxn ang="0">
+                    <a:pos x="connsiteX57" y="connsiteY57"/>
+                  </a:cxn>
+                  <a:cxn ang="0">
+                    <a:pos x="connsiteX58" y="connsiteY58"/>
+                  </a:cxn>
+                  <a:cxn ang="0">
+                    <a:pos x="connsiteX59" y="connsiteY59"/>
+                  </a:cxn>
+                  <a:cxn ang="0">
+                    <a:pos x="connsiteX60" y="connsiteY60"/>
+                  </a:cxn>
+                  <a:cxn ang="0">
+                    <a:pos x="connsiteX61" y="connsiteY61"/>
+                  </a:cxn>
+                  <a:cxn ang="0">
+                    <a:pos x="connsiteX62" y="connsiteY62"/>
+                  </a:cxn>
+                  <a:cxn ang="0">
+                    <a:pos x="connsiteX63" y="connsiteY63"/>
+                  </a:cxn>
+                  <a:cxn ang="0">
+                    <a:pos x="connsiteX64" y="connsiteY64"/>
+                  </a:cxn>
+                  <a:cxn ang="0">
+                    <a:pos x="connsiteX65" y="connsiteY65"/>
+                  </a:cxn>
+                  <a:cxn ang="0">
+                    <a:pos x="connsiteX66" y="connsiteY66"/>
+                  </a:cxn>
+                  <a:cxn ang="0">
+                    <a:pos x="connsiteX67" y="connsiteY67"/>
+                  </a:cxn>
+                  <a:cxn ang="0">
+                    <a:pos x="connsiteX68" y="connsiteY68"/>
+                  </a:cxn>
+                  <a:cxn ang="0">
+                    <a:pos x="connsiteX69" y="connsiteY69"/>
+                  </a:cxn>
+                  <a:cxn ang="0">
+                    <a:pos x="connsiteX70" y="connsiteY70"/>
+                  </a:cxn>
+                  <a:cxn ang="0">
+                    <a:pos x="connsiteX71" y="connsiteY71"/>
+                  </a:cxn>
+                  <a:cxn ang="0">
+                    <a:pos x="connsiteX72" y="connsiteY72"/>
+                  </a:cxn>
+                  <a:cxn ang="0">
+                    <a:pos x="connsiteX73" y="connsiteY73"/>
+                  </a:cxn>
+                  <a:cxn ang="0">
+                    <a:pos x="connsiteX74" y="connsiteY74"/>
+                  </a:cxn>
+                  <a:cxn ang="0">
+                    <a:pos x="connsiteX75" y="connsiteY75"/>
+                  </a:cxn>
+                  <a:cxn ang="0">
+                    <a:pos x="connsiteX76" y="connsiteY76"/>
+                  </a:cxn>
+                  <a:cxn ang="0">
+                    <a:pos x="connsiteX77" y="connsiteY77"/>
+                  </a:cxn>
+                </a:cxnLst>
+                <a:rect l="l" t="t" r="r" b="b"/>
+                <a:pathLst>
+                  <a:path w="533400" h="533400" fill="norm" stroke="1" extrusionOk="0">
+                    <a:moveTo>
+                      <a:pt x="269689" y="359587"/>
+                    </a:moveTo>
+                    <a:cubicBezTo>
+                      <a:pt x="281503" y="359587"/>
+                      <a:pt x="291126" y="369161"/>
+                      <a:pt x="291126" y="381021"/>
+                    </a:cubicBezTo>
+                    <a:cubicBezTo>
+                      <a:pt x="291126" y="392882"/>
+                      <a:pt x="281503" y="402456"/>
+                      <a:pt x="269689" y="402456"/>
+                    </a:cubicBezTo>
+                    <a:cubicBezTo>
+                      <a:pt x="257828" y="402456"/>
+                      <a:pt x="248252" y="392882"/>
+                      <a:pt x="248252" y="381021"/>
+                    </a:cubicBezTo>
+                    <a:cubicBezTo>
+                      <a:pt x="248252" y="369161"/>
+                      <a:pt x="257828" y="359587"/>
+                      <a:pt x="269689" y="359587"/>
+                    </a:cubicBezTo>
+                    <a:close/>
+                    <a:moveTo>
+                      <a:pt x="500729" y="183356"/>
+                    </a:moveTo>
+                    <a:cubicBezTo>
+                      <a:pt x="510921" y="180642"/>
+                      <a:pt x="521399" y="186595"/>
+                      <a:pt x="524113" y="196739"/>
+                    </a:cubicBezTo>
+                    <a:cubicBezTo>
+                      <a:pt x="530305" y="219456"/>
+                      <a:pt x="533400" y="242935"/>
+                      <a:pt x="533400" y="266700"/>
+                    </a:cubicBezTo>
+                    <a:cubicBezTo>
+                      <a:pt x="533400" y="302705"/>
+                      <a:pt x="526399" y="337614"/>
+                      <a:pt x="512445" y="370523"/>
+                    </a:cubicBezTo>
+                    <a:cubicBezTo>
+                      <a:pt x="499015" y="402336"/>
+                      <a:pt x="479774" y="430816"/>
+                      <a:pt x="455295" y="455295"/>
+                    </a:cubicBezTo>
+                    <a:cubicBezTo>
+                      <a:pt x="430816" y="479774"/>
+                      <a:pt x="402336" y="499015"/>
+                      <a:pt x="370523" y="512445"/>
+                    </a:cubicBezTo>
+                    <a:cubicBezTo>
+                      <a:pt x="337614" y="526399"/>
+                      <a:pt x="302705" y="533400"/>
+                      <a:pt x="266700" y="533400"/>
+                    </a:cubicBezTo>
+                    <a:cubicBezTo>
+                      <a:pt x="224028" y="533400"/>
+                      <a:pt x="181642" y="523113"/>
+                      <a:pt x="144018" y="503587"/>
+                    </a:cubicBezTo>
+                    <a:cubicBezTo>
+                      <a:pt x="119062" y="490680"/>
+                      <a:pt x="96202" y="473678"/>
+                      <a:pt x="76486" y="453628"/>
+                    </a:cubicBezTo>
+                    <a:lnTo>
+                      <a:pt x="76486" y="489728"/>
+                    </a:lnTo>
+                    <a:cubicBezTo>
+                      <a:pt x="76486" y="500253"/>
+                      <a:pt x="68008" y="508778"/>
+                      <a:pt x="57436" y="508778"/>
+                    </a:cubicBezTo>
+                    <a:cubicBezTo>
+                      <a:pt x="46910" y="508778"/>
+                      <a:pt x="38386" y="500253"/>
+                      <a:pt x="38386" y="489728"/>
+                    </a:cubicBezTo>
+                    <a:lnTo>
+                      <a:pt x="38386" y="400431"/>
+                    </a:lnTo>
+                    <a:cubicBezTo>
+                      <a:pt x="38386" y="389858"/>
+                      <a:pt x="46910" y="381381"/>
+                      <a:pt x="57436" y="381381"/>
+                    </a:cubicBezTo>
+                    <a:lnTo>
+                      <a:pt x="146732" y="381381"/>
+                    </a:lnTo>
+                    <a:cubicBezTo>
+                      <a:pt x="157305" y="381381"/>
+                      <a:pt x="165782" y="389858"/>
+                      <a:pt x="165782" y="400431"/>
+                    </a:cubicBezTo>
+                    <a:cubicBezTo>
+                      <a:pt x="165782" y="410956"/>
+                      <a:pt x="157305" y="419481"/>
+                      <a:pt x="146732" y="419481"/>
+                    </a:cubicBezTo>
+                    <a:lnTo>
+                      <a:pt x="96631" y="419481"/>
+                    </a:lnTo>
+                    <a:cubicBezTo>
+                      <a:pt x="139732" y="467344"/>
+                      <a:pt x="201740" y="495348"/>
+                      <a:pt x="266700" y="495348"/>
+                    </a:cubicBezTo>
+                    <a:cubicBezTo>
+                      <a:pt x="392716" y="495348"/>
+                      <a:pt x="495300" y="392811"/>
+                      <a:pt x="495300" y="266748"/>
+                    </a:cubicBezTo>
+                    <a:cubicBezTo>
+                      <a:pt x="495300" y="246412"/>
+                      <a:pt x="492633" y="226219"/>
+                      <a:pt x="487347" y="206740"/>
+                    </a:cubicBezTo>
+                    <a:cubicBezTo>
+                      <a:pt x="484585" y="196596"/>
+                      <a:pt x="490538" y="186119"/>
+                      <a:pt x="500729" y="183356"/>
+                    </a:cubicBezTo>
+                    <a:close/>
+                    <a:moveTo>
+                      <a:pt x="268546" y="109994"/>
+                    </a:moveTo>
+                    <a:cubicBezTo>
+                      <a:pt x="292936" y="111661"/>
+                      <a:pt x="312086" y="120187"/>
+                      <a:pt x="325329" y="135239"/>
+                    </a:cubicBezTo>
+                    <a:cubicBezTo>
+                      <a:pt x="338763" y="150434"/>
+                      <a:pt x="344622" y="170439"/>
+                      <a:pt x="342907" y="194732"/>
+                    </a:cubicBezTo>
+                    <a:lnTo>
+                      <a:pt x="342907" y="194827"/>
+                    </a:lnTo>
+                    <a:cubicBezTo>
+                      <a:pt x="342002" y="207688"/>
+                      <a:pt x="339049" y="218881"/>
+                      <a:pt x="334142" y="228170"/>
+                    </a:cubicBezTo>
+                    <a:cubicBezTo>
+                      <a:pt x="329759" y="236601"/>
+                      <a:pt x="324472" y="244222"/>
+                      <a:pt x="318374" y="250938"/>
+                    </a:cubicBezTo>
+                    <a:cubicBezTo>
+                      <a:pt x="313420" y="256416"/>
+                      <a:pt x="308513" y="262084"/>
+                      <a:pt x="303607" y="267847"/>
+                    </a:cubicBezTo>
+                    <a:cubicBezTo>
+                      <a:pt x="299701" y="272468"/>
+                      <a:pt x="296175" y="278136"/>
+                      <a:pt x="293127" y="284566"/>
+                    </a:cubicBezTo>
+                    <a:cubicBezTo>
+                      <a:pt x="290364" y="290473"/>
+                      <a:pt x="288601" y="298332"/>
+                      <a:pt x="287934" y="307954"/>
+                    </a:cubicBezTo>
+                    <a:cubicBezTo>
+                      <a:pt x="287220" y="318052"/>
+                      <a:pt x="278883" y="325720"/>
+                      <a:pt x="268927" y="325720"/>
+                    </a:cubicBezTo>
+                    <a:cubicBezTo>
+                      <a:pt x="268498" y="325720"/>
+                      <a:pt x="268069" y="325720"/>
+                      <a:pt x="267593" y="325673"/>
+                    </a:cubicBezTo>
+                    <a:cubicBezTo>
+                      <a:pt x="257065" y="324863"/>
+                      <a:pt x="249205" y="315765"/>
+                      <a:pt x="249920" y="305286"/>
+                    </a:cubicBezTo>
+                    <a:cubicBezTo>
+                      <a:pt x="250920" y="290949"/>
+                      <a:pt x="253826" y="278565"/>
+                      <a:pt x="258542" y="268419"/>
+                    </a:cubicBezTo>
+                    <a:cubicBezTo>
+                      <a:pt x="263020" y="258845"/>
+                      <a:pt x="268355" y="250319"/>
+                      <a:pt x="274500" y="243126"/>
+                    </a:cubicBezTo>
+                    <a:cubicBezTo>
+                      <a:pt x="279598" y="237125"/>
+                      <a:pt x="284838" y="231123"/>
+                      <a:pt x="290030" y="225407"/>
+                    </a:cubicBezTo>
+                    <a:cubicBezTo>
+                      <a:pt x="293984" y="221025"/>
+                      <a:pt x="297462" y="215976"/>
+                      <a:pt x="300415" y="210450"/>
+                    </a:cubicBezTo>
+                    <a:cubicBezTo>
+                      <a:pt x="302845" y="205878"/>
+                      <a:pt x="304321" y="199733"/>
+                      <a:pt x="304845" y="192207"/>
+                    </a:cubicBezTo>
+                    <a:lnTo>
+                      <a:pt x="304845" y="192112"/>
+                    </a:lnTo>
+                    <a:cubicBezTo>
+                      <a:pt x="305846" y="178108"/>
+                      <a:pt x="303178" y="167820"/>
+                      <a:pt x="296747" y="160484"/>
+                    </a:cubicBezTo>
+                    <a:cubicBezTo>
+                      <a:pt x="290268" y="153101"/>
+                      <a:pt x="280122" y="149053"/>
+                      <a:pt x="265878" y="148052"/>
+                    </a:cubicBezTo>
+                    <a:cubicBezTo>
+                      <a:pt x="252683" y="147100"/>
+                      <a:pt x="243060" y="150053"/>
+                      <a:pt x="235533" y="157293"/>
+                    </a:cubicBezTo>
+                    <a:cubicBezTo>
+                      <a:pt x="227578" y="164962"/>
+                      <a:pt x="222624" y="177203"/>
+                      <a:pt x="220861" y="193732"/>
+                    </a:cubicBezTo>
+                    <a:cubicBezTo>
+                      <a:pt x="220004" y="204068"/>
+                      <a:pt x="210953" y="211879"/>
+                      <a:pt x="200520" y="211165"/>
+                    </a:cubicBezTo>
+                    <a:cubicBezTo>
+                      <a:pt x="189992" y="210403"/>
+                      <a:pt x="182132" y="201257"/>
+                      <a:pt x="182847" y="190778"/>
+                    </a:cubicBezTo>
+                    <a:lnTo>
+                      <a:pt x="182847" y="190635"/>
+                    </a:lnTo>
+                    <a:cubicBezTo>
+                      <a:pt x="182847" y="190397"/>
+                      <a:pt x="182894" y="190207"/>
+                      <a:pt x="182894" y="189969"/>
+                    </a:cubicBezTo>
+                    <a:cubicBezTo>
+                      <a:pt x="185657" y="164104"/>
+                      <a:pt x="194470" y="143861"/>
+                      <a:pt x="209190" y="129762"/>
+                    </a:cubicBezTo>
+                    <a:cubicBezTo>
+                      <a:pt x="224577" y="114948"/>
+                      <a:pt x="244537" y="108327"/>
+                      <a:pt x="268546" y="109994"/>
+                    </a:cubicBezTo>
+                    <a:close/>
+                    <a:moveTo>
+                      <a:pt x="266700" y="0"/>
+                    </a:moveTo>
+                    <a:cubicBezTo>
+                      <a:pt x="305419" y="0"/>
+                      <a:pt x="342757" y="8096"/>
+                      <a:pt x="377666" y="24098"/>
+                    </a:cubicBezTo>
+                    <a:cubicBezTo>
+                      <a:pt x="407956" y="38005"/>
+                      <a:pt x="434959" y="57102"/>
+                      <a:pt x="458105" y="80963"/>
+                    </a:cubicBezTo>
+                    <a:lnTo>
+                      <a:pt x="458105" y="44339"/>
+                    </a:lnTo>
+                    <a:cubicBezTo>
+                      <a:pt x="458105" y="33814"/>
+                      <a:pt x="466630" y="25289"/>
+                      <a:pt x="477155" y="25289"/>
+                    </a:cubicBezTo>
+                    <a:cubicBezTo>
+                      <a:pt x="487680" y="25289"/>
+                      <a:pt x="496205" y="33814"/>
+                      <a:pt x="496205" y="44339"/>
+                    </a:cubicBezTo>
+                    <a:lnTo>
+                      <a:pt x="496205" y="133636"/>
+                    </a:lnTo>
+                    <a:cubicBezTo>
+                      <a:pt x="496205" y="144209"/>
+                      <a:pt x="487680" y="152686"/>
+                      <a:pt x="477155" y="152686"/>
+                    </a:cubicBezTo>
+                    <a:lnTo>
+                      <a:pt x="387858" y="152686"/>
+                    </a:lnTo>
+                    <a:cubicBezTo>
+                      <a:pt x="377333" y="152686"/>
+                      <a:pt x="368808" y="144209"/>
+                      <a:pt x="368808" y="133636"/>
+                    </a:cubicBezTo>
+                    <a:cubicBezTo>
+                      <a:pt x="368808" y="123111"/>
+                      <a:pt x="377333" y="114586"/>
+                      <a:pt x="387858" y="114586"/>
+                    </a:cubicBezTo>
+                    <a:lnTo>
+                      <a:pt x="437388" y="114586"/>
+                    </a:lnTo>
+                    <a:cubicBezTo>
+                      <a:pt x="394002" y="65961"/>
+                      <a:pt x="331851" y="38100"/>
+                      <a:pt x="266700" y="38100"/>
+                    </a:cubicBezTo>
+                    <a:cubicBezTo>
+                      <a:pt x="140684" y="38100"/>
+                      <a:pt x="38100" y="140684"/>
+                      <a:pt x="38100" y="266700"/>
+                    </a:cubicBezTo>
+                    <a:cubicBezTo>
+                      <a:pt x="38100" y="287131"/>
+                      <a:pt x="40767" y="307372"/>
+                      <a:pt x="46101" y="326850"/>
+                    </a:cubicBezTo>
+                    <a:cubicBezTo>
+                      <a:pt x="48815" y="336947"/>
+                      <a:pt x="42862" y="347424"/>
+                      <a:pt x="32671" y="350187"/>
+                    </a:cubicBezTo>
+                    <a:cubicBezTo>
+                      <a:pt x="31004" y="350568"/>
+                      <a:pt x="29337" y="350806"/>
+                      <a:pt x="27670" y="350806"/>
+                    </a:cubicBezTo>
+                    <a:cubicBezTo>
+                      <a:pt x="19288" y="350806"/>
+                      <a:pt x="11620" y="345234"/>
+                      <a:pt x="9287" y="336756"/>
+                    </a:cubicBezTo>
+                    <a:cubicBezTo>
+                      <a:pt x="3143" y="314039"/>
+                      <a:pt x="0" y="290465"/>
+                      <a:pt x="0" y="266700"/>
+                    </a:cubicBezTo>
+                    <a:cubicBezTo>
+                      <a:pt x="0" y="230695"/>
+                      <a:pt x="7048" y="195786"/>
+                      <a:pt x="20955" y="162877"/>
+                    </a:cubicBezTo>
+                    <a:cubicBezTo>
+                      <a:pt x="34433" y="131112"/>
+                      <a:pt x="53626" y="102584"/>
+                      <a:pt x="78105" y="78105"/>
+                    </a:cubicBezTo>
+                    <a:cubicBezTo>
+                      <a:pt x="102584" y="53626"/>
+                      <a:pt x="131111" y="34433"/>
+                      <a:pt x="162877" y="20955"/>
+                    </a:cubicBezTo>
+                    <a:cubicBezTo>
+                      <a:pt x="195787" y="7049"/>
+                      <a:pt x="230696" y="0"/>
+                      <a:pt x="266700" y="0"/>
+                    </a:cubicBezTo>
+                    <a:close/>
+                  </a:path>
+                </a:pathLst>
+              </a:custGeom>
+              <a:solidFill>
+                <a:schemeClr val="bg1"/>
+              </a:solidFill>
+              <a:ln>
+                <a:noFill/>
+              </a:ln>
+            </p:spPr>
+            <p:style>
+              <a:lnRef idx="2">
+                <a:schemeClr val="accent1">
+                  <a:shade val="50000"/>
+                </a:schemeClr>
+              </a:lnRef>
+              <a:fillRef idx="1">
+                <a:schemeClr val="accent1"/>
+              </a:fillRef>
+              <a:effectRef idx="0">
+                <a:schemeClr val="accent1"/>
+              </a:effectRef>
+              <a:fontRef idx="minor">
+                <a:schemeClr val="lt1"/>
+              </a:fontRef>
+            </p:style>
+            <p:txBody>
+              <a:bodyPr rtlCol="0" anchor="ctr"/>
+              <a:lstStyle/>
+              <a:p>
+                <a:pPr algn="ctr">
+                  <a:defRPr/>
+                </a:pPr>
+                <a:endParaRPr lang="en-US"/>
+              </a:p>
+            </p:txBody>
+          </p:sp>
+        </p:grpSp>
+      </p:grpSp>
+      <p:sp>
+        <p:nvSpPr>
+          <p:cNvPr id="1722169795" name="文本框 1"/>
+          <p:cNvSpPr txBox="1"/>
+          <p:nvPr/>
+        </p:nvSpPr>
+        <p:spPr bwMode="auto">
+          <a:xfrm>
+            <a:off x="3928242" y="2394075"/>
+            <a:ext cx="7013375" cy="1569660"/>
+          </a:xfrm>
+          <a:prstGeom prst="rect">
+            <a:avLst/>
+          </a:prstGeom>
+          <a:noFill/>
+        </p:spPr>
+        <p:txBody>
+          <a:bodyPr wrap="square" rtlCol="0">
+            <a:spAutoFit/>
+          </a:bodyPr>
+          <a:lstStyle/>
+          <a:p>
+            <a:pPr>
+              <a:defRPr/>
+            </a:pPr>
+            <a:r>
+              <a:rPr lang="zh-CN" sz="2400" b="1" i="0">
+                <a:latin typeface="Inter"/>
+              </a:rPr>
+              <a:t>设计灵感：</a:t>
+            </a:r>
+            <a:r>
+              <a:rPr lang="en-US" sz="2400" b="0" i="0">
+                <a:latin typeface="Inter"/>
+              </a:rPr>
+              <a:t>AI </a:t>
+            </a:r>
+            <a:r>
+              <a:rPr lang="zh-CN" sz="2400" b="0" i="0">
+                <a:latin typeface="Inter"/>
+              </a:rPr>
+              <a:t>辅助进行图形与组件的设计，</a:t>
+            </a:r>
+            <a:r>
+              <a:rPr lang="en-US" sz="2400" b="0" i="0">
+                <a:latin typeface="Inter"/>
+              </a:rPr>
+              <a:t>AI </a:t>
+            </a:r>
+            <a:r>
+              <a:rPr lang="zh-CN" sz="2400" b="0" i="0">
+                <a:latin typeface="Inter"/>
+              </a:rPr>
+              <a:t>能基于给定的示例风格，生成不同排版、色彩搭配的卡片样式，设计者从中筛选灵感，再用专业设计软件微调细节，一定程度上提升设计效率。</a:t>
+            </a:r>
+            <a:endParaRPr lang="zh-CN" sz="2400"/>
+          </a:p>
+        </p:txBody>
+      </p:sp>
+      <p:sp>
+        <p:nvSpPr>
+          <p:cNvPr id="2078413072" name="文本框 2"/>
+          <p:cNvSpPr txBox="1"/>
+          <p:nvPr/>
+        </p:nvSpPr>
+        <p:spPr bwMode="auto">
+          <a:xfrm>
+            <a:off x="225009" y="5720084"/>
+            <a:ext cx="2960431" cy="369332"/>
+          </a:xfrm>
+          <a:prstGeom prst="rect">
+            <a:avLst/>
+          </a:prstGeom>
+          <a:noFill/>
+        </p:spPr>
+        <p:txBody>
+          <a:bodyPr wrap="square" rtlCol="0">
+            <a:spAutoFit/>
+          </a:bodyPr>
+          <a:lstStyle/>
+          <a:p>
+            <a:pPr algn="ctr">
+              <a:defRPr/>
+            </a:pPr>
+            <a:r>
+              <a:rPr lang="zh-CN" b="1">
+                <a:solidFill>
+                  <a:srgbClr val="00B0F0"/>
+                </a:solidFill>
+                <a:latin typeface="+mn-ea"/>
+              </a:rPr>
+              <a:t>设计的</a:t>
+            </a:r>
+            <a:r>
+              <a:rPr lang="en-US" b="1">
+                <a:solidFill>
+                  <a:srgbClr val="00B0F0"/>
+                </a:solidFill>
+                <a:latin typeface="+mn-ea"/>
+              </a:rPr>
+              <a:t>“</a:t>
+            </a:r>
+            <a:r>
+              <a:rPr lang="zh-CN" b="1">
+                <a:solidFill>
+                  <a:srgbClr val="00B0F0"/>
+                </a:solidFill>
+                <a:latin typeface="+mn-ea"/>
+              </a:rPr>
+              <a:t>旅游日记</a:t>
+            </a:r>
+            <a:r>
+              <a:rPr lang="en-US" b="1">
+                <a:solidFill>
+                  <a:srgbClr val="00B0F0"/>
+                </a:solidFill>
+                <a:latin typeface="+mn-ea"/>
+              </a:rPr>
+              <a:t>”</a:t>
+            </a:r>
+            <a:r>
+              <a:rPr lang="zh-CN" b="1">
+                <a:solidFill>
+                  <a:srgbClr val="00B0F0"/>
+                </a:solidFill>
+                <a:latin typeface="+mn-ea"/>
+              </a:rPr>
+              <a:t> </a:t>
+            </a:r>
+            <a:r>
+              <a:rPr lang="en-US" b="1">
+                <a:solidFill>
+                  <a:srgbClr val="00B0F0"/>
+                </a:solidFill>
+                <a:latin typeface="+mn-ea"/>
+              </a:rPr>
+              <a:t>logo</a:t>
+            </a:r>
+            <a:endParaRPr lang="zh-CN" b="1">
+              <a:solidFill>
+                <a:srgbClr val="00B0F0"/>
+              </a:solidFill>
+              <a:latin typeface="+mn-ea"/>
+            </a:endParaRPr>
+          </a:p>
+        </p:txBody>
+      </p:sp>
+    </p:spTree>
+  </p:cSld>
+  <p:clrMapOvr>
+    <a:masterClrMapping/>
+  </p:clrMapOvr>
+  <mc:AlternateContent xmlns:mc="http://schemas.openxmlformats.org/markup-compatibility/2006">
+    <mc:Choice xmlns:p159="http://schemas.microsoft.com/office/powerpoint/2015/09/main" xmlns:p14="http://schemas.microsoft.com/office/powerpoint/2010/main" Requires="p159">
+      <p:transition p14:dur="2000" advClick="1"/>
+    </mc:Choice>
+    <mc:Fallback>
+      <p:transition advClick="1"/>
+    </mc:Fallback>
+  </mc:AlternateContent>
+</p:sld>
+</file>
+
+<file path=ppt/slides/slide15.xml><?xml version="1.0" encoding="utf-8"?>
+<p:sld xmlns:a="http://schemas.openxmlformats.org/drawingml/2006/main" xmlns:r="http://schemas.openxmlformats.org/officeDocument/2006/relationships" xmlns:p="http://schemas.openxmlformats.org/presentationml/2006/main" xmlns:m="http://schemas.openxmlformats.org/officeDocument/2006/math" xmlns:w="http://schemas.openxmlformats.org/wordprocessingml/2006/main" xmlns:mc="http://schemas.openxmlformats.org/markup-compatibility/2006" showMasterPhAnim="0" showMasterSp="1" show="1">
+  <p:cSld name="">
+    <p:spTree>
+      <p:nvGrpSpPr>
+        <p:cNvPr id="1" name=""/>
+        <p:cNvGrpSpPr/>
+        <p:nvPr/>
+      </p:nvGrpSpPr>
+      <p:grpSpPr bwMode="auto">
+        <a:xfrm>
+          <a:off x="0" y="0"/>
+          <a:ext cx="0" cy="0"/>
+          <a:chOff x="0" y="0"/>
+          <a:chExt cx="0" cy="0"/>
+        </a:xfrm>
+      </p:grpSpPr>
+      <p:sp>
+        <p:nvSpPr>
+          <p:cNvPr id="1506262431" name="Title 31"/>
+          <p:cNvSpPr>
+            <a:spLocks noGrp="1"/>
+          </p:cNvSpPr>
+          <p:nvPr>
+            <p:ph type="title"/>
+          </p:nvPr>
+        </p:nvSpPr>
+        <p:spPr bwMode="auto">
+          <a:xfrm>
+            <a:off x="660400" y="0"/>
+            <a:ext cx="10858500" cy="1028700"/>
+          </a:xfrm>
+        </p:spPr>
+        <p:txBody>
+          <a:bodyPr wrap="square">
+            <a:normAutofit/>
+          </a:bodyPr>
+          <a:lstStyle/>
+          <a:p>
+            <a:pPr lvl="0">
+              <a:defRPr/>
+            </a:pPr>
+            <a:r>
+              <a:rPr lang="zh-CN"/>
+              <a:t>产品原型设计方面</a:t>
+            </a:r>
+            <a:endParaRPr lang="en-US"/>
+          </a:p>
+        </p:txBody>
+      </p:sp>
+      <p:pic>
+        <p:nvPicPr>
+          <p:cNvPr id="679004766" name="图片 4"/>
+          <p:cNvPicPr>
+            <a:picLocks noChangeAspect="1"/>
+          </p:cNvPicPr>
+          <p:nvPr/>
+        </p:nvPicPr>
+        <p:blipFill>
+          <a:blip r:embed="rId3"/>
+          <a:stretch/>
+        </p:blipFill>
+        <p:spPr bwMode="auto">
+          <a:xfrm>
+            <a:off x="1094677" y="1376425"/>
+            <a:ext cx="10002646" cy="3439005"/>
+          </a:xfrm>
+          <a:prstGeom prst="rect">
+            <a:avLst/>
+          </a:prstGeom>
+        </p:spPr>
+      </p:pic>
+      <p:sp>
+        <p:nvSpPr>
+          <p:cNvPr id="965729294" name="文本框 8"/>
+          <p:cNvSpPr txBox="1"/>
+          <p:nvPr/>
+        </p:nvSpPr>
+        <p:spPr bwMode="auto">
+          <a:xfrm>
+            <a:off x="1094677" y="5039360"/>
+            <a:ext cx="10002646" cy="1477328"/>
+          </a:xfrm>
+          <a:prstGeom prst="rect">
+            <a:avLst/>
+          </a:prstGeom>
+          <a:noFill/>
+        </p:spPr>
+        <p:txBody>
+          <a:bodyPr wrap="square" rtlCol="0">
+            <a:spAutoFit/>
+          </a:bodyPr>
+          <a:lstStyle/>
+          <a:p>
+            <a:pPr>
+              <a:defRPr/>
+            </a:pPr>
+            <a:r>
+              <a:rPr lang="zh-CN" b="1" i="0">
+                <a:solidFill>
+                  <a:srgbClr val="1C1F23"/>
+                </a:solidFill>
+                <a:latin typeface="Inter"/>
+              </a:rPr>
+              <a:t>成果展示：</a:t>
+            </a:r>
+            <a:r>
+              <a:rPr lang="zh-CN" b="0" i="0">
+                <a:solidFill>
+                  <a:srgbClr val="1C1F23"/>
+                </a:solidFill>
+                <a:latin typeface="Inter"/>
+              </a:rPr>
+              <a:t>上图为产品原型设计在静态的呈现，</a:t>
+            </a:r>
+            <a:r>
+              <a:rPr lang="zh-CN" b="0" i="0">
+                <a:latin typeface="Inter"/>
+              </a:rPr>
+              <a:t>登录与注册页面以清新色调打造，简洁布局方便用户操作，保障信息安全；游记列表页面的背景借鉴</a:t>
+            </a:r>
+            <a:r>
+              <a:rPr lang="en-US" b="0" i="0">
+                <a:latin typeface="Inter"/>
+              </a:rPr>
+              <a:t>AI</a:t>
+            </a:r>
+            <a:r>
+              <a:rPr lang="zh-CN" b="0" i="0">
+                <a:latin typeface="Inter"/>
+              </a:rPr>
+              <a:t>生图的色彩搭配，用瀑布流形式展示推荐内容；我的游记页面能让用户便捷管理个人游记；游记发布页面通过简洁大方设计和丰富输入区，引导用户轻松记录；游记详情页面全方位展示内容且方便分享，各页面相辅相成，共同构建起满足用户旅游记录与分享需求的平台雏形。（需要改进的是：部分组件需要重新设计和美化）</a:t>
+            </a:r>
+            <a:endParaRPr lang="zh-CN"/>
+          </a:p>
+        </p:txBody>
+      </p:sp>
+    </p:spTree>
+  </p:cSld>
+  <p:clrMapOvr>
+    <a:masterClrMapping/>
+  </p:clrMapOvr>
+  <mc:AlternateContent xmlns:mc="http://schemas.openxmlformats.org/markup-compatibility/2006">
+    <mc:Choice xmlns:p159="http://schemas.microsoft.com/office/powerpoint/2015/09/main" xmlns:p14="http://schemas.microsoft.com/office/powerpoint/2010/main" Requires="p159">
+      <p:transition p14:dur="2000" advClick="1"/>
+    </mc:Choice>
+    <mc:Fallback>
+      <p:transition advClick="1"/>
+    </mc:Fallback>
+  </mc:AlternateContent>
+</p:sld>
+</file>
+
+<file path=ppt/slides/slide16.xml><?xml version="1.0" encoding="utf-8"?>
+<p:sld xmlns:a="http://schemas.openxmlformats.org/drawingml/2006/main" xmlns:r="http://schemas.openxmlformats.org/officeDocument/2006/relationships" xmlns:p="http://schemas.openxmlformats.org/presentationml/2006/main" xmlns:m="http://schemas.openxmlformats.org/officeDocument/2006/math" xmlns:w="http://schemas.openxmlformats.org/wordprocessingml/2006/main" xmlns:mc="http://schemas.openxmlformats.org/markup-compatibility/2006" showMasterPhAnim="0" showMasterSp="1" show="1">
+  <p:cSld name="">
+    <p:spTree>
+      <p:nvGrpSpPr>
+        <p:cNvPr id="1" name=""/>
+        <p:cNvGrpSpPr/>
+        <p:nvPr/>
+      </p:nvGrpSpPr>
+      <p:grpSpPr bwMode="auto">
+        <a:xfrm>
+          <a:off x="0" y="0"/>
+          <a:ext cx="0" cy="0"/>
+          <a:chOff x="0" y="0"/>
+          <a:chExt cx="0" cy="0"/>
+        </a:xfrm>
+      </p:grpSpPr>
+      <p:sp>
+        <p:nvSpPr>
+          <p:cNvPr id="1418283265" name="Title 69"/>
+          <p:cNvSpPr>
+            <a:spLocks noGrp="1"/>
+          </p:cNvSpPr>
+          <p:nvPr>
+            <p:ph type="title"/>
+          </p:nvPr>
+        </p:nvSpPr>
+        <p:spPr bwMode="auto">
+          <a:xfrm>
+            <a:off x="660400" y="0"/>
+            <a:ext cx="10858500" cy="1028700"/>
+          </a:xfrm>
+        </p:spPr>
+        <p:txBody>
+          <a:bodyPr wrap="square">
+            <a:normAutofit/>
+          </a:bodyPr>
+          <a:lstStyle/>
+          <a:p>
+            <a:pPr lvl="0">
+              <a:defRPr/>
+            </a:pPr>
+            <a:r>
+              <a:rPr lang="zh-CN"/>
+              <a:t>产品原型设计方面</a:t>
+            </a:r>
+            <a:endParaRPr lang="en-US"/>
+          </a:p>
+        </p:txBody>
+      </p:sp>
+      <p:pic>
+        <p:nvPicPr>
+          <p:cNvPr id="734920294" name="图片 6"/>
           <p:cNvPicPr>
             <a:picLocks noChangeAspect="1"/>
           </p:cNvPicPr>
@@ -5919,7 +9348,7 @@
       </p:pic>
       <p:sp>
         <p:nvSpPr>
-          <p:cNvPr id="408748882" name="文本框 10"/>
+          <p:cNvPr id="1449535647" name="文本框 10"/>
           <p:cNvSpPr txBox="1"/>
           <p:nvPr/>
         </p:nvSpPr>
@@ -5960,7 +9389,7 @@
       </p:sp>
       <p:grpSp>
         <p:nvGrpSpPr>
-          <p:cNvPr id="1636876965" name="组合 25"/>
+          <p:cNvPr id="1429248894" name="组合 25"/>
           <p:cNvGrpSpPr/>
           <p:nvPr/>
         </p:nvGrpSpPr>
@@ -7679,7 +11108,7 @@
 </p:sld>
 </file>
 
-<file path=ppt/slides/slide13.xml><?xml version="1.0" encoding="utf-8"?>
+<file path=ppt/slides/slide17.xml><?xml version="1.0" encoding="utf-8"?>
 <p:sld xmlns:a="http://schemas.openxmlformats.org/drawingml/2006/main" xmlns:r="http://schemas.openxmlformats.org/officeDocument/2006/relationships" xmlns:p="http://schemas.openxmlformats.org/presentationml/2006/main" xmlns:m="http://schemas.openxmlformats.org/officeDocument/2006/math" xmlns:w="http://schemas.openxmlformats.org/wordprocessingml/2006/main" xmlns:mc="http://schemas.openxmlformats.org/markup-compatibility/2006" showMasterPhAnim="0" showMasterSp="1" show="1">
   <p:cSld name="">
     <p:spTree>
@@ -7698,7 +11127,220 @@
       </p:grpSpPr>
       <p:sp>
         <p:nvSpPr>
-          <p:cNvPr id="446852026" name="Title 2"/>
+          <p:cNvPr id="727317754" name="Title 2"/>
+          <p:cNvSpPr>
+            <a:spLocks noGrp="1"/>
+          </p:cNvSpPr>
+          <p:nvPr>
+            <p:ph type="title"/>
+          </p:nvPr>
+        </p:nvSpPr>
+        <p:spPr bwMode="auto">
+          <a:xfrm>
+            <a:off x="7066384" y="3000375"/>
+            <a:ext cx="4363616" cy="857250"/>
+          </a:xfrm>
+        </p:spPr>
+        <p:txBody>
+          <a:bodyPr wrap="square">
+            <a:normAutofit fontScale="90000"/>
+          </a:bodyPr>
+          <a:lstStyle/>
+          <a:p>
+            <a:pPr>
+              <a:defRPr/>
+            </a:pPr>
+            <a:r>
+              <a:rPr lang="en-US"/>
+              <a:t>03.</a:t>
+            </a:r>
+            <a:r>
+              <a:rPr lang="zh-CN"/>
+              <a:t>项目亮点</a:t>
+            </a:r>
+            <a:br>
+              <a:rPr lang="zh-CN" sz="3600" b="1">
+                <a:solidFill>
+                  <a:schemeClr val="tx1"/>
+                </a:solidFill>
+              </a:rPr>
+            </a:br>
+            <a:endParaRPr lang="zh-CN"/>
+          </a:p>
+        </p:txBody>
+      </p:sp>
+      <p:sp>
+        <p:nvSpPr>
+          <p:cNvPr id="858221978" name="Subtitle 3"/>
+          <p:cNvSpPr>
+            <a:spLocks noGrp="1"/>
+          </p:cNvSpPr>
+          <p:nvPr>
+            <p:ph type="subTitle" idx="1"/>
+          </p:nvPr>
+        </p:nvSpPr>
+        <p:spPr bwMode="auto">
+          <a:xfrm>
+            <a:off x="6096000" y="3524250"/>
+            <a:ext cx="5334000" cy="952500"/>
+          </a:xfrm>
+        </p:spPr>
+        <p:txBody>
+          <a:bodyPr wrap="square">
+            <a:normAutofit/>
+          </a:bodyPr>
+          <a:lstStyle/>
+          <a:p>
+            <a:pPr>
+              <a:defRPr/>
+            </a:pPr>
+            <a:r>
+              <a:rPr lang="zh-CN"/>
+              <a:t>解释该研究项目的意义</a:t>
+            </a:r>
+            <a:endParaRPr/>
+          </a:p>
+        </p:txBody>
+      </p:sp>
+    </p:spTree>
+  </p:cSld>
+  <p:clrMapOvr>
+    <a:masterClrMapping/>
+  </p:clrMapOvr>
+  <mc:AlternateContent xmlns:mc="http://schemas.openxmlformats.org/markup-compatibility/2006">
+    <mc:Choice xmlns:p159="http://schemas.microsoft.com/office/powerpoint/2015/09/main" xmlns:p14="http://schemas.microsoft.com/office/powerpoint/2010/main" Requires="p159">
+      <p:transition p14:dur="2000" advClick="1"/>
+    </mc:Choice>
+    <mc:Fallback>
+      <p:transition advClick="1"/>
+    </mc:Fallback>
+  </mc:AlternateContent>
+</p:sld>
+</file>
+
+<file path=ppt/slides/slide18.xml><?xml version="1.0" encoding="utf-8"?>
+<p:sld xmlns:a="http://schemas.openxmlformats.org/drawingml/2006/main" xmlns:r="http://schemas.openxmlformats.org/officeDocument/2006/relationships" xmlns:p="http://schemas.openxmlformats.org/presentationml/2006/main" xmlns:m="http://schemas.openxmlformats.org/officeDocument/2006/math" xmlns:w="http://schemas.openxmlformats.org/wordprocessingml/2006/main" xmlns:mc="http://schemas.openxmlformats.org/markup-compatibility/2006" showMasterPhAnim="0" showMasterSp="1" show="1">
+  <p:cSld name="">
+    <p:spTree>
+      <p:nvGrpSpPr>
+        <p:cNvPr id="1" name=""/>
+        <p:cNvGrpSpPr/>
+        <p:nvPr/>
+      </p:nvGrpSpPr>
+      <p:grpSpPr bwMode="auto">
+        <a:xfrm>
+          <a:off x="0" y="0"/>
+          <a:ext cx="0" cy="0"/>
+          <a:chOff x="0" y="0"/>
+          <a:chExt cx="0" cy="0"/>
+        </a:xfrm>
+      </p:grpSpPr>
+      <p:sp>
+        <p:nvSpPr>
+          <p:cNvPr id="1793606729" name="Title 2"/>
+          <p:cNvSpPr>
+            <a:spLocks noGrp="1"/>
+          </p:cNvSpPr>
+          <p:nvPr>
+            <p:ph type="title"/>
+          </p:nvPr>
+        </p:nvSpPr>
+        <p:spPr bwMode="auto">
+          <a:xfrm>
+            <a:off x="6096000" y="2571750"/>
+            <a:ext cx="5334000" cy="857250"/>
+          </a:xfrm>
+        </p:spPr>
+        <p:txBody>
+          <a:bodyPr wrap="square">
+            <a:normAutofit/>
+          </a:bodyPr>
+          <a:lstStyle/>
+          <a:p>
+            <a:pPr>
+              <a:defRPr/>
+            </a:pPr>
+            <a:r>
+              <a:rPr lang="en-US"/>
+              <a:t>04.</a:t>
+            </a:r>
+            <a:r>
+              <a:rPr lang="zh-CN"/>
+              <a:t>技术说明</a:t>
+            </a:r>
+            <a:endParaRPr/>
+          </a:p>
+        </p:txBody>
+      </p:sp>
+      <p:sp>
+        <p:nvSpPr>
+          <p:cNvPr id="241986113" name="Subtitle 3"/>
+          <p:cNvSpPr>
+            <a:spLocks noGrp="1"/>
+          </p:cNvSpPr>
+          <p:nvPr>
+            <p:ph type="subTitle" idx="1"/>
+          </p:nvPr>
+        </p:nvSpPr>
+        <p:spPr bwMode="auto">
+          <a:xfrm>
+            <a:off x="6096000" y="3524250"/>
+            <a:ext cx="5334000" cy="952500"/>
+          </a:xfrm>
+        </p:spPr>
+        <p:txBody>
+          <a:bodyPr wrap="square">
+            <a:normAutofit/>
+          </a:bodyPr>
+          <a:lstStyle/>
+          <a:p>
+            <a:pPr>
+              <a:defRPr/>
+            </a:pPr>
+            <a:r>
+              <a:rPr lang="zh-CN"/>
+              <a:t>介绍该研究在某个方面的独特创新点</a:t>
+            </a:r>
+            <a:endParaRPr/>
+          </a:p>
+        </p:txBody>
+      </p:sp>
+    </p:spTree>
+  </p:cSld>
+  <p:clrMapOvr>
+    <a:masterClrMapping/>
+  </p:clrMapOvr>
+  <mc:AlternateContent xmlns:mc="http://schemas.openxmlformats.org/markup-compatibility/2006">
+    <mc:Choice xmlns:p159="http://schemas.microsoft.com/office/powerpoint/2015/09/main" xmlns:p14="http://schemas.microsoft.com/office/powerpoint/2010/main" Requires="p159">
+      <p:transition p14:dur="2000" advClick="1"/>
+    </mc:Choice>
+    <mc:Fallback>
+      <p:transition advClick="1"/>
+    </mc:Fallback>
+  </mc:AlternateContent>
+</p:sld>
+</file>
+
+<file path=ppt/slides/slide19.xml><?xml version="1.0" encoding="utf-8"?>
+<p:sld xmlns:a="http://schemas.openxmlformats.org/drawingml/2006/main" xmlns:r="http://schemas.openxmlformats.org/officeDocument/2006/relationships" xmlns:p="http://schemas.openxmlformats.org/presentationml/2006/main" xmlns:m="http://schemas.openxmlformats.org/officeDocument/2006/math" xmlns:w="http://schemas.openxmlformats.org/wordprocessingml/2006/main" xmlns:mc="http://schemas.openxmlformats.org/markup-compatibility/2006" showMasterPhAnim="0" showMasterSp="1" show="1">
+  <p:cSld name="">
+    <p:spTree>
+      <p:nvGrpSpPr>
+        <p:cNvPr id="1" name=""/>
+        <p:cNvGrpSpPr/>
+        <p:nvPr/>
+      </p:nvGrpSpPr>
+      <p:grpSpPr bwMode="auto">
+        <a:xfrm>
+          <a:off x="0" y="0"/>
+          <a:ext cx="0" cy="0"/>
+          <a:chOff x="0" y="0"/>
+          <a:chExt cx="0" cy="0"/>
+        </a:xfrm>
+      </p:grpSpPr>
+      <p:sp>
+        <p:nvSpPr>
+          <p:cNvPr id="1150468328" name="Title 2"/>
           <p:cNvSpPr>
             <a:spLocks noGrp="1"/>
           </p:cNvSpPr>
@@ -7726,72 +11368,6 @@
               <a:t>Thank You</a:t>
             </a:r>
             <a:endParaRPr lang="zh-CN"/>
-          </a:p>
-        </p:txBody>
-      </p:sp>
-      <p:sp>
-        <p:nvSpPr>
-          <p:cNvPr id="600686599" name="Text Placeholder 3"/>
-          <p:cNvSpPr>
-            <a:spLocks noGrp="1"/>
-          </p:cNvSpPr>
-          <p:nvPr>
-            <p:ph type="body" sz="quarter" idx="13"/>
-          </p:nvPr>
-        </p:nvSpPr>
-        <p:spPr bwMode="auto">
-          <a:xfrm>
-            <a:off x="666750" y="4762500"/>
-            <a:ext cx="2247900" cy="361950"/>
-          </a:xfrm>
-        </p:spPr>
-        <p:txBody>
-          <a:bodyPr wrap="square">
-            <a:normAutofit fontScale="92500" lnSpcReduction="10000"/>
-          </a:bodyPr>
-          <a:lstStyle/>
-          <a:p>
-            <a:pPr lvl="0">
-              <a:defRPr/>
-            </a:pPr>
-            <a:r>
-              <a:rPr lang="en-US"/>
-              <a:t>Speaker name and title</a:t>
-            </a:r>
-            <a:endParaRPr/>
-          </a:p>
-        </p:txBody>
-      </p:sp>
-      <p:sp>
-        <p:nvSpPr>
-          <p:cNvPr id="1102949875" name="Text Placeholder 4"/>
-          <p:cNvSpPr>
-            <a:spLocks noGrp="1"/>
-          </p:cNvSpPr>
-          <p:nvPr>
-            <p:ph type="body" sz="quarter" idx="14"/>
-          </p:nvPr>
-        </p:nvSpPr>
-        <p:spPr bwMode="auto">
-          <a:xfrm>
-            <a:off x="666750" y="5267325"/>
-            <a:ext cx="2247900" cy="361950"/>
-          </a:xfrm>
-        </p:spPr>
-        <p:txBody>
-          <a:bodyPr wrap="square">
-            <a:normAutofit fontScale="92500" lnSpcReduction="10000"/>
-          </a:bodyPr>
-          <a:lstStyle/>
-          <a:p>
-            <a:pPr lvl="0">
-              <a:defRPr/>
-            </a:pPr>
-            <a:r>
-              <a:rPr lang="en-US"/>
-              <a:t>OfficePLUS</a:t>
-            </a:r>
-            <a:endParaRPr/>
           </a:p>
         </p:txBody>
       </p:sp>
@@ -7830,7 +11406,7 @@
       </p:grpSpPr>
       <p:grpSp>
         <p:nvGrpSpPr>
-          <p:cNvPr id="2121396786" name="Group 1"/>
+          <p:cNvPr id="675967708" name="Group 1"/>
           <p:cNvGrpSpPr/>
           <p:nvPr/>
         </p:nvGrpSpPr>
@@ -7903,7 +11479,7 @@
       </p:grpSp>
       <p:grpSp>
         <p:nvGrpSpPr>
-          <p:cNvPr id="1397977456" name="组合 38"/>
+          <p:cNvPr id="315850133" name="组合 38"/>
           <p:cNvGrpSpPr/>
           <p:nvPr/>
         </p:nvGrpSpPr>
@@ -8142,7 +11718,7 @@
       </p:grpSp>
       <p:grpSp>
         <p:nvGrpSpPr>
-          <p:cNvPr id="668054366" name="组合 39"/>
+          <p:cNvPr id="1513328661" name="组合 39"/>
           <p:cNvGrpSpPr/>
           <p:nvPr/>
         </p:nvGrpSpPr>
@@ -8381,7 +11957,7 @@
       </p:grpSp>
       <p:grpSp>
         <p:nvGrpSpPr>
-          <p:cNvPr id="1646045246" name="组合 43"/>
+          <p:cNvPr id="470117879" name="组合 43"/>
           <p:cNvGrpSpPr/>
           <p:nvPr/>
         </p:nvGrpSpPr>
@@ -8620,7 +12196,7 @@
       </p:grpSp>
       <p:grpSp>
         <p:nvGrpSpPr>
-          <p:cNvPr id="249123060" name="组合 47"/>
+          <p:cNvPr id="1421953384" name="组合 47"/>
           <p:cNvGrpSpPr/>
           <p:nvPr/>
         </p:nvGrpSpPr>
@@ -8859,7 +12435,7 @@
       </p:grpSp>
       <p:grpSp>
         <p:nvGrpSpPr>
-          <p:cNvPr id="777433718" name="组合 51"/>
+          <p:cNvPr id="1192061462" name="组合 51"/>
           <p:cNvGrpSpPr/>
           <p:nvPr/>
         </p:nvGrpSpPr>
@@ -9098,7 +12674,7 @@
       </p:grpSp>
       <p:grpSp>
         <p:nvGrpSpPr>
-          <p:cNvPr id="595239634" name="组合 55"/>
+          <p:cNvPr id="600318159" name="组合 55"/>
           <p:cNvGrpSpPr/>
           <p:nvPr/>
         </p:nvGrpSpPr>
@@ -9337,7 +12913,7 @@
       </p:grpSp>
       <p:grpSp>
         <p:nvGrpSpPr>
-          <p:cNvPr id="1935528790" name="组合 78"/>
+          <p:cNvPr id="713209730" name="组合 78"/>
           <p:cNvGrpSpPr/>
           <p:nvPr/>
         </p:nvGrpSpPr>
@@ -9844,7 +13420,7 @@
       </p:grpSp>
       <p:sp>
         <p:nvSpPr>
-          <p:cNvPr id="1528649965" name="任意多边形: 形状 62"/>
+          <p:cNvPr id="1225085349" name="任意多边形: 形状 62"/>
           <p:cNvSpPr/>
           <p:nvPr/>
         </p:nvSpPr>
@@ -10029,7 +13605,7 @@
       </p:sp>
       <p:sp>
         <p:nvSpPr>
-          <p:cNvPr id="487580443" name="任意多边形: 形状 66"/>
+          <p:cNvPr id="1736792096" name="任意多边形: 形状 66"/>
           <p:cNvSpPr/>
           <p:nvPr/>
         </p:nvSpPr>
@@ -10214,7 +13790,7 @@
       </p:sp>
       <p:grpSp>
         <p:nvGrpSpPr>
-          <p:cNvPr id="723942745" name="组合 80"/>
+          <p:cNvPr id="2027509502" name="组合 80"/>
           <p:cNvGrpSpPr/>
           <p:nvPr/>
         </p:nvGrpSpPr>
@@ -11018,7 +14594,7 @@
       </p:grpSp>
       <p:sp>
         <p:nvSpPr>
-          <p:cNvPr id="1785351427" name="任意多边形: 形状 70"/>
+          <p:cNvPr id="828034204" name="任意多边形: 形状 70"/>
           <p:cNvSpPr/>
           <p:nvPr/>
         </p:nvSpPr>
@@ -11203,7 +14779,7 @@
       </p:sp>
       <p:grpSp>
         <p:nvGrpSpPr>
-          <p:cNvPr id="1312284630" name="组合 81"/>
+          <p:cNvPr id="1474066632" name="组合 81"/>
           <p:cNvGrpSpPr/>
           <p:nvPr/>
         </p:nvGrpSpPr>
@@ -11867,7 +15443,7 @@
       </p:grpSpPr>
       <p:sp>
         <p:nvSpPr>
-          <p:cNvPr id="162819624" name="Title 2"/>
+          <p:cNvPr id="195209239" name="Title 2"/>
           <p:cNvSpPr>
             <a:spLocks noGrp="1"/>
           </p:cNvSpPr>
@@ -11915,7 +15491,7 @@
       </p:sp>
       <p:sp>
         <p:nvSpPr>
-          <p:cNvPr id="2044578460" name="Subtitle 3"/>
+          <p:cNvPr id="1433680062" name="Subtitle 3"/>
           <p:cNvSpPr>
             <a:spLocks noGrp="1"/>
           </p:cNvSpPr>
@@ -11981,7 +15557,7 @@
       </p:grpSpPr>
       <p:grpSp>
         <p:nvGrpSpPr>
-          <p:cNvPr id="1008076288" name="Group 3"/>
+          <p:cNvPr id="1471711484" name="Group 3"/>
           <p:cNvGrpSpPr/>
           <p:nvPr/>
         </p:nvGrpSpPr>
@@ -20298,7 +23874,7 @@
       </p:grpSp>
       <p:sp>
         <p:nvSpPr>
-          <p:cNvPr id="107194084" name="Title 90"/>
+          <p:cNvPr id="844720203" name="Title 90"/>
           <p:cNvSpPr>
             <a:spLocks noGrp="1"/>
           </p:cNvSpPr>
@@ -20331,7 +23907,7 @@
       </p:sp>
       <p:grpSp>
         <p:nvGrpSpPr>
-          <p:cNvPr id="763173824" name="组合 8"/>
+          <p:cNvPr id="532061247" name="组合 8"/>
           <p:cNvGrpSpPr/>
           <p:nvPr/>
         </p:nvGrpSpPr>
@@ -23124,7 +26700,7 @@
       </p:grpSp>
       <p:grpSp>
         <p:nvGrpSpPr>
-          <p:cNvPr id="1684693445" name="组合 97"/>
+          <p:cNvPr id="1910812502" name="组合 97"/>
           <p:cNvGrpSpPr/>
           <p:nvPr/>
         </p:nvGrpSpPr>
@@ -25682,7 +29258,7 @@
       </p:grpSp>
       <p:grpSp>
         <p:nvGrpSpPr>
-          <p:cNvPr id="1648141877" name="组合 116"/>
+          <p:cNvPr id="281091418" name="组合 116"/>
           <p:cNvGrpSpPr/>
           <p:nvPr/>
         </p:nvGrpSpPr>
@@ -28154,7 +31730,7 @@
       </p:grpSp>
       <p:sp>
         <p:nvSpPr>
-          <p:cNvPr id="1560103585" name="任意多边形: 形状 139"/>
+          <p:cNvPr id="2144490820" name="任意多边形: 形状 139"/>
           <p:cNvSpPr/>
           <p:nvPr/>
         </p:nvSpPr>
@@ -28625,7 +32201,7 @@
       </p:sp>
       <p:sp>
         <p:nvSpPr>
-          <p:cNvPr id="569073611" name="文本框 140"/>
+          <p:cNvPr id="1006232370" name="文本框 140"/>
           <p:cNvSpPr txBox="1"/>
           <p:nvPr/>
         </p:nvSpPr>
@@ -28741,7 +32317,7 @@
       </p:sp>
       <p:sp>
         <p:nvSpPr>
-          <p:cNvPr id="219306138" name="文本框 141"/>
+          <p:cNvPr id="1449713928" name="文本框 141"/>
           <p:cNvSpPr txBox="1"/>
           <p:nvPr/>
         </p:nvSpPr>
@@ -28774,7 +32350,7 @@
       </p:sp>
       <p:sp>
         <p:nvSpPr>
-          <p:cNvPr id="1691848252" name="文本框 142"/>
+          <p:cNvPr id="465512715" name="文本框 142"/>
           <p:cNvSpPr txBox="1"/>
           <p:nvPr/>
         </p:nvSpPr>
@@ -28818,7 +32394,7 @@
       </p:sp>
       <p:sp>
         <p:nvSpPr>
-          <p:cNvPr id="547832513" name="TextBox 26"/>
+          <p:cNvPr id="280314805" name="TextBox 26"/>
           <p:cNvSpPr txBox="1">
             <a:spLocks noChangeAspect="1"/>
           </p:cNvSpPr>
@@ -28873,7 +32449,7 @@
       </p:sp>
       <p:sp>
         <p:nvSpPr>
-          <p:cNvPr id="1412867138" name="任意多边形: 形状 144"/>
+          <p:cNvPr id="804911090" name="任意多边形: 形状 144"/>
           <p:cNvSpPr/>
           <p:nvPr/>
         </p:nvSpPr>
@@ -29241,7 +32817,7 @@
       </p:sp>
       <p:sp>
         <p:nvSpPr>
-          <p:cNvPr id="669273399" name="文本框 145"/>
+          <p:cNvPr id="348857316" name="文本框 145"/>
           <p:cNvSpPr txBox="1"/>
           <p:nvPr/>
         </p:nvSpPr>
@@ -29285,7 +32861,7 @@
       </p:sp>
       <p:sp>
         <p:nvSpPr>
-          <p:cNvPr id="1852475563" name="文本框 146"/>
+          <p:cNvPr id="653479795" name="文本框 146"/>
           <p:cNvSpPr txBox="1"/>
           <p:nvPr/>
         </p:nvSpPr>
@@ -29351,7 +32927,7 @@
       </p:grpSpPr>
       <p:sp>
         <p:nvSpPr>
-          <p:cNvPr id="381966855" name="Title 2"/>
+          <p:cNvPr id="836525420" name="Title 2"/>
           <p:cNvSpPr>
             <a:spLocks noGrp="1"/>
           </p:cNvSpPr>
@@ -29376,7 +32952,7 @@
             </a:pPr>
             <a:r>
               <a:rPr lang="zh-CN"/>
-              <a:t>小程序功能介绍</a:t>
+              <a:t>2.小程序功能介绍</a:t>
             </a:r>
             <a:endParaRPr/>
           </a:p>
@@ -29384,7 +32960,7 @@
       </p:sp>
       <p:sp>
         <p:nvSpPr>
-          <p:cNvPr id="713230728" name="Subtitle 3"/>
+          <p:cNvPr id="506631570" name="Subtitle 3"/>
           <p:cNvSpPr>
             <a:spLocks noGrp="1"/>
           </p:cNvSpPr>
@@ -29450,7 +33026,7 @@
       </p:grpSpPr>
       <p:grpSp>
         <p:nvGrpSpPr>
-          <p:cNvPr id="1695650114" name="组合 2"/>
+          <p:cNvPr id="2116034037" name="组合 2"/>
           <p:cNvGrpSpPr/>
           <p:nvPr/>
         </p:nvGrpSpPr>
@@ -29464,28 +33040,28 @@
         </p:grpSpPr>
         <p:grpSp>
           <p:nvGrpSpPr>
-            <p:cNvPr id="1238930544" name="组合 1"/>
+            <p:cNvPr id="73320511" name="组合 1"/>
             <p:cNvGrpSpPr/>
             <p:nvPr/>
           </p:nvGrpSpPr>
           <p:grpSpPr bwMode="auto">
             <a:xfrm>
-              <a:off x="828340" y="1259869"/>
-              <a:ext cx="6052183" cy="3961319"/>
-              <a:chOff x="729615" y="1259869"/>
-              <a:chExt cx="6052183" cy="3961319"/>
+              <a:off x="658813" y="1259868"/>
+              <a:ext cx="4918650" cy="2996506"/>
+              <a:chOff x="560088" y="1259868"/>
+              <a:chExt cx="4918650" cy="2996506"/>
             </a:xfrm>
           </p:grpSpPr>
           <p:sp>
             <p:nvSpPr>
-              <p:cNvPr id="32427782" name="文本框 6"/>
+              <p:cNvPr id="1150961189" name="文本框 6"/>
               <p:cNvSpPr txBox="1"/>
               <p:nvPr/>
             </p:nvSpPr>
             <p:spPr bwMode="auto">
               <a:xfrm>
-                <a:off x="732825" y="1259869"/>
-                <a:ext cx="6048973" cy="461664"/>
+                <a:off x="732825" y="1259868"/>
+                <a:ext cx="4745913" cy="830997"/>
               </a:xfrm>
               <a:prstGeom prst="rect">
                 <a:avLst/>
@@ -29514,24 +33090,32 @@
                   <a:buNone/>
                   <a:defRPr/>
                 </a:pPr>
-                <a:endParaRPr lang="zh-CN" sz="2400" b="1" i="0" u="none" strike="noStrike" cap="none" spc="0">
-                  <a:solidFill>
-                    <a:schemeClr val="tx1"/>
-                  </a:solidFill>
-                </a:endParaRPr>
+                <a:r>
+                  <a:rPr lang="zh-CN" sz="1600"/>
+                  <a:t>工具</a:t>
+                </a:r>
+                <a:r>
+                  <a:rPr lang="zh-CN" sz="1600" i="0" u="none" strike="noStrike" cap="none" spc="0">
+                    <a:solidFill>
+                      <a:schemeClr val="tx1"/>
+                    </a:solidFill>
+                  </a:rPr>
+                  <a:t>方面用的是微信开发者工具，用户数据和笔记数据都存放在微信云的数据库里，界面的图标和用户的头像等数据，也都存储在微信云的相关部分</a:t>
+                </a:r>
+                <a:endParaRPr/>
               </a:p>
             </p:txBody>
           </p:sp>
           <p:sp>
             <p:nvSpPr>
-              <p:cNvPr id="999405454" name="文本框 7"/>
+              <p:cNvPr id="1983787353" name="文本框 7"/>
               <p:cNvSpPr txBox="1"/>
               <p:nvPr/>
             </p:nvSpPr>
             <p:spPr bwMode="auto">
               <a:xfrm>
-                <a:off x="729615" y="1904191"/>
-                <a:ext cx="2924512" cy="3316997"/>
+                <a:off x="560088" y="2418436"/>
+                <a:ext cx="4918650" cy="1837938"/>
               </a:xfrm>
               <a:prstGeom prst="rect">
                 <a:avLst/>
@@ -29562,7 +33146,20 @@
                 </a:pPr>
                 <a:r>
                   <a:rPr lang="zh-CN" sz="1600"/>
-                  <a:t>基本实现了题目要求的各项功能，使用微信云存储相关图片和数据库，注册界面可以注册新用户，但是用户名不能重复，会提示用户名重复，并拒绝注册。注册后会返回登陆界面，登陆后会进入游记主页，下面是三个模块，个人中心会有审核中，已通过，未通过三个方面，点击头像可以更换个人头像</a:t>
+                  <a:t>首先是登陆界面，点击下面的注册链接会跳转到注册界面，注册界面有三行输入数据，点击注册的时候，会调用注册云函数，查询是否有相同的用户名，如果有则提醒，没有则注册成功，跳回登陆界面。</a:t>
+                </a:r>
+                <a:endParaRPr lang="en-US" sz="1600"/>
+              </a:p>
+              <a:p>
+                <a:pPr>
+                  <a:lnSpc>
+                    <a:spcPct val="120000"/>
+                  </a:lnSpc>
+                  <a:defRPr/>
+                </a:pPr>
+                <a:r>
+                  <a:rPr lang="zh-CN" sz="1600"/>
+                  <a:t>在登陆界面登陆后，会把用户的信息保存到本地缓存，然后跳转到游记主页。</a:t>
                 </a:r>
                 <a:endParaRPr lang="en-US" sz="1600"/>
               </a:p>
@@ -29571,7 +33168,7 @@
         </p:grpSp>
         <p:grpSp>
           <p:nvGrpSpPr>
-            <p:cNvPr id="263734483" name="组合 21"/>
+            <p:cNvPr id="1465621984" name="组合 21"/>
             <p:cNvGrpSpPr/>
             <p:nvPr/>
           </p:nvGrpSpPr>
@@ -29585,7 +33182,7 @@
           </p:grpSpPr>
           <p:sp>
             <p:nvSpPr>
-              <p:cNvPr id="2061386578" name="任意多边形 26"/>
+              <p:cNvPr id="1034759483" name="任意多边形 26"/>
               <p:cNvSpPr/>
               <p:nvPr/>
             </p:nvSpPr>
@@ -29717,7 +33314,7 @@
           </p:sp>
           <p:sp>
             <p:nvSpPr>
-              <p:cNvPr id="1131534454" name="任意多边形 27"/>
+              <p:cNvPr id="205824851" name="任意多边形 27"/>
               <p:cNvSpPr/>
               <p:nvPr/>
             </p:nvSpPr>
@@ -29849,7 +33446,7 @@
           </p:sp>
           <p:sp>
             <p:nvSpPr>
-              <p:cNvPr id="412202300" name="椭圆 28"/>
+              <p:cNvPr id="397674222" name="椭圆 28"/>
               <p:cNvSpPr/>
               <p:nvPr/>
             </p:nvSpPr>
@@ -29904,7 +33501,7 @@
           </p:sp>
           <p:sp>
             <p:nvSpPr>
-              <p:cNvPr id="350581353" name="椭圆 29"/>
+              <p:cNvPr id="1715446383" name="椭圆 29"/>
               <p:cNvSpPr/>
               <p:nvPr/>
             </p:nvSpPr>
@@ -29965,7 +33562,7 @@
       </p:grpSp>
       <p:sp>
         <p:nvSpPr>
-          <p:cNvPr id="1746905047" name="Title 31"/>
+          <p:cNvPr id="640397351" name="Title 31"/>
           <p:cNvSpPr>
             <a:spLocks noGrp="1"/>
           </p:cNvSpPr>
@@ -29998,13 +33595,11 @@
       </p:sp>
       <p:pic>
         <p:nvPicPr>
-          <p:cNvPr id="2079271557" name="recording-2025-05-13-19-48-24"/>
+          <p:cNvPr id="2010831338" name="图片 5"/>
           <p:cNvPicPr>
             <a:picLocks noChangeAspect="1"/>
           </p:cNvPicPr>
-          <p:nvPr>
-            <a:videoFile r:link="rId5"/>
-          </p:nvPr>
+          <p:nvPr/>
         </p:nvPicPr>
         <p:blipFill>
           <a:blip r:embed="rId3"/>
@@ -30012,8 +33607,30 @@
         </p:blipFill>
         <p:spPr bwMode="auto">
           <a:xfrm>
-            <a:off x="4948516" y="1721534"/>
-            <a:ext cx="6248998" cy="3905623"/>
+            <a:off x="6095999" y="514350"/>
+            <a:ext cx="2332771" cy="4861246"/>
+          </a:xfrm>
+          <a:prstGeom prst="rect">
+            <a:avLst/>
+          </a:prstGeom>
+        </p:spPr>
+      </p:pic>
+      <p:pic>
+        <p:nvPicPr>
+          <p:cNvPr id="617700730" name="图片 9"/>
+          <p:cNvPicPr>
+            <a:picLocks noChangeAspect="1"/>
+          </p:cNvPicPr>
+          <p:nvPr/>
+        </p:nvPicPr>
+        <p:blipFill>
+          <a:blip r:embed="rId4"/>
+          <a:stretch/>
+        </p:blipFill>
+        <p:spPr bwMode="auto">
+          <a:xfrm>
+            <a:off x="8706206" y="514350"/>
+            <a:ext cx="2517604" cy="4868539"/>
           </a:xfrm>
           <a:prstGeom prst="rect">
             <a:avLst/>
@@ -30033,139 +33650,6 @@
       <p:transition advClick="1"/>
     </mc:Fallback>
   </mc:AlternateContent>
-  <p:timing>
-    <p:tnLst>
-      <p:par>
-        <p:cTn id="1" dur="indefinite" restart="never" nodeType="tmRoot">
-          <p:childTnLst>
-            <p:seq concurrent="1" nextAc="seek">
-              <p:cTn id="2" dur="indefinite" nodeType="mainSeq">
-                <p:childTnLst>
-                  <p:par>
-                    <p:cTn id="3" fill="hold">
-                      <p:stCondLst>
-                        <p:cond delay="indefinite"/>
-                      </p:stCondLst>
-                      <p:childTnLst>
-                        <p:par>
-                          <p:cTn id="4" fill="hold">
-                            <p:stCondLst>
-                              <p:cond delay="0"/>
-                            </p:stCondLst>
-                            <p:childTnLst>
-                              <p:par>
-                                <p:cTn id="5" presetID="1" presetClass="mediacall" presetSubtype="0" fill="hold" nodeType="clickEffect">
-                                  <p:stCondLst>
-                                    <p:cond delay="0"/>
-                                  </p:stCondLst>
-                                  <p:childTnLst>
-                                    <p:cmd type="call" cmd="playFrom(0.0)">
-                                      <p:cBhvr>
-                                        <p:cTn id="6" dur="244935" fill="hold"/>
-                                        <p:tgtEl>
-                                          <p:spTgt spid="2079271557"/>
-                                        </p:tgtEl>
-                                      </p:cBhvr>
-                                    </p:cmd>
-                                  </p:childTnLst>
-                                </p:cTn>
-                              </p:par>
-                            </p:childTnLst>
-                          </p:cTn>
-                        </p:par>
-                      </p:childTnLst>
-                    </p:cTn>
-                  </p:par>
-                </p:childTnLst>
-              </p:cTn>
-              <p:prevCondLst>
-                <p:cond evt="onPrev" delay="0">
-                  <p:tgtEl>
-                    <p:sldTgt/>
-                  </p:tgtEl>
-                </p:cond>
-              </p:prevCondLst>
-              <p:nextCondLst>
-                <p:cond evt="onNext" delay="0">
-                  <p:tgtEl>
-                    <p:sldTgt/>
-                  </p:tgtEl>
-                </p:cond>
-              </p:nextCondLst>
-            </p:seq>
-            <p:video>
-              <p:cMediaNode vol="80000">
-                <p:cTn id="7" fill="hold" display="0">
-                  <p:stCondLst>
-                    <p:cond delay="indefinite"/>
-                  </p:stCondLst>
-                </p:cTn>
-                <p:tgtEl>
-                  <p:spTgt spid="2079271557"/>
-                </p:tgtEl>
-              </p:cMediaNode>
-            </p:video>
-            <p:seq concurrent="1" nextAc="seek">
-              <p:cTn id="8" restart="whenNotActive" fill="hold" evtFilter="cancelBubble" nodeType="interactiveSeq">
-                <p:stCondLst>
-                  <p:cond evt="onClick" delay="0">
-                    <p:tgtEl>
-                      <p:spTgt spid="2079271557"/>
-                    </p:tgtEl>
-                  </p:cond>
-                </p:stCondLst>
-                <p:endSync evt="end" delay="0"/>
-                <p:childTnLst>
-                  <p:par>
-                    <p:cTn id="9" fill="hold">
-                      <p:stCondLst>
-                        <p:cond delay="0"/>
-                      </p:stCondLst>
-                      <p:childTnLst>
-                        <p:par>
-                          <p:cTn id="10" fill="hold">
-                            <p:stCondLst>
-                              <p:cond delay="0"/>
-                            </p:stCondLst>
-                            <p:childTnLst>
-                              <p:par>
-                                <p:cTn id="11" presetID="2" presetClass="mediacall" presetSubtype="0" fill="hold" nodeType="clickEffect">
-                                  <p:stCondLst>
-                                    <p:cond delay="0"/>
-                                  </p:stCondLst>
-                                  <p:childTnLst>
-                                    <p:cmd type="call" cmd="togglePause">
-                                      <p:cBhvr>
-                                        <p:cTn id="12" dur="1" fill="hold"/>
-                                        <p:tgtEl>
-                                          <p:spTgt spid="2079271557"/>
-                                        </p:tgtEl>
-                                      </p:cBhvr>
-                                    </p:cmd>
-                                  </p:childTnLst>
-                                </p:cTn>
-                              </p:par>
-                            </p:childTnLst>
-                          </p:cTn>
-                        </p:par>
-                      </p:childTnLst>
-                    </p:cTn>
-                  </p:par>
-                </p:childTnLst>
-              </p:cTn>
-              <p:nextCondLst>
-                <p:cond evt="onClick" delay="0">
-                  <p:tgtEl>
-                    <p:spTgt spid="2079271557"/>
-                  </p:tgtEl>
-                </p:cond>
-              </p:nextCondLst>
-            </p:seq>
-          </p:childTnLst>
-        </p:cTn>
-      </p:par>
-    </p:tnLst>
-  </p:timing>
 </p:sld>
 </file>
 
@@ -30186,9 +33670,524 @@
           <a:chExt cx="0" cy="0"/>
         </a:xfrm>
       </p:grpSpPr>
+      <p:grpSp>
+        <p:nvGrpSpPr>
+          <p:cNvPr id="1301224106" name="组合 2"/>
+          <p:cNvGrpSpPr/>
+          <p:nvPr/>
+        </p:nvGrpSpPr>
+        <p:grpSpPr bwMode="auto">
+          <a:xfrm>
+            <a:off x="3174" y="0"/>
+            <a:ext cx="12188824" cy="6858000"/>
+            <a:chOff x="1588" y="0"/>
+            <a:chExt cx="12188824" cy="6858000"/>
+          </a:xfrm>
+        </p:grpSpPr>
+        <p:grpSp>
+          <p:nvGrpSpPr>
+            <p:cNvPr id="1342034897" name="组合 1"/>
+            <p:cNvGrpSpPr/>
+            <p:nvPr/>
+          </p:nvGrpSpPr>
+          <p:grpSpPr bwMode="auto">
+            <a:xfrm>
+              <a:off x="828340" y="1259869"/>
+              <a:ext cx="6052183" cy="2482260"/>
+              <a:chOff x="729615" y="1259869"/>
+              <a:chExt cx="6052183" cy="2482260"/>
+            </a:xfrm>
+          </p:grpSpPr>
+          <p:sp>
+            <p:nvSpPr>
+              <p:cNvPr id="651866442" name="文本框 6"/>
+              <p:cNvSpPr txBox="1"/>
+              <p:nvPr/>
+            </p:nvSpPr>
+            <p:spPr bwMode="auto">
+              <a:xfrm>
+                <a:off x="732825" y="1259869"/>
+                <a:ext cx="6048973" cy="461664"/>
+              </a:xfrm>
+              <a:prstGeom prst="rect">
+                <a:avLst/>
+              </a:prstGeom>
+              <a:noFill/>
+            </p:spPr>
+            <p:txBody>
+              <a:bodyPr wrap="square">
+                <a:spAutoFit/>
+              </a:bodyPr>
+              <a:lstStyle/>
+              <a:p>
+                <a:pPr marL="0" marR="0" lvl="0" indent="0" defTabSz="913764">
+                  <a:lnSpc>
+                    <a:spcPct val="100000"/>
+                  </a:lnSpc>
+                  <a:spcBef>
+                    <a:spcPts val="0"/>
+                  </a:spcBef>
+                  <a:spcAft>
+                    <a:spcPts val="0"/>
+                  </a:spcAft>
+                  <a:buClrTx/>
+                  <a:buSzPct val="25000"/>
+                  <a:buFontTx/>
+                  <a:buNone/>
+                  <a:defRPr/>
+                </a:pPr>
+                <a:endParaRPr lang="zh-CN" sz="2400" b="1" i="0" u="none" strike="noStrike" cap="none" spc="0">
+                  <a:solidFill>
+                    <a:schemeClr val="tx1"/>
+                  </a:solidFill>
+                </a:endParaRPr>
+              </a:p>
+            </p:txBody>
+          </p:sp>
+          <p:sp>
+            <p:nvSpPr>
+              <p:cNvPr id="987299850" name="文本框 7"/>
+              <p:cNvSpPr txBox="1"/>
+              <p:nvPr/>
+            </p:nvSpPr>
+            <p:spPr bwMode="auto">
+              <a:xfrm>
+                <a:off x="729615" y="1904191"/>
+                <a:ext cx="4918650" cy="1837938"/>
+              </a:xfrm>
+              <a:prstGeom prst="rect">
+                <a:avLst/>
+              </a:prstGeom>
+              <a:noFill/>
+            </p:spPr>
+            <p:txBody>
+              <a:bodyPr wrap="square" rtlCol="0">
+                <a:spAutoFit/>
+              </a:bodyPr>
+              <a:lstStyle>
+                <a:defPPr>
+                  <a:defRPr lang="zh-CN"/>
+                </a:defPPr>
+                <a:lvl1pPr>
+                  <a:lnSpc>
+                    <a:spcPts val="1499"/>
+                  </a:lnSpc>
+                  <a:defRPr sz="900"/>
+                </a:lvl1pPr>
+              </a:lstStyle>
+              <a:p>
+                <a:pPr>
+                  <a:lnSpc>
+                    <a:spcPct val="120000"/>
+                  </a:lnSpc>
+                  <a:defRPr/>
+                </a:pPr>
+                <a:r>
+                  <a:rPr lang="zh-CN" sz="1600"/>
+                  <a:t>跳转到登陆界面后，可以通过搜索功能筛选游记，会在用户名和标题里寻找搜索框里面的字段，如果有相同的字段，就会出现在下面的展示框里，点击图片会进入详情页，详情页里可以播放视频，也可以左右拖动浏览剩下的图片。下面三个图标可以点击跳转到其他界面。</a:t>
+                </a:r>
+                <a:endParaRPr lang="en-US" sz="1600"/>
+              </a:p>
+            </p:txBody>
+          </p:sp>
+        </p:grpSp>
+        <p:grpSp>
+          <p:nvGrpSpPr>
+            <p:cNvPr id="1370539643" name="组合 21"/>
+            <p:cNvGrpSpPr/>
+            <p:nvPr/>
+          </p:nvGrpSpPr>
+          <p:grpSpPr bwMode="auto">
+            <a:xfrm>
+              <a:off x="1588" y="0"/>
+              <a:ext cx="12188824" cy="6858000"/>
+              <a:chOff x="1588" y="0"/>
+              <a:chExt cx="12188824" cy="6858000"/>
+            </a:xfrm>
+          </p:grpSpPr>
+          <p:sp>
+            <p:nvSpPr>
+              <p:cNvPr id="1027187488" name="任意多边形 26"/>
+              <p:cNvSpPr/>
+              <p:nvPr/>
+            </p:nvSpPr>
+            <p:spPr bwMode="auto">
+              <a:xfrm>
+                <a:off x="1588" y="5403846"/>
+                <a:ext cx="2523897" cy="1454153"/>
+              </a:xfrm>
+              <a:custGeom>
+                <a:avLst/>
+                <a:gdLst>
+                  <a:gd name="T0" fmla="*/ 2545 w 2752"/>
+                  <a:gd name="T1" fmla="*/ 944 h 1585"/>
+                  <a:gd name="T2" fmla="*/ 1030 w 2752"/>
+                  <a:gd name="T3" fmla="*/ 944 h 1585"/>
+                  <a:gd name="T4" fmla="*/ 426 w 2752"/>
+                  <a:gd name="T5" fmla="*/ 327 h 1585"/>
+                  <a:gd name="T6" fmla="*/ 0 w 2752"/>
+                  <a:gd name="T7" fmla="*/ 134 h 1585"/>
+                  <a:gd name="T8" fmla="*/ 0 w 2752"/>
+                  <a:gd name="T9" fmla="*/ 1585 h 1585"/>
+                  <a:gd name="T10" fmla="*/ 2744 w 2752"/>
+                  <a:gd name="T11" fmla="*/ 1585 h 1585"/>
+                  <a:gd name="T12" fmla="*/ 2545 w 2752"/>
+                  <a:gd name="T13" fmla="*/ 944 h 1585"/>
+                </a:gdLst>
+                <a:ahLst/>
+                <a:cxnLst>
+                  <a:cxn ang="0">
+                    <a:pos x="T0" y="T1"/>
+                  </a:cxn>
+                  <a:cxn ang="0">
+                    <a:pos x="T2" y="T3"/>
+                  </a:cxn>
+                  <a:cxn ang="0">
+                    <a:pos x="T4" y="T5"/>
+                  </a:cxn>
+                  <a:cxn ang="0">
+                    <a:pos x="T6" y="T7"/>
+                  </a:cxn>
+                  <a:cxn ang="0">
+                    <a:pos x="T8" y="T9"/>
+                  </a:cxn>
+                  <a:cxn ang="0">
+                    <a:pos x="T10" y="T11"/>
+                  </a:cxn>
+                  <a:cxn ang="0">
+                    <a:pos x="T12" y="T13"/>
+                  </a:cxn>
+                </a:cxnLst>
+                <a:rect l="0" t="0" r="r" b="b"/>
+                <a:pathLst>
+                  <a:path w="2752" h="1585" fill="norm" stroke="1" extrusionOk="0">
+                    <a:moveTo>
+                      <a:pt x="2545" y="944"/>
+                    </a:moveTo>
+                    <a:cubicBezTo>
+                      <a:pt x="2295" y="510"/>
+                      <a:pt x="1551" y="716"/>
+                      <a:pt x="1030" y="944"/>
+                    </a:cubicBezTo>
+                    <a:cubicBezTo>
+                      <a:pt x="509" y="1172"/>
+                      <a:pt x="648" y="748"/>
+                      <a:pt x="426" y="327"/>
+                    </a:cubicBezTo>
+                    <a:cubicBezTo>
+                      <a:pt x="253" y="0"/>
+                      <a:pt x="73" y="81"/>
+                      <a:pt x="0" y="134"/>
+                    </a:cubicBezTo>
+                    <a:cubicBezTo>
+                      <a:pt x="0" y="1585"/>
+                      <a:pt x="0" y="1585"/>
+                      <a:pt x="0" y="1585"/>
+                    </a:cubicBezTo>
+                    <a:cubicBezTo>
+                      <a:pt x="2744" y="1585"/>
+                      <a:pt x="2744" y="1585"/>
+                      <a:pt x="2744" y="1585"/>
+                    </a:cubicBezTo>
+                    <a:cubicBezTo>
+                      <a:pt x="2319" y="1449"/>
+                      <a:pt x="2752" y="1302"/>
+                      <a:pt x="2545" y="944"/>
+                    </a:cubicBezTo>
+                    <a:close/>
+                  </a:path>
+                </a:pathLst>
+              </a:custGeom>
+              <a:gradFill>
+                <a:gsLst>
+                  <a:gs pos="0">
+                    <a:schemeClr val="accent3">
+                      <a:lumMod val="20000"/>
+                      <a:lumOff val="80000"/>
+                      <a:alpha val="0"/>
+                    </a:schemeClr>
+                  </a:gs>
+                  <a:gs pos="60000">
+                    <a:schemeClr val="accent3">
+                      <a:lumMod val="60000"/>
+                      <a:lumOff val="40000"/>
+                      <a:alpha val="40000"/>
+                    </a:schemeClr>
+                  </a:gs>
+                  <a:gs pos="100000">
+                    <a:schemeClr val="accent3"/>
+                  </a:gs>
+                </a:gsLst>
+                <a:lin ang="7200000" scaled="0"/>
+              </a:gradFill>
+              <a:ln>
+                <a:noFill/>
+              </a:ln>
+            </p:spPr>
+            <p:txBody>
+              <a:bodyPr vert="horz" wrap="square" lIns="91440" tIns="45720" rIns="91440" bIns="45720" numCol="1" anchor="t" anchorCtr="0" compatLnSpc="1">
+                <a:prstTxWarp prst="textNoShape"/>
+              </a:bodyPr>
+              <a:lstStyle/>
+              <a:p>
+                <a:pPr>
+                  <a:defRPr/>
+                </a:pPr>
+                <a:endParaRPr lang="zh-CN"/>
+              </a:p>
+            </p:txBody>
+          </p:sp>
+          <p:sp>
+            <p:nvSpPr>
+              <p:cNvPr id="1209554265" name="任意多边形 27"/>
+              <p:cNvSpPr/>
+              <p:nvPr/>
+            </p:nvSpPr>
+            <p:spPr bwMode="auto">
+              <a:xfrm>
+                <a:off x="9390026" y="0"/>
+                <a:ext cx="2800387" cy="1476421"/>
+              </a:xfrm>
+              <a:custGeom>
+                <a:avLst/>
+                <a:gdLst>
+                  <a:gd name="T0" fmla="*/ 354 w 2444"/>
+                  <a:gd name="T1" fmla="*/ 526 h 1288"/>
+                  <a:gd name="T2" fmla="*/ 1598 w 2444"/>
+                  <a:gd name="T3" fmla="*/ 526 h 1288"/>
+                  <a:gd name="T4" fmla="*/ 2094 w 2444"/>
+                  <a:gd name="T5" fmla="*/ 1033 h 1288"/>
+                  <a:gd name="T6" fmla="*/ 2444 w 2444"/>
+                  <a:gd name="T7" fmla="*/ 1192 h 1288"/>
+                  <a:gd name="T8" fmla="*/ 2444 w 2444"/>
+                  <a:gd name="T9" fmla="*/ 0 h 1288"/>
+                  <a:gd name="T10" fmla="*/ 0 w 2444"/>
+                  <a:gd name="T11" fmla="*/ 0 h 1288"/>
+                  <a:gd name="T12" fmla="*/ 354 w 2444"/>
+                  <a:gd name="T13" fmla="*/ 526 h 1288"/>
+                </a:gdLst>
+                <a:ahLst/>
+                <a:cxnLst>
+                  <a:cxn ang="0">
+                    <a:pos x="T0" y="T1"/>
+                  </a:cxn>
+                  <a:cxn ang="0">
+                    <a:pos x="T2" y="T3"/>
+                  </a:cxn>
+                  <a:cxn ang="0">
+                    <a:pos x="T4" y="T5"/>
+                  </a:cxn>
+                  <a:cxn ang="0">
+                    <a:pos x="T6" y="T7"/>
+                  </a:cxn>
+                  <a:cxn ang="0">
+                    <a:pos x="T8" y="T9"/>
+                  </a:cxn>
+                  <a:cxn ang="0">
+                    <a:pos x="T10" y="T11"/>
+                  </a:cxn>
+                  <a:cxn ang="0">
+                    <a:pos x="T12" y="T13"/>
+                  </a:cxn>
+                </a:cxnLst>
+                <a:rect l="0" t="0" r="r" b="b"/>
+                <a:pathLst>
+                  <a:path w="2444" h="1288" fill="norm" stroke="1" extrusionOk="0">
+                    <a:moveTo>
+                      <a:pt x="354" y="526"/>
+                    </a:moveTo>
+                    <a:cubicBezTo>
+                      <a:pt x="516" y="764"/>
+                      <a:pt x="1170" y="714"/>
+                      <a:pt x="1598" y="526"/>
+                    </a:cubicBezTo>
+                    <a:cubicBezTo>
+                      <a:pt x="2026" y="339"/>
+                      <a:pt x="1981" y="659"/>
+                      <a:pt x="2094" y="1033"/>
+                    </a:cubicBezTo>
+                    <a:cubicBezTo>
+                      <a:pt x="2172" y="1288"/>
+                      <a:pt x="2400" y="1272"/>
+                      <a:pt x="2444" y="1192"/>
+                    </a:cubicBezTo>
+                    <a:cubicBezTo>
+                      <a:pt x="2444" y="0"/>
+                      <a:pt x="2444" y="0"/>
+                      <a:pt x="2444" y="0"/>
+                    </a:cubicBezTo>
+                    <a:cubicBezTo>
+                      <a:pt x="0" y="0"/>
+                      <a:pt x="0" y="0"/>
+                      <a:pt x="0" y="0"/>
+                    </a:cubicBezTo>
+                    <a:cubicBezTo>
+                      <a:pt x="565" y="116"/>
+                      <a:pt x="163" y="246"/>
+                      <a:pt x="354" y="526"/>
+                    </a:cubicBezTo>
+                    <a:close/>
+                  </a:path>
+                </a:pathLst>
+              </a:custGeom>
+              <a:gradFill>
+                <a:gsLst>
+                  <a:gs pos="0">
+                    <a:schemeClr val="accent3">
+                      <a:lumMod val="20000"/>
+                      <a:lumOff val="80000"/>
+                      <a:alpha val="0"/>
+                    </a:schemeClr>
+                  </a:gs>
+                  <a:gs pos="60000">
+                    <a:schemeClr val="accent3">
+                      <a:lumMod val="60000"/>
+                      <a:lumOff val="40000"/>
+                      <a:alpha val="40000"/>
+                    </a:schemeClr>
+                  </a:gs>
+                  <a:gs pos="100000">
+                    <a:schemeClr val="accent3"/>
+                  </a:gs>
+                </a:gsLst>
+                <a:lin ang="16800000" scaled="0"/>
+              </a:gradFill>
+              <a:ln>
+                <a:noFill/>
+              </a:ln>
+            </p:spPr>
+            <p:txBody>
+              <a:bodyPr vert="horz" wrap="square" lIns="91440" tIns="45720" rIns="91440" bIns="45720" numCol="1" anchor="t" anchorCtr="0" compatLnSpc="1">
+                <a:prstTxWarp prst="textNoShape"/>
+              </a:bodyPr>
+              <a:lstStyle/>
+              <a:p>
+                <a:pPr>
+                  <a:defRPr/>
+                </a:pPr>
+                <a:endParaRPr lang="zh-CN"/>
+              </a:p>
+            </p:txBody>
+          </p:sp>
+          <p:sp>
+            <p:nvSpPr>
+              <p:cNvPr id="1401206903" name="椭圆 28"/>
+              <p:cNvSpPr/>
+              <p:nvPr/>
+            </p:nvSpPr>
+            <p:spPr bwMode="auto">
+              <a:xfrm rot="17099971">
+                <a:off x="10372245" y="4964983"/>
+                <a:ext cx="1076439" cy="1076439"/>
+              </a:xfrm>
+              <a:prstGeom prst="ellipse">
+                <a:avLst/>
+              </a:prstGeom>
+              <a:gradFill>
+                <a:gsLst>
+                  <a:gs pos="0">
+                    <a:schemeClr val="accent3">
+                      <a:lumMod val="20000"/>
+                      <a:lumOff val="80000"/>
+                      <a:alpha val="0"/>
+                    </a:schemeClr>
+                  </a:gs>
+                  <a:gs pos="60000">
+                    <a:schemeClr val="accent3">
+                      <a:lumMod val="60000"/>
+                      <a:lumOff val="40000"/>
+                      <a:alpha val="25000"/>
+                    </a:schemeClr>
+                  </a:gs>
+                  <a:gs pos="100000">
+                    <a:schemeClr val="accent3">
+                      <a:alpha val="30000"/>
+                    </a:schemeClr>
+                  </a:gs>
+                </a:gsLst>
+                <a:lin ang="7200000" scaled="0"/>
+              </a:gradFill>
+              <a:ln>
+                <a:noFill/>
+              </a:ln>
+            </p:spPr>
+            <p:txBody>
+              <a:bodyPr vert="horz" wrap="square" lIns="91440" tIns="45720" rIns="91440" bIns="45720" numCol="1" anchor="t" anchorCtr="0" compatLnSpc="1">
+                <a:prstTxWarp prst="textNoShape"/>
+              </a:bodyPr>
+              <a:lstStyle/>
+              <a:p>
+                <a:pPr>
+                  <a:defRPr/>
+                </a:pPr>
+                <a:endParaRPr lang="zh-CN"/>
+              </a:p>
+            </p:txBody>
+          </p:sp>
+          <p:sp>
+            <p:nvSpPr>
+              <p:cNvPr id="8544692" name="椭圆 29"/>
+              <p:cNvSpPr/>
+              <p:nvPr/>
+            </p:nvSpPr>
+            <p:spPr bwMode="auto">
+              <a:xfrm rot="17099971">
+                <a:off x="9295183" y="6000562"/>
+                <a:ext cx="470272" cy="470272"/>
+              </a:xfrm>
+              <a:prstGeom prst="ellipse">
+                <a:avLst/>
+              </a:prstGeom>
+              <a:gradFill>
+                <a:gsLst>
+                  <a:gs pos="0">
+                    <a:schemeClr val="accent3">
+                      <a:lumMod val="20000"/>
+                      <a:lumOff val="80000"/>
+                      <a:alpha val="0"/>
+                    </a:schemeClr>
+                  </a:gs>
+                  <a:gs pos="60000">
+                    <a:schemeClr val="accent3">
+                      <a:lumMod val="60000"/>
+                      <a:lumOff val="40000"/>
+                      <a:alpha val="25000"/>
+                    </a:schemeClr>
+                  </a:gs>
+                  <a:gs pos="100000">
+                    <a:schemeClr val="accent3">
+                      <a:alpha val="30000"/>
+                    </a:schemeClr>
+                  </a:gs>
+                </a:gsLst>
+                <a:lin ang="7200000" scaled="0"/>
+              </a:gradFill>
+              <a:ln>
+                <a:noFill/>
+              </a:ln>
+            </p:spPr>
+            <p:txBody>
+              <a:bodyPr vert="horz" wrap="square" lIns="91440" tIns="45720" rIns="91440" bIns="45720" numCol="1" anchor="t" anchorCtr="0" compatLnSpc="1">
+                <a:prstTxWarp prst="textNoShape"/>
+              </a:bodyPr>
+              <a:lstStyle/>
+              <a:p>
+                <a:pPr>
+                  <a:defRPr/>
+                </a:pPr>
+                <a:endParaRPr lang="zh-CN">
+                  <a:solidFill>
+                    <a:schemeClr val="tx1"/>
+                  </a:solidFill>
+                </a:endParaRPr>
+              </a:p>
+            </p:txBody>
+          </p:sp>
+        </p:grpSp>
+      </p:grpSp>
       <p:sp>
         <p:nvSpPr>
-          <p:cNvPr id="1096043437" name="Title 2"/>
+          <p:cNvPr id="1194370970" name="Title 31"/>
           <p:cNvSpPr>
             <a:spLocks noGrp="1"/>
           </p:cNvSpPr>
@@ -30198,8 +34197,8 @@
         </p:nvSpPr>
         <p:spPr bwMode="auto">
           <a:xfrm>
-            <a:off x="6096000" y="2571750"/>
-            <a:ext cx="5334000" cy="857250"/>
+            <a:off x="660399" y="0"/>
+            <a:ext cx="10858500" cy="1028700"/>
           </a:xfrm>
         </p:spPr>
         <p:txBody>
@@ -30208,21 +34207,61 @@
           </a:bodyPr>
           <a:lstStyle/>
           <a:p>
-            <a:pPr>
+            <a:pPr lvl="0">
               <a:defRPr/>
             </a:pPr>
             <a:r>
-              <a:rPr lang="en-US"/>
-              <a:t>02.</a:t>
+              <a:rPr lang="zh-CN"/>
+              <a:t>小程序相关功能介绍</a:t>
             </a:r>
-            <a:r>
-              <a:rPr lang="zh-CN"/>
-              <a:t>产品原型设计</a:t>
-            </a:r>
-            <a:endParaRPr/>
+            <a:endParaRPr lang="en-US"/>
           </a:p>
         </p:txBody>
       </p:sp>
+      <p:pic>
+        <p:nvPicPr>
+          <p:cNvPr id="726891111" name="图片 4"/>
+          <p:cNvPicPr>
+            <a:picLocks noChangeAspect="1"/>
+          </p:cNvPicPr>
+          <p:nvPr/>
+        </p:nvPicPr>
+        <p:blipFill>
+          <a:blip r:embed="rId3"/>
+          <a:stretch/>
+        </p:blipFill>
+        <p:spPr bwMode="auto">
+          <a:xfrm>
+            <a:off x="6582106" y="514350"/>
+            <a:ext cx="2593013" cy="5339090"/>
+          </a:xfrm>
+          <a:prstGeom prst="rect">
+            <a:avLst/>
+          </a:prstGeom>
+        </p:spPr>
+      </p:pic>
+      <p:pic>
+        <p:nvPicPr>
+          <p:cNvPr id="1602771730" name="图片 10"/>
+          <p:cNvPicPr>
+            <a:picLocks noChangeAspect="1"/>
+          </p:cNvPicPr>
+          <p:nvPr/>
+        </p:nvPicPr>
+        <p:blipFill>
+          <a:blip r:embed="rId4"/>
+          <a:stretch/>
+        </p:blipFill>
+        <p:spPr bwMode="auto">
+          <a:xfrm>
+            <a:off x="9343235" y="514350"/>
+            <a:ext cx="2793430" cy="5333798"/>
+          </a:xfrm>
+          <a:prstGeom prst="rect">
+            <a:avLst/>
+          </a:prstGeom>
+        </p:spPr>
+      </p:pic>
     </p:spTree>
   </p:cSld>
   <p:clrMapOvr>
@@ -30256,9 +34295,537 @@
           <a:chExt cx="0" cy="0"/>
         </a:xfrm>
       </p:grpSpPr>
+      <p:grpSp>
+        <p:nvGrpSpPr>
+          <p:cNvPr id="400271592" name="组合 2"/>
+          <p:cNvGrpSpPr/>
+          <p:nvPr/>
+        </p:nvGrpSpPr>
+        <p:grpSpPr bwMode="auto">
+          <a:xfrm>
+            <a:off x="3174" y="0"/>
+            <a:ext cx="12188824" cy="6858000"/>
+            <a:chOff x="1588" y="0"/>
+            <a:chExt cx="12188824" cy="6858000"/>
+          </a:xfrm>
+        </p:grpSpPr>
+        <p:grpSp>
+          <p:nvGrpSpPr>
+            <p:cNvPr id="1854779859" name="组合 1"/>
+            <p:cNvGrpSpPr/>
+            <p:nvPr/>
+          </p:nvGrpSpPr>
+          <p:grpSpPr bwMode="auto">
+            <a:xfrm>
+              <a:off x="828340" y="1259869"/>
+              <a:ext cx="6052183" cy="2777726"/>
+              <a:chOff x="729615" y="1259869"/>
+              <a:chExt cx="6052183" cy="2777726"/>
+            </a:xfrm>
+          </p:grpSpPr>
+          <p:sp>
+            <p:nvSpPr>
+              <p:cNvPr id="310901962" name="文本框 6"/>
+              <p:cNvSpPr txBox="1"/>
+              <p:nvPr/>
+            </p:nvSpPr>
+            <p:spPr bwMode="auto">
+              <a:xfrm>
+                <a:off x="732825" y="1259869"/>
+                <a:ext cx="6048973" cy="461664"/>
+              </a:xfrm>
+              <a:prstGeom prst="rect">
+                <a:avLst/>
+              </a:prstGeom>
+              <a:noFill/>
+            </p:spPr>
+            <p:txBody>
+              <a:bodyPr wrap="square">
+                <a:spAutoFit/>
+              </a:bodyPr>
+              <a:lstStyle/>
+              <a:p>
+                <a:pPr marL="0" marR="0" lvl="0" indent="0" defTabSz="913764">
+                  <a:lnSpc>
+                    <a:spcPct val="100000"/>
+                  </a:lnSpc>
+                  <a:spcBef>
+                    <a:spcPts val="0"/>
+                  </a:spcBef>
+                  <a:spcAft>
+                    <a:spcPts val="0"/>
+                  </a:spcAft>
+                  <a:buClrTx/>
+                  <a:buSzPct val="25000"/>
+                  <a:buFontTx/>
+                  <a:buNone/>
+                  <a:defRPr/>
+                </a:pPr>
+                <a:endParaRPr lang="zh-CN" sz="2400" b="1" i="0" u="none" strike="noStrike" cap="none" spc="0">
+                  <a:solidFill>
+                    <a:schemeClr val="tx1"/>
+                  </a:solidFill>
+                </a:endParaRPr>
+              </a:p>
+            </p:txBody>
+          </p:sp>
+          <p:sp>
+            <p:nvSpPr>
+              <p:cNvPr id="1908787098" name="文本框 7"/>
+              <p:cNvSpPr txBox="1"/>
+              <p:nvPr/>
+            </p:nvSpPr>
+            <p:spPr bwMode="auto">
+              <a:xfrm>
+                <a:off x="729615" y="1904191"/>
+                <a:ext cx="4918650" cy="2133405"/>
+              </a:xfrm>
+              <a:prstGeom prst="rect">
+                <a:avLst/>
+              </a:prstGeom>
+              <a:noFill/>
+            </p:spPr>
+            <p:txBody>
+              <a:bodyPr wrap="square" rtlCol="0">
+                <a:spAutoFit/>
+              </a:bodyPr>
+              <a:lstStyle>
+                <a:defPPr>
+                  <a:defRPr lang="zh-CN"/>
+                </a:defPPr>
+                <a:lvl1pPr>
+                  <a:lnSpc>
+                    <a:spcPts val="1499"/>
+                  </a:lnSpc>
+                  <a:defRPr sz="900"/>
+                </a:lvl1pPr>
+              </a:lstStyle>
+              <a:p>
+                <a:pPr>
+                  <a:lnSpc>
+                    <a:spcPct val="120000"/>
+                  </a:lnSpc>
+                  <a:defRPr/>
+                </a:pPr>
+                <a:r>
+                  <a:rPr lang="zh-CN" sz="1600"/>
+                  <a:t>个人中心界面有三列，分别是已通过，审核中，未通过，右上角是个人头像，点击头像会出现上传图片的界面，可以通过这种操作更改头像。</a:t>
+                </a:r>
+                <a:endParaRPr lang="en-US" sz="1600"/>
+              </a:p>
+              <a:p>
+                <a:pPr>
+                  <a:lnSpc>
+                    <a:spcPct val="120000"/>
+                  </a:lnSpc>
+                  <a:defRPr/>
+                </a:pPr>
+                <a:r>
+                  <a:rPr lang="zh-CN" sz="1600"/>
+                  <a:t>游记发布界面进入后会有一个装饰界面（此处未展示），点击界面的发布笔记按钮，会进入这个上传文件的界面，只有选了可选按钮才可以上传视频，且只能上传一个视频。</a:t>
+                </a:r>
+                <a:endParaRPr lang="en-US" sz="1600"/>
+              </a:p>
+            </p:txBody>
+          </p:sp>
+        </p:grpSp>
+        <p:grpSp>
+          <p:nvGrpSpPr>
+            <p:cNvPr id="1399534668" name="组合 21"/>
+            <p:cNvGrpSpPr/>
+            <p:nvPr/>
+          </p:nvGrpSpPr>
+          <p:grpSpPr bwMode="auto">
+            <a:xfrm>
+              <a:off x="1588" y="0"/>
+              <a:ext cx="12188824" cy="6858000"/>
+              <a:chOff x="1588" y="0"/>
+              <a:chExt cx="12188824" cy="6858000"/>
+            </a:xfrm>
+          </p:grpSpPr>
+          <p:sp>
+            <p:nvSpPr>
+              <p:cNvPr id="696333141" name="任意多边形 26"/>
+              <p:cNvSpPr/>
+              <p:nvPr/>
+            </p:nvSpPr>
+            <p:spPr bwMode="auto">
+              <a:xfrm>
+                <a:off x="1588" y="5403846"/>
+                <a:ext cx="2523897" cy="1454153"/>
+              </a:xfrm>
+              <a:custGeom>
+                <a:avLst/>
+                <a:gdLst>
+                  <a:gd name="T0" fmla="*/ 2545 w 2752"/>
+                  <a:gd name="T1" fmla="*/ 944 h 1585"/>
+                  <a:gd name="T2" fmla="*/ 1030 w 2752"/>
+                  <a:gd name="T3" fmla="*/ 944 h 1585"/>
+                  <a:gd name="T4" fmla="*/ 426 w 2752"/>
+                  <a:gd name="T5" fmla="*/ 327 h 1585"/>
+                  <a:gd name="T6" fmla="*/ 0 w 2752"/>
+                  <a:gd name="T7" fmla="*/ 134 h 1585"/>
+                  <a:gd name="T8" fmla="*/ 0 w 2752"/>
+                  <a:gd name="T9" fmla="*/ 1585 h 1585"/>
+                  <a:gd name="T10" fmla="*/ 2744 w 2752"/>
+                  <a:gd name="T11" fmla="*/ 1585 h 1585"/>
+                  <a:gd name="T12" fmla="*/ 2545 w 2752"/>
+                  <a:gd name="T13" fmla="*/ 944 h 1585"/>
+                </a:gdLst>
+                <a:ahLst/>
+                <a:cxnLst>
+                  <a:cxn ang="0">
+                    <a:pos x="T0" y="T1"/>
+                  </a:cxn>
+                  <a:cxn ang="0">
+                    <a:pos x="T2" y="T3"/>
+                  </a:cxn>
+                  <a:cxn ang="0">
+                    <a:pos x="T4" y="T5"/>
+                  </a:cxn>
+                  <a:cxn ang="0">
+                    <a:pos x="T6" y="T7"/>
+                  </a:cxn>
+                  <a:cxn ang="0">
+                    <a:pos x="T8" y="T9"/>
+                  </a:cxn>
+                  <a:cxn ang="0">
+                    <a:pos x="T10" y="T11"/>
+                  </a:cxn>
+                  <a:cxn ang="0">
+                    <a:pos x="T12" y="T13"/>
+                  </a:cxn>
+                </a:cxnLst>
+                <a:rect l="0" t="0" r="r" b="b"/>
+                <a:pathLst>
+                  <a:path w="2752" h="1585" fill="norm" stroke="1" extrusionOk="0">
+                    <a:moveTo>
+                      <a:pt x="2545" y="944"/>
+                    </a:moveTo>
+                    <a:cubicBezTo>
+                      <a:pt x="2295" y="510"/>
+                      <a:pt x="1551" y="716"/>
+                      <a:pt x="1030" y="944"/>
+                    </a:cubicBezTo>
+                    <a:cubicBezTo>
+                      <a:pt x="509" y="1172"/>
+                      <a:pt x="648" y="748"/>
+                      <a:pt x="426" y="327"/>
+                    </a:cubicBezTo>
+                    <a:cubicBezTo>
+                      <a:pt x="253" y="0"/>
+                      <a:pt x="73" y="81"/>
+                      <a:pt x="0" y="134"/>
+                    </a:cubicBezTo>
+                    <a:cubicBezTo>
+                      <a:pt x="0" y="1585"/>
+                      <a:pt x="0" y="1585"/>
+                      <a:pt x="0" y="1585"/>
+                    </a:cubicBezTo>
+                    <a:cubicBezTo>
+                      <a:pt x="2744" y="1585"/>
+                      <a:pt x="2744" y="1585"/>
+                      <a:pt x="2744" y="1585"/>
+                    </a:cubicBezTo>
+                    <a:cubicBezTo>
+                      <a:pt x="2319" y="1449"/>
+                      <a:pt x="2752" y="1302"/>
+                      <a:pt x="2545" y="944"/>
+                    </a:cubicBezTo>
+                    <a:close/>
+                  </a:path>
+                </a:pathLst>
+              </a:custGeom>
+              <a:gradFill>
+                <a:gsLst>
+                  <a:gs pos="0">
+                    <a:schemeClr val="accent3">
+                      <a:lumMod val="20000"/>
+                      <a:lumOff val="80000"/>
+                      <a:alpha val="0"/>
+                    </a:schemeClr>
+                  </a:gs>
+                  <a:gs pos="60000">
+                    <a:schemeClr val="accent3">
+                      <a:lumMod val="60000"/>
+                      <a:lumOff val="40000"/>
+                      <a:alpha val="40000"/>
+                    </a:schemeClr>
+                  </a:gs>
+                  <a:gs pos="100000">
+                    <a:schemeClr val="accent3"/>
+                  </a:gs>
+                </a:gsLst>
+                <a:lin ang="7200000" scaled="0"/>
+              </a:gradFill>
+              <a:ln>
+                <a:noFill/>
+              </a:ln>
+            </p:spPr>
+            <p:txBody>
+              <a:bodyPr vert="horz" wrap="square" lIns="91440" tIns="45720" rIns="91440" bIns="45720" numCol="1" anchor="t" anchorCtr="0" compatLnSpc="1">
+                <a:prstTxWarp prst="textNoShape"/>
+              </a:bodyPr>
+              <a:lstStyle/>
+              <a:p>
+                <a:pPr>
+                  <a:defRPr/>
+                </a:pPr>
+                <a:endParaRPr lang="zh-CN"/>
+              </a:p>
+            </p:txBody>
+          </p:sp>
+          <p:sp>
+            <p:nvSpPr>
+              <p:cNvPr id="493554932" name="任意多边形 27"/>
+              <p:cNvSpPr/>
+              <p:nvPr/>
+            </p:nvSpPr>
+            <p:spPr bwMode="auto">
+              <a:xfrm>
+                <a:off x="9390026" y="0"/>
+                <a:ext cx="2800387" cy="1476421"/>
+              </a:xfrm>
+              <a:custGeom>
+                <a:avLst/>
+                <a:gdLst>
+                  <a:gd name="T0" fmla="*/ 354 w 2444"/>
+                  <a:gd name="T1" fmla="*/ 526 h 1288"/>
+                  <a:gd name="T2" fmla="*/ 1598 w 2444"/>
+                  <a:gd name="T3" fmla="*/ 526 h 1288"/>
+                  <a:gd name="T4" fmla="*/ 2094 w 2444"/>
+                  <a:gd name="T5" fmla="*/ 1033 h 1288"/>
+                  <a:gd name="T6" fmla="*/ 2444 w 2444"/>
+                  <a:gd name="T7" fmla="*/ 1192 h 1288"/>
+                  <a:gd name="T8" fmla="*/ 2444 w 2444"/>
+                  <a:gd name="T9" fmla="*/ 0 h 1288"/>
+                  <a:gd name="T10" fmla="*/ 0 w 2444"/>
+                  <a:gd name="T11" fmla="*/ 0 h 1288"/>
+                  <a:gd name="T12" fmla="*/ 354 w 2444"/>
+                  <a:gd name="T13" fmla="*/ 526 h 1288"/>
+                </a:gdLst>
+                <a:ahLst/>
+                <a:cxnLst>
+                  <a:cxn ang="0">
+                    <a:pos x="T0" y="T1"/>
+                  </a:cxn>
+                  <a:cxn ang="0">
+                    <a:pos x="T2" y="T3"/>
+                  </a:cxn>
+                  <a:cxn ang="0">
+                    <a:pos x="T4" y="T5"/>
+                  </a:cxn>
+                  <a:cxn ang="0">
+                    <a:pos x="T6" y="T7"/>
+                  </a:cxn>
+                  <a:cxn ang="0">
+                    <a:pos x="T8" y="T9"/>
+                  </a:cxn>
+                  <a:cxn ang="0">
+                    <a:pos x="T10" y="T11"/>
+                  </a:cxn>
+                  <a:cxn ang="0">
+                    <a:pos x="T12" y="T13"/>
+                  </a:cxn>
+                </a:cxnLst>
+                <a:rect l="0" t="0" r="r" b="b"/>
+                <a:pathLst>
+                  <a:path w="2444" h="1288" fill="norm" stroke="1" extrusionOk="0">
+                    <a:moveTo>
+                      <a:pt x="354" y="526"/>
+                    </a:moveTo>
+                    <a:cubicBezTo>
+                      <a:pt x="516" y="764"/>
+                      <a:pt x="1170" y="714"/>
+                      <a:pt x="1598" y="526"/>
+                    </a:cubicBezTo>
+                    <a:cubicBezTo>
+                      <a:pt x="2026" y="339"/>
+                      <a:pt x="1981" y="659"/>
+                      <a:pt x="2094" y="1033"/>
+                    </a:cubicBezTo>
+                    <a:cubicBezTo>
+                      <a:pt x="2172" y="1288"/>
+                      <a:pt x="2400" y="1272"/>
+                      <a:pt x="2444" y="1192"/>
+                    </a:cubicBezTo>
+                    <a:cubicBezTo>
+                      <a:pt x="2444" y="0"/>
+                      <a:pt x="2444" y="0"/>
+                      <a:pt x="2444" y="0"/>
+                    </a:cubicBezTo>
+                    <a:cubicBezTo>
+                      <a:pt x="0" y="0"/>
+                      <a:pt x="0" y="0"/>
+                      <a:pt x="0" y="0"/>
+                    </a:cubicBezTo>
+                    <a:cubicBezTo>
+                      <a:pt x="565" y="116"/>
+                      <a:pt x="163" y="246"/>
+                      <a:pt x="354" y="526"/>
+                    </a:cubicBezTo>
+                    <a:close/>
+                  </a:path>
+                </a:pathLst>
+              </a:custGeom>
+              <a:gradFill>
+                <a:gsLst>
+                  <a:gs pos="0">
+                    <a:schemeClr val="accent3">
+                      <a:lumMod val="20000"/>
+                      <a:lumOff val="80000"/>
+                      <a:alpha val="0"/>
+                    </a:schemeClr>
+                  </a:gs>
+                  <a:gs pos="60000">
+                    <a:schemeClr val="accent3">
+                      <a:lumMod val="60000"/>
+                      <a:lumOff val="40000"/>
+                      <a:alpha val="40000"/>
+                    </a:schemeClr>
+                  </a:gs>
+                  <a:gs pos="100000">
+                    <a:schemeClr val="accent3"/>
+                  </a:gs>
+                </a:gsLst>
+                <a:lin ang="16800000" scaled="0"/>
+              </a:gradFill>
+              <a:ln>
+                <a:noFill/>
+              </a:ln>
+            </p:spPr>
+            <p:txBody>
+              <a:bodyPr vert="horz" wrap="square" lIns="91440" tIns="45720" rIns="91440" bIns="45720" numCol="1" anchor="t" anchorCtr="0" compatLnSpc="1">
+                <a:prstTxWarp prst="textNoShape"/>
+              </a:bodyPr>
+              <a:lstStyle/>
+              <a:p>
+                <a:pPr>
+                  <a:defRPr/>
+                </a:pPr>
+                <a:endParaRPr lang="zh-CN"/>
+              </a:p>
+            </p:txBody>
+          </p:sp>
+          <p:sp>
+            <p:nvSpPr>
+              <p:cNvPr id="1356996100" name="椭圆 28"/>
+              <p:cNvSpPr/>
+              <p:nvPr/>
+            </p:nvSpPr>
+            <p:spPr bwMode="auto">
+              <a:xfrm rot="17099971">
+                <a:off x="10372245" y="4964983"/>
+                <a:ext cx="1076439" cy="1076439"/>
+              </a:xfrm>
+              <a:prstGeom prst="ellipse">
+                <a:avLst/>
+              </a:prstGeom>
+              <a:gradFill>
+                <a:gsLst>
+                  <a:gs pos="0">
+                    <a:schemeClr val="accent3">
+                      <a:lumMod val="20000"/>
+                      <a:lumOff val="80000"/>
+                      <a:alpha val="0"/>
+                    </a:schemeClr>
+                  </a:gs>
+                  <a:gs pos="60000">
+                    <a:schemeClr val="accent3">
+                      <a:lumMod val="60000"/>
+                      <a:lumOff val="40000"/>
+                      <a:alpha val="25000"/>
+                    </a:schemeClr>
+                  </a:gs>
+                  <a:gs pos="100000">
+                    <a:schemeClr val="accent3">
+                      <a:alpha val="30000"/>
+                    </a:schemeClr>
+                  </a:gs>
+                </a:gsLst>
+                <a:lin ang="7200000" scaled="0"/>
+              </a:gradFill>
+              <a:ln>
+                <a:noFill/>
+              </a:ln>
+            </p:spPr>
+            <p:txBody>
+              <a:bodyPr vert="horz" wrap="square" lIns="91440" tIns="45720" rIns="91440" bIns="45720" numCol="1" anchor="t" anchorCtr="0" compatLnSpc="1">
+                <a:prstTxWarp prst="textNoShape"/>
+              </a:bodyPr>
+              <a:lstStyle/>
+              <a:p>
+                <a:pPr>
+                  <a:defRPr/>
+                </a:pPr>
+                <a:endParaRPr lang="zh-CN"/>
+              </a:p>
+            </p:txBody>
+          </p:sp>
+          <p:sp>
+            <p:nvSpPr>
+              <p:cNvPr id="1220583530" name="椭圆 29"/>
+              <p:cNvSpPr/>
+              <p:nvPr/>
+            </p:nvSpPr>
+            <p:spPr bwMode="auto">
+              <a:xfrm rot="17099971">
+                <a:off x="9295183" y="6000562"/>
+                <a:ext cx="470272" cy="470272"/>
+              </a:xfrm>
+              <a:prstGeom prst="ellipse">
+                <a:avLst/>
+              </a:prstGeom>
+              <a:gradFill>
+                <a:gsLst>
+                  <a:gs pos="0">
+                    <a:schemeClr val="accent3">
+                      <a:lumMod val="20000"/>
+                      <a:lumOff val="80000"/>
+                      <a:alpha val="0"/>
+                    </a:schemeClr>
+                  </a:gs>
+                  <a:gs pos="60000">
+                    <a:schemeClr val="accent3">
+                      <a:lumMod val="60000"/>
+                      <a:lumOff val="40000"/>
+                      <a:alpha val="25000"/>
+                    </a:schemeClr>
+                  </a:gs>
+                  <a:gs pos="100000">
+                    <a:schemeClr val="accent3">
+                      <a:alpha val="30000"/>
+                    </a:schemeClr>
+                  </a:gs>
+                </a:gsLst>
+                <a:lin ang="7200000" scaled="0"/>
+              </a:gradFill>
+              <a:ln>
+                <a:noFill/>
+              </a:ln>
+            </p:spPr>
+            <p:txBody>
+              <a:bodyPr vert="horz" wrap="square" lIns="91440" tIns="45720" rIns="91440" bIns="45720" numCol="1" anchor="t" anchorCtr="0" compatLnSpc="1">
+                <a:prstTxWarp prst="textNoShape"/>
+              </a:bodyPr>
+              <a:lstStyle/>
+              <a:p>
+                <a:pPr>
+                  <a:defRPr/>
+                </a:pPr>
+                <a:endParaRPr lang="zh-CN">
+                  <a:solidFill>
+                    <a:schemeClr val="tx1"/>
+                  </a:solidFill>
+                </a:endParaRPr>
+              </a:p>
+            </p:txBody>
+          </p:sp>
+        </p:grpSp>
+      </p:grpSp>
       <p:sp>
         <p:nvSpPr>
-          <p:cNvPr id="1940555782" name="Title 69"/>
+          <p:cNvPr id="786252429" name="Title 31"/>
           <p:cNvSpPr>
             <a:spLocks noGrp="1"/>
           </p:cNvSpPr>
@@ -30268,7 +34835,7 @@
         </p:nvSpPr>
         <p:spPr bwMode="auto">
           <a:xfrm>
-            <a:off x="660400" y="0"/>
+            <a:off x="660399" y="0"/>
             <a:ext cx="10858500" cy="1028700"/>
           </a:xfrm>
         </p:spPr>
@@ -30283,7 +34850,7 @@
             </a:pPr>
             <a:r>
               <a:rPr lang="zh-CN"/>
-              <a:t>产品原型设计方面</a:t>
+              <a:t>小程序相关功能介绍</a:t>
             </a:r>
             <a:endParaRPr lang="en-US"/>
           </a:p>
@@ -30291,7 +34858,7 @@
       </p:sp>
       <p:pic>
         <p:nvPicPr>
-          <p:cNvPr id="836328183" name="图片 6"/>
+          <p:cNvPr id="1418766264" name="图片 5"/>
           <p:cNvPicPr>
             <a:picLocks noChangeAspect="1"/>
           </p:cNvPicPr>
@@ -30303,1915 +34870,36 @@
         </p:blipFill>
         <p:spPr bwMode="auto">
           <a:xfrm>
-            <a:off x="225009" y="1715819"/>
-            <a:ext cx="3173961" cy="4760942"/>
+            <a:off x="6095999" y="738210"/>
+            <a:ext cx="2680518" cy="5152047"/>
           </a:xfrm>
           <a:prstGeom prst="rect">
             <a:avLst/>
           </a:prstGeom>
         </p:spPr>
       </p:pic>
-      <p:sp>
-        <p:nvSpPr>
-          <p:cNvPr id="437842767" name="文本框 10"/>
-          <p:cNvSpPr txBox="1"/>
+      <p:pic>
+        <p:nvPicPr>
+          <p:cNvPr id="1773909961" name="图片 9"/>
+          <p:cNvPicPr>
+            <a:picLocks noChangeAspect="1"/>
+          </p:cNvPicPr>
           <p:nvPr/>
-        </p:nvSpPr>
+        </p:nvPicPr>
+        <p:blipFill>
+          <a:blip r:embed="rId4"/>
+          <a:stretch/>
+        </p:blipFill>
         <p:spPr bwMode="auto">
           <a:xfrm>
-            <a:off x="5131837" y="1358467"/>
-            <a:ext cx="3875529" cy="523220"/>
+            <a:off x="9160944" y="738862"/>
+            <a:ext cx="2580185" cy="5151396"/>
           </a:xfrm>
           <a:prstGeom prst="rect">
             <a:avLst/>
           </a:prstGeom>
-          <a:noFill/>
         </p:spPr>
-        <p:txBody>
-          <a:bodyPr wrap="square" rtlCol="0">
-            <a:spAutoFit/>
-          </a:bodyPr>
-          <a:lstStyle/>
-          <a:p>
-            <a:pPr>
-              <a:defRPr/>
-            </a:pPr>
-            <a:r>
-              <a:rPr lang="en-US" sz="2800" b="1">
-                <a:latin typeface="+mn-ea"/>
-              </a:rPr>
-              <a:t>AI</a:t>
-            </a:r>
-            <a:r>
-              <a:rPr lang="zh-CN" sz="2800" b="1">
-                <a:latin typeface="+mn-ea"/>
-              </a:rPr>
-              <a:t>辅助图形组件的设计</a:t>
-            </a:r>
-            <a:endParaRPr/>
-          </a:p>
-        </p:txBody>
-      </p:sp>
-      <p:grpSp>
-        <p:nvGrpSpPr>
-          <p:cNvPr id="35726399" name="组合 25"/>
-          <p:cNvGrpSpPr/>
-          <p:nvPr/>
-        </p:nvGrpSpPr>
-        <p:grpSpPr bwMode="auto">
-          <a:xfrm>
-            <a:off x="3928242" y="4554362"/>
-            <a:ext cx="7200140" cy="1704331"/>
-            <a:chOff x="3959774" y="3345673"/>
-            <a:chExt cx="7200140" cy="1704331"/>
-          </a:xfrm>
-        </p:grpSpPr>
-        <p:grpSp>
-          <p:nvGrpSpPr>
-            <p:cNvPr id="25" name="组合 24"/>
-            <p:cNvGrpSpPr/>
-            <p:nvPr/>
-          </p:nvGrpSpPr>
-          <p:grpSpPr bwMode="auto">
-            <a:xfrm>
-              <a:off x="3959774" y="3345673"/>
-              <a:ext cx="7200140" cy="500756"/>
-              <a:chOff x="3959774" y="3345673"/>
-              <a:chExt cx="7200140" cy="500756"/>
-            </a:xfrm>
-          </p:grpSpPr>
-          <p:sp>
-            <p:nvSpPr>
-              <p:cNvPr id="9" name="文本框 8"/>
-              <p:cNvSpPr txBox="1"/>
-              <p:nvPr/>
-            </p:nvSpPr>
-            <p:spPr bwMode="auto">
-              <a:xfrm>
-                <a:off x="4460534" y="3381122"/>
-                <a:ext cx="6699380" cy="429861"/>
-              </a:xfrm>
-              <a:prstGeom prst="rect">
-                <a:avLst/>
-              </a:prstGeom>
-              <a:noFill/>
-            </p:spPr>
-            <p:txBody>
-              <a:bodyPr wrap="square" rtlCol="0">
-                <a:spAutoFit/>
-              </a:bodyPr>
-              <a:lstStyle/>
-              <a:p>
-                <a:pPr algn="ctr">
-                  <a:lnSpc>
-                    <a:spcPct val="120000"/>
-                  </a:lnSpc>
-                  <a:defRPr/>
-                </a:pPr>
-                <a:r>
-                  <a:rPr lang="zh-CN" sz="2000">
-                    <a:latin typeface="+mn-ea"/>
-                  </a:rPr>
-                  <a:t>技术说明：文本描述</a:t>
-                </a:r>
-                <a:r>
-                  <a:rPr lang="en-US" sz="2000">
-                    <a:latin typeface="+mn-ea"/>
-                  </a:rPr>
-                  <a:t>+AI</a:t>
-                </a:r>
-                <a:r>
-                  <a:rPr lang="zh-CN" sz="2000">
-                    <a:latin typeface="+mn-ea"/>
-                  </a:rPr>
-                  <a:t>生图</a:t>
-                </a:r>
-                <a:r>
-                  <a:rPr lang="en-US" sz="2000">
-                    <a:latin typeface="+mn-ea"/>
-                  </a:rPr>
-                  <a:t>+PS（</a:t>
-                </a:r>
-                <a:r>
-                  <a:rPr lang="zh-CN" sz="2000">
-                    <a:latin typeface="+mn-ea"/>
-                  </a:rPr>
-                  <a:t>修改细节</a:t>
-                </a:r>
-                <a:r>
-                  <a:rPr lang="en-US" sz="2000">
-                    <a:latin typeface="+mn-ea"/>
-                  </a:rPr>
-                  <a:t>）+AI</a:t>
-                </a:r>
-                <a:r>
-                  <a:rPr lang="zh-CN" sz="2000">
-                    <a:latin typeface="+mn-ea"/>
-                  </a:rPr>
-                  <a:t>润色</a:t>
-                </a:r>
-                <a:endParaRPr/>
-              </a:p>
-            </p:txBody>
-          </p:sp>
-          <p:grpSp>
-            <p:nvGrpSpPr>
-              <p:cNvPr id="21" name="组合 20"/>
-              <p:cNvGrpSpPr/>
-              <p:nvPr/>
-            </p:nvGrpSpPr>
-            <p:grpSpPr bwMode="auto">
-              <a:xfrm>
-                <a:off x="3959774" y="3345673"/>
-                <a:ext cx="500759" cy="500756"/>
-                <a:chOff x="1324109" y="3681748"/>
-                <a:chExt cx="500759" cy="500756"/>
-              </a:xfrm>
-            </p:grpSpPr>
-            <p:sp>
-              <p:nvSpPr>
-                <p:cNvPr id="14" name="圆角矩形 18"/>
-                <p:cNvSpPr/>
-                <p:nvPr/>
-              </p:nvSpPr>
-              <p:spPr bwMode="auto">
-                <a:xfrm>
-                  <a:off x="1324109" y="3681748"/>
-                  <a:ext cx="500759" cy="500756"/>
-                </a:xfrm>
-                <a:prstGeom prst="roundRect">
-                  <a:avLst>
-                    <a:gd name="adj" fmla="val 16667"/>
-                  </a:avLst>
-                </a:prstGeom>
-                <a:solidFill>
-                  <a:schemeClr val="accent3"/>
-                </a:solidFill>
-                <a:ln w="12700" cap="rnd">
-                  <a:noFill/>
-                  <a:prstDash val="solid"/>
-                  <a:round/>
-                  <a:headEnd/>
-                  <a:tailEnd/>
-                </a:ln>
-                <a:effectLst>
-                  <a:outerShdw blurRad="254000" dist="127000" algn="ctr" rotWithShape="0">
-                    <a:schemeClr val="accent3">
-                      <a:alpha val="32000"/>
-                    </a:schemeClr>
-                  </a:outerShdw>
-                </a:effectLst>
-              </p:spPr>
-              <p:style>
-                <a:lnRef idx="2">
-                  <a:schemeClr val="accent1">
-                    <a:shade val="50000"/>
-                  </a:schemeClr>
-                </a:lnRef>
-                <a:fillRef idx="1">
-                  <a:schemeClr val="accent1"/>
-                </a:fillRef>
-                <a:effectRef idx="0">
-                  <a:schemeClr val="accent1"/>
-                </a:effectRef>
-                <a:fontRef idx="minor">
-                  <a:schemeClr val="lt1"/>
-                </a:fontRef>
-              </p:style>
-              <p:txBody>
-                <a:bodyPr rot="0" spcFirstLastPara="0" vert="horz" wrap="square" lIns="91440" tIns="45720" rIns="91440" bIns="45720" numCol="1" spcCol="0" rtlCol="0" fromWordArt="0" anchor="ctr" anchorCtr="0" forceAA="0" compatLnSpc="1">
-                  <a:prstTxWarp prst="textNoShape"/>
-                  <a:normAutofit/>
-                </a:bodyPr>
-                <a:lstStyle>
-                  <a:defPPr>
-                    <a:defRPr lang="zh-CN"/>
-                  </a:defPPr>
-                  <a:lvl1pPr marL="0" algn="l" defTabSz="914400">
-                    <a:defRPr sz="1800">
-                      <a:solidFill>
-                        <a:schemeClr val="lt1"/>
-                      </a:solidFill>
-                    </a:defRPr>
-                  </a:lvl1pPr>
-                  <a:lvl2pPr marL="457200" algn="l" defTabSz="914400">
-                    <a:defRPr sz="1800">
-                      <a:solidFill>
-                        <a:schemeClr val="lt1"/>
-                      </a:solidFill>
-                    </a:defRPr>
-                  </a:lvl2pPr>
-                  <a:lvl3pPr marL="914400" algn="l" defTabSz="914400">
-                    <a:defRPr sz="1800">
-                      <a:solidFill>
-                        <a:schemeClr val="lt1"/>
-                      </a:solidFill>
-                    </a:defRPr>
-                  </a:lvl3pPr>
-                  <a:lvl4pPr marL="1371600" algn="l" defTabSz="914400">
-                    <a:defRPr sz="1800">
-                      <a:solidFill>
-                        <a:schemeClr val="lt1"/>
-                      </a:solidFill>
-                    </a:defRPr>
-                  </a:lvl4pPr>
-                  <a:lvl5pPr marL="1828800" algn="l" defTabSz="914400">
-                    <a:defRPr sz="1800">
-                      <a:solidFill>
-                        <a:schemeClr val="lt1"/>
-                      </a:solidFill>
-                    </a:defRPr>
-                  </a:lvl5pPr>
-                  <a:lvl6pPr marL="2286000" algn="l" defTabSz="914400">
-                    <a:defRPr sz="1800">
-                      <a:solidFill>
-                        <a:schemeClr val="lt1"/>
-                      </a:solidFill>
-                    </a:defRPr>
-                  </a:lvl6pPr>
-                  <a:lvl7pPr marL="2743200" algn="l" defTabSz="914400">
-                    <a:defRPr sz="1800">
-                      <a:solidFill>
-                        <a:schemeClr val="lt1"/>
-                      </a:solidFill>
-                    </a:defRPr>
-                  </a:lvl7pPr>
-                  <a:lvl8pPr marL="3200400" algn="l" defTabSz="914400">
-                    <a:defRPr sz="1800">
-                      <a:solidFill>
-                        <a:schemeClr val="lt1"/>
-                      </a:solidFill>
-                    </a:defRPr>
-                  </a:lvl8pPr>
-                  <a:lvl9pPr marL="3657600" algn="l" defTabSz="914400">
-                    <a:defRPr sz="1800">
-                      <a:solidFill>
-                        <a:schemeClr val="lt1"/>
-                      </a:solidFill>
-                    </a:defRPr>
-                  </a:lvl9pPr>
-                </a:lstStyle>
-                <a:p>
-                  <a:pPr algn="ctr" defTabSz="914354">
-                    <a:defRPr/>
-                  </a:pPr>
-                  <a:endParaRPr lang="zh-CN" sz="2000" b="1">
-                    <a:solidFill>
-                      <a:schemeClr val="bg1"/>
-                    </a:solidFill>
-                  </a:endParaRPr>
-                </a:p>
-              </p:txBody>
-            </p:sp>
-            <p:sp>
-              <p:nvSpPr>
-                <p:cNvPr id="15" name="任意多边形 19"/>
-                <p:cNvSpPr/>
-                <p:nvPr/>
-              </p:nvSpPr>
-              <p:spPr bwMode="auto">
-                <a:xfrm>
-                  <a:off x="1458626" y="3826609"/>
-                  <a:ext cx="231723" cy="211033"/>
-                </a:xfrm>
-                <a:custGeom>
-                  <a:avLst/>
-                  <a:gdLst>
-                    <a:gd name="connsiteX0" fmla="*/ 125329 w 533400"/>
-                    <a:gd name="connsiteY0" fmla="*/ 229221 h 485775"/>
-                    <a:gd name="connsiteX1" fmla="*/ 125329 w 533400"/>
-                    <a:gd name="connsiteY1" fmla="*/ 276846 h 485775"/>
-                    <a:gd name="connsiteX2" fmla="*/ 144379 w 533400"/>
-                    <a:gd name="connsiteY2" fmla="*/ 276846 h 485775"/>
-                    <a:gd name="connsiteX3" fmla="*/ 144379 w 533400"/>
-                    <a:gd name="connsiteY3" fmla="*/ 229221 h 485775"/>
-                    <a:gd name="connsiteX4" fmla="*/ 392029 w 533400"/>
-                    <a:gd name="connsiteY4" fmla="*/ 229221 h 485775"/>
-                    <a:gd name="connsiteX5" fmla="*/ 392029 w 533400"/>
-                    <a:gd name="connsiteY5" fmla="*/ 276846 h 485775"/>
-                    <a:gd name="connsiteX6" fmla="*/ 411079 w 533400"/>
-                    <a:gd name="connsiteY6" fmla="*/ 276846 h 485775"/>
-                    <a:gd name="connsiteX7" fmla="*/ 411079 w 533400"/>
-                    <a:gd name="connsiteY7" fmla="*/ 229221 h 485775"/>
-                    <a:gd name="connsiteX8" fmla="*/ 534904 w 533400"/>
-                    <a:gd name="connsiteY8" fmla="*/ 229221 h 485775"/>
-                    <a:gd name="connsiteX9" fmla="*/ 534904 w 533400"/>
-                    <a:gd name="connsiteY9" fmla="*/ 457821 h 485775"/>
-                    <a:gd name="connsiteX10" fmla="*/ 506329 w 533400"/>
-                    <a:gd name="connsiteY10" fmla="*/ 486396 h 485775"/>
-                    <a:gd name="connsiteX11" fmla="*/ 30079 w 533400"/>
-                    <a:gd name="connsiteY11" fmla="*/ 486396 h 485775"/>
-                    <a:gd name="connsiteX12" fmla="*/ 1504 w 533400"/>
-                    <a:gd name="connsiteY12" fmla="*/ 457821 h 485775"/>
-                    <a:gd name="connsiteX13" fmla="*/ 1504 w 533400"/>
-                    <a:gd name="connsiteY13" fmla="*/ 229221 h 485775"/>
-                    <a:gd name="connsiteX14" fmla="*/ 125329 w 533400"/>
-                    <a:gd name="connsiteY14" fmla="*/ 229221 h 485775"/>
-                    <a:gd name="connsiteX15" fmla="*/ 372979 w 533400"/>
-                    <a:gd name="connsiteY15" fmla="*/ 621 h 485775"/>
-                    <a:gd name="connsiteX16" fmla="*/ 411079 w 533400"/>
-                    <a:gd name="connsiteY16" fmla="*/ 36816 h 485775"/>
-                    <a:gd name="connsiteX17" fmla="*/ 411079 w 533400"/>
-                    <a:gd name="connsiteY17" fmla="*/ 38721 h 485775"/>
-                    <a:gd name="connsiteX18" fmla="*/ 411079 w 533400"/>
-                    <a:gd name="connsiteY18" fmla="*/ 114921 h 485775"/>
-                    <a:gd name="connsiteX19" fmla="*/ 506329 w 533400"/>
-                    <a:gd name="connsiteY19" fmla="*/ 114921 h 485775"/>
-                    <a:gd name="connsiteX20" fmla="*/ 534904 w 533400"/>
-                    <a:gd name="connsiteY20" fmla="*/ 143496 h 485775"/>
-                    <a:gd name="connsiteX21" fmla="*/ 534904 w 533400"/>
-                    <a:gd name="connsiteY21" fmla="*/ 210171 h 485775"/>
-                    <a:gd name="connsiteX22" fmla="*/ 1504 w 533400"/>
-                    <a:gd name="connsiteY22" fmla="*/ 210171 h 485775"/>
-                    <a:gd name="connsiteX23" fmla="*/ 1504 w 533400"/>
-                    <a:gd name="connsiteY23" fmla="*/ 143496 h 485775"/>
-                    <a:gd name="connsiteX24" fmla="*/ 30079 w 533400"/>
-                    <a:gd name="connsiteY24" fmla="*/ 114921 h 485775"/>
-                    <a:gd name="connsiteX25" fmla="*/ 125329 w 533400"/>
-                    <a:gd name="connsiteY25" fmla="*/ 114921 h 485775"/>
-                    <a:gd name="connsiteX26" fmla="*/ 125329 w 533400"/>
-                    <a:gd name="connsiteY26" fmla="*/ 38721 h 485775"/>
-                    <a:gd name="connsiteX27" fmla="*/ 161524 w 533400"/>
-                    <a:gd name="connsiteY27" fmla="*/ 621 h 485775"/>
-                    <a:gd name="connsiteX28" fmla="*/ 163429 w 533400"/>
-                    <a:gd name="connsiteY28" fmla="*/ 621 h 485775"/>
-                    <a:gd name="connsiteX29" fmla="*/ 372979 w 533400"/>
-                    <a:gd name="connsiteY29" fmla="*/ 621 h 485775"/>
-                    <a:gd name="connsiteX30" fmla="*/ 372979 w 533400"/>
-                    <a:gd name="connsiteY30" fmla="*/ 19671 h 485775"/>
-                    <a:gd name="connsiteX31" fmla="*/ 163429 w 533400"/>
-                    <a:gd name="connsiteY31" fmla="*/ 19671 h 485775"/>
-                    <a:gd name="connsiteX32" fmla="*/ 144474 w 533400"/>
-                    <a:gd name="connsiteY32" fmla="*/ 37292 h 485775"/>
-                    <a:gd name="connsiteX33" fmla="*/ 144379 w 533400"/>
-                    <a:gd name="connsiteY33" fmla="*/ 38721 h 485775"/>
-                    <a:gd name="connsiteX34" fmla="*/ 144379 w 533400"/>
-                    <a:gd name="connsiteY34" fmla="*/ 114921 h 485775"/>
-                    <a:gd name="connsiteX35" fmla="*/ 392029 w 533400"/>
-                    <a:gd name="connsiteY35" fmla="*/ 114921 h 485775"/>
-                    <a:gd name="connsiteX36" fmla="*/ 392029 w 533400"/>
-                    <a:gd name="connsiteY36" fmla="*/ 38721 h 485775"/>
-                    <a:gd name="connsiteX37" fmla="*/ 375836 w 533400"/>
-                    <a:gd name="connsiteY37" fmla="*/ 19862 h 485775"/>
-                    <a:gd name="connsiteX38" fmla="*/ 374408 w 533400"/>
-                    <a:gd name="connsiteY38" fmla="*/ 19671 h 485775"/>
-                    <a:gd name="connsiteX39" fmla="*/ 372979 w 533400"/>
-                    <a:gd name="connsiteY39" fmla="*/ 19671 h 485775"/>
-                  </a:gdLst>
-                  <a:ahLst/>
-                  <a:cxnLst>
-                    <a:cxn ang="0">
-                      <a:pos x="connsiteX0" y="connsiteY0"/>
-                    </a:cxn>
-                    <a:cxn ang="0">
-                      <a:pos x="connsiteX1" y="connsiteY1"/>
-                    </a:cxn>
-                    <a:cxn ang="0">
-                      <a:pos x="connsiteX2" y="connsiteY2"/>
-                    </a:cxn>
-                    <a:cxn ang="0">
-                      <a:pos x="connsiteX3" y="connsiteY3"/>
-                    </a:cxn>
-                    <a:cxn ang="0">
-                      <a:pos x="connsiteX4" y="connsiteY4"/>
-                    </a:cxn>
-                    <a:cxn ang="0">
-                      <a:pos x="connsiteX5" y="connsiteY5"/>
-                    </a:cxn>
-                    <a:cxn ang="0">
-                      <a:pos x="connsiteX6" y="connsiteY6"/>
-                    </a:cxn>
-                    <a:cxn ang="0">
-                      <a:pos x="connsiteX7" y="connsiteY7"/>
-                    </a:cxn>
-                    <a:cxn ang="0">
-                      <a:pos x="connsiteX8" y="connsiteY8"/>
-                    </a:cxn>
-                    <a:cxn ang="0">
-                      <a:pos x="connsiteX9" y="connsiteY9"/>
-                    </a:cxn>
-                    <a:cxn ang="0">
-                      <a:pos x="connsiteX10" y="connsiteY10"/>
-                    </a:cxn>
-                    <a:cxn ang="0">
-                      <a:pos x="connsiteX11" y="connsiteY11"/>
-                    </a:cxn>
-                    <a:cxn ang="0">
-                      <a:pos x="connsiteX12" y="connsiteY12"/>
-                    </a:cxn>
-                    <a:cxn ang="0">
-                      <a:pos x="connsiteX13" y="connsiteY13"/>
-                    </a:cxn>
-                    <a:cxn ang="0">
-                      <a:pos x="connsiteX14" y="connsiteY14"/>
-                    </a:cxn>
-                    <a:cxn ang="0">
-                      <a:pos x="connsiteX15" y="connsiteY15"/>
-                    </a:cxn>
-                    <a:cxn ang="0">
-                      <a:pos x="connsiteX16" y="connsiteY16"/>
-                    </a:cxn>
-                    <a:cxn ang="0">
-                      <a:pos x="connsiteX17" y="connsiteY17"/>
-                    </a:cxn>
-                    <a:cxn ang="0">
-                      <a:pos x="connsiteX18" y="connsiteY18"/>
-                    </a:cxn>
-                    <a:cxn ang="0">
-                      <a:pos x="connsiteX19" y="connsiteY19"/>
-                    </a:cxn>
-                    <a:cxn ang="0">
-                      <a:pos x="connsiteX20" y="connsiteY20"/>
-                    </a:cxn>
-                    <a:cxn ang="0">
-                      <a:pos x="connsiteX21" y="connsiteY21"/>
-                    </a:cxn>
-                    <a:cxn ang="0">
-                      <a:pos x="connsiteX22" y="connsiteY22"/>
-                    </a:cxn>
-                    <a:cxn ang="0">
-                      <a:pos x="connsiteX23" y="connsiteY23"/>
-                    </a:cxn>
-                    <a:cxn ang="0">
-                      <a:pos x="connsiteX24" y="connsiteY24"/>
-                    </a:cxn>
-                    <a:cxn ang="0">
-                      <a:pos x="connsiteX25" y="connsiteY25"/>
-                    </a:cxn>
-                    <a:cxn ang="0">
-                      <a:pos x="connsiteX26" y="connsiteY26"/>
-                    </a:cxn>
-                    <a:cxn ang="0">
-                      <a:pos x="connsiteX27" y="connsiteY27"/>
-                    </a:cxn>
-                    <a:cxn ang="0">
-                      <a:pos x="connsiteX28" y="connsiteY28"/>
-                    </a:cxn>
-                    <a:cxn ang="0">
-                      <a:pos x="connsiteX29" y="connsiteY29"/>
-                    </a:cxn>
-                    <a:cxn ang="0">
-                      <a:pos x="connsiteX30" y="connsiteY30"/>
-                    </a:cxn>
-                    <a:cxn ang="0">
-                      <a:pos x="connsiteX31" y="connsiteY31"/>
-                    </a:cxn>
-                    <a:cxn ang="0">
-                      <a:pos x="connsiteX32" y="connsiteY32"/>
-                    </a:cxn>
-                    <a:cxn ang="0">
-                      <a:pos x="connsiteX33" y="connsiteY33"/>
-                    </a:cxn>
-                    <a:cxn ang="0">
-                      <a:pos x="connsiteX34" y="connsiteY34"/>
-                    </a:cxn>
-                    <a:cxn ang="0">
-                      <a:pos x="connsiteX35" y="connsiteY35"/>
-                    </a:cxn>
-                    <a:cxn ang="0">
-                      <a:pos x="connsiteX36" y="connsiteY36"/>
-                    </a:cxn>
-                    <a:cxn ang="0">
-                      <a:pos x="connsiteX37" y="connsiteY37"/>
-                    </a:cxn>
-                    <a:cxn ang="0">
-                      <a:pos x="connsiteX38" y="connsiteY38"/>
-                    </a:cxn>
-                    <a:cxn ang="0">
-                      <a:pos x="connsiteX39" y="connsiteY39"/>
-                    </a:cxn>
-                  </a:cxnLst>
-                  <a:rect l="l" t="t" r="r" b="b"/>
-                  <a:pathLst>
-                    <a:path w="533400" h="485775" fill="norm" stroke="1" extrusionOk="0">
-                      <a:moveTo>
-                        <a:pt x="125329" y="229221"/>
-                      </a:moveTo>
-                      <a:lnTo>
-                        <a:pt x="125329" y="276846"/>
-                      </a:lnTo>
-                      <a:lnTo>
-                        <a:pt x="144379" y="276846"/>
-                      </a:lnTo>
-                      <a:lnTo>
-                        <a:pt x="144379" y="229221"/>
-                      </a:lnTo>
-                      <a:lnTo>
-                        <a:pt x="392029" y="229221"/>
-                      </a:lnTo>
-                      <a:lnTo>
-                        <a:pt x="392029" y="276846"/>
-                      </a:lnTo>
-                      <a:lnTo>
-                        <a:pt x="411079" y="276846"/>
-                      </a:lnTo>
-                      <a:lnTo>
-                        <a:pt x="411079" y="229221"/>
-                      </a:lnTo>
-                      <a:lnTo>
-                        <a:pt x="534904" y="229221"/>
-                      </a:lnTo>
-                      <a:lnTo>
-                        <a:pt x="534904" y="457821"/>
-                      </a:lnTo>
-                      <a:cubicBezTo>
-                        <a:pt x="534904" y="473632"/>
-                        <a:pt x="522141" y="486396"/>
-                        <a:pt x="506329" y="486396"/>
-                      </a:cubicBezTo>
-                      <a:lnTo>
-                        <a:pt x="30079" y="486396"/>
-                      </a:lnTo>
-                      <a:cubicBezTo>
-                        <a:pt x="14267" y="486396"/>
-                        <a:pt x="1504" y="473632"/>
-                        <a:pt x="1504" y="457821"/>
-                      </a:cubicBezTo>
-                      <a:lnTo>
-                        <a:pt x="1504" y="229221"/>
-                      </a:lnTo>
-                      <a:lnTo>
-                        <a:pt x="125329" y="229221"/>
-                      </a:lnTo>
-                      <a:close/>
-                      <a:moveTo>
-                        <a:pt x="372979" y="621"/>
-                      </a:moveTo>
-                      <a:cubicBezTo>
-                        <a:pt x="393363" y="621"/>
-                        <a:pt x="410031" y="16623"/>
-                        <a:pt x="411079" y="36816"/>
-                      </a:cubicBezTo>
-                      <a:lnTo>
-                        <a:pt x="411079" y="38721"/>
-                      </a:lnTo>
-                      <a:lnTo>
-                        <a:pt x="411079" y="114921"/>
-                      </a:lnTo>
-                      <a:lnTo>
-                        <a:pt x="506329" y="114921"/>
-                      </a:lnTo>
-                      <a:cubicBezTo>
-                        <a:pt x="522141" y="114921"/>
-                        <a:pt x="534904" y="127685"/>
-                        <a:pt x="534904" y="143496"/>
-                      </a:cubicBezTo>
-                      <a:lnTo>
-                        <a:pt x="534904" y="210171"/>
-                      </a:lnTo>
-                      <a:lnTo>
-                        <a:pt x="1504" y="210171"/>
-                      </a:lnTo>
-                      <a:lnTo>
-                        <a:pt x="1504" y="143496"/>
-                      </a:lnTo>
-                      <a:cubicBezTo>
-                        <a:pt x="1504" y="127685"/>
-                        <a:pt x="14267" y="114921"/>
-                        <a:pt x="30079" y="114921"/>
-                      </a:cubicBezTo>
-                      <a:lnTo>
-                        <a:pt x="125329" y="114921"/>
-                      </a:lnTo>
-                      <a:lnTo>
-                        <a:pt x="125329" y="38721"/>
-                      </a:lnTo>
-                      <a:cubicBezTo>
-                        <a:pt x="125329" y="18337"/>
-                        <a:pt x="141331" y="1669"/>
-                        <a:pt x="161524" y="621"/>
-                      </a:cubicBezTo>
-                      <a:lnTo>
-                        <a:pt x="163429" y="621"/>
-                      </a:lnTo>
-                      <a:lnTo>
-                        <a:pt x="372979" y="621"/>
-                      </a:lnTo>
-                      <a:close/>
-                      <a:moveTo>
-                        <a:pt x="372979" y="19671"/>
-                      </a:moveTo>
-                      <a:lnTo>
-                        <a:pt x="163429" y="19671"/>
-                      </a:lnTo>
-                      <a:cubicBezTo>
-                        <a:pt x="153428" y="19671"/>
-                        <a:pt x="145141" y="27482"/>
-                        <a:pt x="144474" y="37292"/>
-                      </a:cubicBezTo>
-                      <a:lnTo>
-                        <a:pt x="144379" y="38721"/>
-                      </a:lnTo>
-                      <a:lnTo>
-                        <a:pt x="144379" y="114921"/>
-                      </a:lnTo>
-                      <a:lnTo>
-                        <a:pt x="392029" y="114921"/>
-                      </a:lnTo>
-                      <a:lnTo>
-                        <a:pt x="392029" y="38721"/>
-                      </a:lnTo>
-                      <a:cubicBezTo>
-                        <a:pt x="392029" y="29196"/>
-                        <a:pt x="384981" y="21290"/>
-                        <a:pt x="375836" y="19862"/>
-                      </a:cubicBezTo>
-                      <a:lnTo>
-                        <a:pt x="374408" y="19671"/>
-                      </a:lnTo>
-                      <a:lnTo>
-                        <a:pt x="372979" y="19671"/>
-                      </a:lnTo>
-                      <a:close/>
-                    </a:path>
-                  </a:pathLst>
-                </a:custGeom>
-                <a:solidFill>
-                  <a:srgbClr val="FFFFFF"/>
-                </a:solidFill>
-                <a:ln>
-                  <a:noFill/>
-                </a:ln>
-              </p:spPr>
-              <p:txBody>
-                <a:bodyPr/>
-                <a:lstStyle>
-                  <a:defPPr>
-                    <a:defRPr lang="zh-CN"/>
-                  </a:defPPr>
-                  <a:lvl1pPr marL="0" algn="l" defTabSz="914400">
-                    <a:defRPr sz="1800">
-                      <a:solidFill>
-                        <a:schemeClr val="tx1"/>
-                      </a:solidFill>
-                    </a:defRPr>
-                  </a:lvl1pPr>
-                  <a:lvl2pPr marL="457200" algn="l" defTabSz="914400">
-                    <a:defRPr sz="1800">
-                      <a:solidFill>
-                        <a:schemeClr val="tx1"/>
-                      </a:solidFill>
-                    </a:defRPr>
-                  </a:lvl2pPr>
-                  <a:lvl3pPr marL="914400" algn="l" defTabSz="914400">
-                    <a:defRPr sz="1800">
-                      <a:solidFill>
-                        <a:schemeClr val="tx1"/>
-                      </a:solidFill>
-                    </a:defRPr>
-                  </a:lvl3pPr>
-                  <a:lvl4pPr marL="1371600" algn="l" defTabSz="914400">
-                    <a:defRPr sz="1800">
-                      <a:solidFill>
-                        <a:schemeClr val="tx1"/>
-                      </a:solidFill>
-                    </a:defRPr>
-                  </a:lvl4pPr>
-                  <a:lvl5pPr marL="1828800" algn="l" defTabSz="914400">
-                    <a:defRPr sz="1800">
-                      <a:solidFill>
-                        <a:schemeClr val="tx1"/>
-                      </a:solidFill>
-                    </a:defRPr>
-                  </a:lvl5pPr>
-                  <a:lvl6pPr marL="2286000" algn="l" defTabSz="914400">
-                    <a:defRPr sz="1800">
-                      <a:solidFill>
-                        <a:schemeClr val="tx1"/>
-                      </a:solidFill>
-                    </a:defRPr>
-                  </a:lvl6pPr>
-                  <a:lvl7pPr marL="2743200" algn="l" defTabSz="914400">
-                    <a:defRPr sz="1800">
-                      <a:solidFill>
-                        <a:schemeClr val="tx1"/>
-                      </a:solidFill>
-                    </a:defRPr>
-                  </a:lvl7pPr>
-                  <a:lvl8pPr marL="3200400" algn="l" defTabSz="914400">
-                    <a:defRPr sz="1800">
-                      <a:solidFill>
-                        <a:schemeClr val="tx1"/>
-                      </a:solidFill>
-                    </a:defRPr>
-                  </a:lvl8pPr>
-                  <a:lvl9pPr marL="3657600" algn="l" defTabSz="914400">
-                    <a:defRPr sz="1800">
-                      <a:solidFill>
-                        <a:schemeClr val="tx1"/>
-                      </a:solidFill>
-                    </a:defRPr>
-                  </a:lvl9pPr>
-                </a:lstStyle>
-                <a:p>
-                  <a:pPr>
-                    <a:defRPr/>
-                  </a:pPr>
-                  <a:endParaRPr lang="zh-CN"/>
-                </a:p>
-              </p:txBody>
-            </p:sp>
-          </p:grpSp>
-        </p:grpSp>
-        <p:grpSp>
-          <p:nvGrpSpPr>
-            <p:cNvPr id="24" name="组合 23"/>
-            <p:cNvGrpSpPr/>
-            <p:nvPr/>
-          </p:nvGrpSpPr>
-          <p:grpSpPr bwMode="auto">
-            <a:xfrm>
-              <a:off x="3959774" y="4241472"/>
-              <a:ext cx="7013375" cy="808532"/>
-              <a:chOff x="3959774" y="4241472"/>
-              <a:chExt cx="7013375" cy="808532"/>
-            </a:xfrm>
-          </p:grpSpPr>
-          <p:sp>
-            <p:nvSpPr>
-              <p:cNvPr id="10" name="文本框 9"/>
-              <p:cNvSpPr txBox="1"/>
-              <p:nvPr/>
-            </p:nvSpPr>
-            <p:spPr bwMode="auto">
-              <a:xfrm>
-                <a:off x="4647300" y="4342118"/>
-                <a:ext cx="6325849" cy="707886"/>
-              </a:xfrm>
-              <a:prstGeom prst="rect">
-                <a:avLst/>
-              </a:prstGeom>
-              <a:noFill/>
-            </p:spPr>
-            <p:txBody>
-              <a:bodyPr wrap="square" rtlCol="0">
-                <a:spAutoFit/>
-              </a:bodyPr>
-              <a:lstStyle/>
-              <a:p>
-                <a:pPr>
-                  <a:defRPr/>
-                </a:pPr>
-                <a:r>
-                  <a:rPr lang="zh-CN" sz="2000"/>
-                  <a:t>缺点：</a:t>
-                </a:r>
-                <a:r>
-                  <a:rPr lang="en-US" sz="2000"/>
-                  <a:t>AI</a:t>
-                </a:r>
-                <a:r>
-                  <a:rPr lang="zh-CN" sz="2000"/>
-                  <a:t>生图具有随机性，且设计图形的整个周期耗时</a:t>
-                </a:r>
-                <a:r>
-                  <a:rPr lang="en-US" sz="2000"/>
-                  <a:t>    	</a:t>
-                </a:r>
-                <a:r>
-                  <a:rPr lang="zh-CN" sz="2000"/>
-                  <a:t>较长</a:t>
-                </a:r>
-                <a:endParaRPr/>
-              </a:p>
-            </p:txBody>
-          </p:sp>
-          <p:sp>
-            <p:nvSpPr>
-              <p:cNvPr id="22" name="圆角矩形 21"/>
-              <p:cNvSpPr/>
-              <p:nvPr/>
-            </p:nvSpPr>
-            <p:spPr bwMode="auto">
-              <a:xfrm>
-                <a:off x="3959774" y="4241472"/>
-                <a:ext cx="500759" cy="500756"/>
-              </a:xfrm>
-              <a:prstGeom prst="roundRect">
-                <a:avLst>
-                  <a:gd name="adj" fmla="val 16667"/>
-                </a:avLst>
-              </a:prstGeom>
-              <a:solidFill>
-                <a:schemeClr val="accent6"/>
-              </a:solidFill>
-              <a:ln w="12700" cap="rnd">
-                <a:noFill/>
-                <a:prstDash val="solid"/>
-                <a:round/>
-                <a:headEnd/>
-                <a:tailEnd/>
-              </a:ln>
-              <a:effectLst>
-                <a:outerShdw blurRad="254000" dist="127000" algn="ctr" rotWithShape="0">
-                  <a:schemeClr val="accent6">
-                    <a:alpha val="32000"/>
-                  </a:schemeClr>
-                </a:outerShdw>
-              </a:effectLst>
-            </p:spPr>
-            <p:style>
-              <a:lnRef idx="2">
-                <a:schemeClr val="accent1">
-                  <a:shade val="50000"/>
-                </a:schemeClr>
-              </a:lnRef>
-              <a:fillRef idx="1">
-                <a:schemeClr val="accent1"/>
-              </a:fillRef>
-              <a:effectRef idx="0">
-                <a:schemeClr val="accent1"/>
-              </a:effectRef>
-              <a:fontRef idx="minor">
-                <a:schemeClr val="lt1"/>
-              </a:fontRef>
-            </p:style>
-            <p:txBody>
-              <a:bodyPr rot="0" spcFirstLastPara="0" vert="horz" wrap="square" lIns="91440" tIns="45720" rIns="91440" bIns="45720" numCol="1" spcCol="0" rtlCol="0" fromWordArt="0" anchor="ctr" anchorCtr="0" forceAA="0" compatLnSpc="1">
-                <a:prstTxWarp prst="textNoShape"/>
-                <a:normAutofit/>
-              </a:bodyPr>
-              <a:lstStyle>
-                <a:defPPr>
-                  <a:defRPr lang="zh-CN"/>
-                </a:defPPr>
-                <a:lvl1pPr marL="0" algn="l" defTabSz="914400">
-                  <a:defRPr sz="1800">
-                    <a:solidFill>
-                      <a:schemeClr val="lt1"/>
-                    </a:solidFill>
-                  </a:defRPr>
-                </a:lvl1pPr>
-                <a:lvl2pPr marL="457200" algn="l" defTabSz="914400">
-                  <a:defRPr sz="1800">
-                    <a:solidFill>
-                      <a:schemeClr val="lt1"/>
-                    </a:solidFill>
-                  </a:defRPr>
-                </a:lvl2pPr>
-                <a:lvl3pPr marL="914400" algn="l" defTabSz="914400">
-                  <a:defRPr sz="1800">
-                    <a:solidFill>
-                      <a:schemeClr val="lt1"/>
-                    </a:solidFill>
-                  </a:defRPr>
-                </a:lvl3pPr>
-                <a:lvl4pPr marL="1371600" algn="l" defTabSz="914400">
-                  <a:defRPr sz="1800">
-                    <a:solidFill>
-                      <a:schemeClr val="lt1"/>
-                    </a:solidFill>
-                  </a:defRPr>
-                </a:lvl4pPr>
-                <a:lvl5pPr marL="1828800" algn="l" defTabSz="914400">
-                  <a:defRPr sz="1800">
-                    <a:solidFill>
-                      <a:schemeClr val="lt1"/>
-                    </a:solidFill>
-                  </a:defRPr>
-                </a:lvl5pPr>
-                <a:lvl6pPr marL="2286000" algn="l" defTabSz="914400">
-                  <a:defRPr sz="1800">
-                    <a:solidFill>
-                      <a:schemeClr val="lt1"/>
-                    </a:solidFill>
-                  </a:defRPr>
-                </a:lvl6pPr>
-                <a:lvl7pPr marL="2743200" algn="l" defTabSz="914400">
-                  <a:defRPr sz="1800">
-                    <a:solidFill>
-                      <a:schemeClr val="lt1"/>
-                    </a:solidFill>
-                  </a:defRPr>
-                </a:lvl7pPr>
-                <a:lvl8pPr marL="3200400" algn="l" defTabSz="914400">
-                  <a:defRPr sz="1800">
-                    <a:solidFill>
-                      <a:schemeClr val="lt1"/>
-                    </a:solidFill>
-                  </a:defRPr>
-                </a:lvl8pPr>
-                <a:lvl9pPr marL="3657600" algn="l" defTabSz="914400">
-                  <a:defRPr sz="1800">
-                    <a:solidFill>
-                      <a:schemeClr val="lt1"/>
-                    </a:solidFill>
-                  </a:defRPr>
-                </a:lvl9pPr>
-              </a:lstStyle>
-              <a:p>
-                <a:pPr algn="ctr" defTabSz="914354">
-                  <a:defRPr/>
-                </a:pPr>
-                <a:endParaRPr lang="zh-CN" sz="2000" b="1">
-                  <a:solidFill>
-                    <a:schemeClr val="bg1"/>
-                  </a:solidFill>
-                </a:endParaRPr>
-              </a:p>
-            </p:txBody>
-          </p:sp>
-          <p:sp>
-            <p:nvSpPr>
-              <p:cNvPr id="23" name="任意多边形: 形状 22"/>
-              <p:cNvSpPr/>
-              <p:nvPr/>
-            </p:nvSpPr>
-            <p:spPr bwMode="auto">
-              <a:xfrm>
-                <a:off x="4030153" y="4311850"/>
-                <a:ext cx="360000" cy="360000"/>
-              </a:xfrm>
-              <a:custGeom>
-                <a:avLst/>
-                <a:gdLst>
-                  <a:gd name="connsiteX0" fmla="*/ 269689 w 533400"/>
-                  <a:gd name="connsiteY0" fmla="*/ 359587 h 533400"/>
-                  <a:gd name="connsiteX1" fmla="*/ 291126 w 533400"/>
-                  <a:gd name="connsiteY1" fmla="*/ 381021 h 533400"/>
-                  <a:gd name="connsiteX2" fmla="*/ 269689 w 533400"/>
-                  <a:gd name="connsiteY2" fmla="*/ 402456 h 533400"/>
-                  <a:gd name="connsiteX3" fmla="*/ 248252 w 533400"/>
-                  <a:gd name="connsiteY3" fmla="*/ 381021 h 533400"/>
-                  <a:gd name="connsiteX4" fmla="*/ 269689 w 533400"/>
-                  <a:gd name="connsiteY4" fmla="*/ 359587 h 533400"/>
-                  <a:gd name="connsiteX5" fmla="*/ 500729 w 533400"/>
-                  <a:gd name="connsiteY5" fmla="*/ 183356 h 533400"/>
-                  <a:gd name="connsiteX6" fmla="*/ 524113 w 533400"/>
-                  <a:gd name="connsiteY6" fmla="*/ 196739 h 533400"/>
-                  <a:gd name="connsiteX7" fmla="*/ 533400 w 533400"/>
-                  <a:gd name="connsiteY7" fmla="*/ 266700 h 533400"/>
-                  <a:gd name="connsiteX8" fmla="*/ 512445 w 533400"/>
-                  <a:gd name="connsiteY8" fmla="*/ 370523 h 533400"/>
-                  <a:gd name="connsiteX9" fmla="*/ 455295 w 533400"/>
-                  <a:gd name="connsiteY9" fmla="*/ 455295 h 533400"/>
-                  <a:gd name="connsiteX10" fmla="*/ 370523 w 533400"/>
-                  <a:gd name="connsiteY10" fmla="*/ 512445 h 533400"/>
-                  <a:gd name="connsiteX11" fmla="*/ 266700 w 533400"/>
-                  <a:gd name="connsiteY11" fmla="*/ 533400 h 533400"/>
-                  <a:gd name="connsiteX12" fmla="*/ 144018 w 533400"/>
-                  <a:gd name="connsiteY12" fmla="*/ 503587 h 533400"/>
-                  <a:gd name="connsiteX13" fmla="*/ 76486 w 533400"/>
-                  <a:gd name="connsiteY13" fmla="*/ 453628 h 533400"/>
-                  <a:gd name="connsiteX14" fmla="*/ 76486 w 533400"/>
-                  <a:gd name="connsiteY14" fmla="*/ 489728 h 533400"/>
-                  <a:gd name="connsiteX15" fmla="*/ 57436 w 533400"/>
-                  <a:gd name="connsiteY15" fmla="*/ 508778 h 533400"/>
-                  <a:gd name="connsiteX16" fmla="*/ 38386 w 533400"/>
-                  <a:gd name="connsiteY16" fmla="*/ 489728 h 533400"/>
-                  <a:gd name="connsiteX17" fmla="*/ 38386 w 533400"/>
-                  <a:gd name="connsiteY17" fmla="*/ 400431 h 533400"/>
-                  <a:gd name="connsiteX18" fmla="*/ 57436 w 533400"/>
-                  <a:gd name="connsiteY18" fmla="*/ 381381 h 533400"/>
-                  <a:gd name="connsiteX19" fmla="*/ 146732 w 533400"/>
-                  <a:gd name="connsiteY19" fmla="*/ 381381 h 533400"/>
-                  <a:gd name="connsiteX20" fmla="*/ 165782 w 533400"/>
-                  <a:gd name="connsiteY20" fmla="*/ 400431 h 533400"/>
-                  <a:gd name="connsiteX21" fmla="*/ 146732 w 533400"/>
-                  <a:gd name="connsiteY21" fmla="*/ 419481 h 533400"/>
-                  <a:gd name="connsiteX22" fmla="*/ 96631 w 533400"/>
-                  <a:gd name="connsiteY22" fmla="*/ 419481 h 533400"/>
-                  <a:gd name="connsiteX23" fmla="*/ 266700 w 533400"/>
-                  <a:gd name="connsiteY23" fmla="*/ 495348 h 533400"/>
-                  <a:gd name="connsiteX24" fmla="*/ 495300 w 533400"/>
-                  <a:gd name="connsiteY24" fmla="*/ 266748 h 533400"/>
-                  <a:gd name="connsiteX25" fmla="*/ 487347 w 533400"/>
-                  <a:gd name="connsiteY25" fmla="*/ 206740 h 533400"/>
-                  <a:gd name="connsiteX26" fmla="*/ 500729 w 533400"/>
-                  <a:gd name="connsiteY26" fmla="*/ 183356 h 533400"/>
-                  <a:gd name="connsiteX27" fmla="*/ 268546 w 533400"/>
-                  <a:gd name="connsiteY27" fmla="*/ 109994 h 533400"/>
-                  <a:gd name="connsiteX28" fmla="*/ 325329 w 533400"/>
-                  <a:gd name="connsiteY28" fmla="*/ 135239 h 533400"/>
-                  <a:gd name="connsiteX29" fmla="*/ 342907 w 533400"/>
-                  <a:gd name="connsiteY29" fmla="*/ 194732 h 533400"/>
-                  <a:gd name="connsiteX30" fmla="*/ 342907 w 533400"/>
-                  <a:gd name="connsiteY30" fmla="*/ 194827 h 533400"/>
-                  <a:gd name="connsiteX31" fmla="*/ 334142 w 533400"/>
-                  <a:gd name="connsiteY31" fmla="*/ 228170 h 533400"/>
-                  <a:gd name="connsiteX32" fmla="*/ 318374 w 533400"/>
-                  <a:gd name="connsiteY32" fmla="*/ 250938 h 533400"/>
-                  <a:gd name="connsiteX33" fmla="*/ 303607 w 533400"/>
-                  <a:gd name="connsiteY33" fmla="*/ 267847 h 533400"/>
-                  <a:gd name="connsiteX34" fmla="*/ 293127 w 533400"/>
-                  <a:gd name="connsiteY34" fmla="*/ 284566 h 533400"/>
-                  <a:gd name="connsiteX35" fmla="*/ 287934 w 533400"/>
-                  <a:gd name="connsiteY35" fmla="*/ 307954 h 533400"/>
-                  <a:gd name="connsiteX36" fmla="*/ 268927 w 533400"/>
-                  <a:gd name="connsiteY36" fmla="*/ 325720 h 533400"/>
-                  <a:gd name="connsiteX37" fmla="*/ 267593 w 533400"/>
-                  <a:gd name="connsiteY37" fmla="*/ 325673 h 533400"/>
-                  <a:gd name="connsiteX38" fmla="*/ 249920 w 533400"/>
-                  <a:gd name="connsiteY38" fmla="*/ 305286 h 533400"/>
-                  <a:gd name="connsiteX39" fmla="*/ 258542 w 533400"/>
-                  <a:gd name="connsiteY39" fmla="*/ 268419 h 533400"/>
-                  <a:gd name="connsiteX40" fmla="*/ 274500 w 533400"/>
-                  <a:gd name="connsiteY40" fmla="*/ 243126 h 533400"/>
-                  <a:gd name="connsiteX41" fmla="*/ 290030 w 533400"/>
-                  <a:gd name="connsiteY41" fmla="*/ 225407 h 533400"/>
-                  <a:gd name="connsiteX42" fmla="*/ 300415 w 533400"/>
-                  <a:gd name="connsiteY42" fmla="*/ 210450 h 533400"/>
-                  <a:gd name="connsiteX43" fmla="*/ 304845 w 533400"/>
-                  <a:gd name="connsiteY43" fmla="*/ 192207 h 533400"/>
-                  <a:gd name="connsiteX44" fmla="*/ 304845 w 533400"/>
-                  <a:gd name="connsiteY44" fmla="*/ 192112 h 533400"/>
-                  <a:gd name="connsiteX45" fmla="*/ 296747 w 533400"/>
-                  <a:gd name="connsiteY45" fmla="*/ 160484 h 533400"/>
-                  <a:gd name="connsiteX46" fmla="*/ 265878 w 533400"/>
-                  <a:gd name="connsiteY46" fmla="*/ 148052 h 533400"/>
-                  <a:gd name="connsiteX47" fmla="*/ 235533 w 533400"/>
-                  <a:gd name="connsiteY47" fmla="*/ 157293 h 533400"/>
-                  <a:gd name="connsiteX48" fmla="*/ 220861 w 533400"/>
-                  <a:gd name="connsiteY48" fmla="*/ 193732 h 533400"/>
-                  <a:gd name="connsiteX49" fmla="*/ 200520 w 533400"/>
-                  <a:gd name="connsiteY49" fmla="*/ 211165 h 533400"/>
-                  <a:gd name="connsiteX50" fmla="*/ 182847 w 533400"/>
-                  <a:gd name="connsiteY50" fmla="*/ 190778 h 533400"/>
-                  <a:gd name="connsiteX51" fmla="*/ 182847 w 533400"/>
-                  <a:gd name="connsiteY51" fmla="*/ 190635 h 533400"/>
-                  <a:gd name="connsiteX52" fmla="*/ 182894 w 533400"/>
-                  <a:gd name="connsiteY52" fmla="*/ 189969 h 533400"/>
-                  <a:gd name="connsiteX53" fmla="*/ 209190 w 533400"/>
-                  <a:gd name="connsiteY53" fmla="*/ 129762 h 533400"/>
-                  <a:gd name="connsiteX54" fmla="*/ 268546 w 533400"/>
-                  <a:gd name="connsiteY54" fmla="*/ 109994 h 533400"/>
-                  <a:gd name="connsiteX55" fmla="*/ 266700 w 533400"/>
-                  <a:gd name="connsiteY55" fmla="*/ 0 h 533400"/>
-                  <a:gd name="connsiteX56" fmla="*/ 377666 w 533400"/>
-                  <a:gd name="connsiteY56" fmla="*/ 24098 h 533400"/>
-                  <a:gd name="connsiteX57" fmla="*/ 458105 w 533400"/>
-                  <a:gd name="connsiteY57" fmla="*/ 80963 h 533400"/>
-                  <a:gd name="connsiteX58" fmla="*/ 458105 w 533400"/>
-                  <a:gd name="connsiteY58" fmla="*/ 44339 h 533400"/>
-                  <a:gd name="connsiteX59" fmla="*/ 477155 w 533400"/>
-                  <a:gd name="connsiteY59" fmla="*/ 25289 h 533400"/>
-                  <a:gd name="connsiteX60" fmla="*/ 496205 w 533400"/>
-                  <a:gd name="connsiteY60" fmla="*/ 44339 h 533400"/>
-                  <a:gd name="connsiteX61" fmla="*/ 496205 w 533400"/>
-                  <a:gd name="connsiteY61" fmla="*/ 133636 h 533400"/>
-                  <a:gd name="connsiteX62" fmla="*/ 477155 w 533400"/>
-                  <a:gd name="connsiteY62" fmla="*/ 152686 h 533400"/>
-                  <a:gd name="connsiteX63" fmla="*/ 387858 w 533400"/>
-                  <a:gd name="connsiteY63" fmla="*/ 152686 h 533400"/>
-                  <a:gd name="connsiteX64" fmla="*/ 368808 w 533400"/>
-                  <a:gd name="connsiteY64" fmla="*/ 133636 h 533400"/>
-                  <a:gd name="connsiteX65" fmla="*/ 387858 w 533400"/>
-                  <a:gd name="connsiteY65" fmla="*/ 114586 h 533400"/>
-                  <a:gd name="connsiteX66" fmla="*/ 437388 w 533400"/>
-                  <a:gd name="connsiteY66" fmla="*/ 114586 h 533400"/>
-                  <a:gd name="connsiteX67" fmla="*/ 266700 w 533400"/>
-                  <a:gd name="connsiteY67" fmla="*/ 38100 h 533400"/>
-                  <a:gd name="connsiteX68" fmla="*/ 38100 w 533400"/>
-                  <a:gd name="connsiteY68" fmla="*/ 266700 h 533400"/>
-                  <a:gd name="connsiteX69" fmla="*/ 46101 w 533400"/>
-                  <a:gd name="connsiteY69" fmla="*/ 326850 h 533400"/>
-                  <a:gd name="connsiteX70" fmla="*/ 32671 w 533400"/>
-                  <a:gd name="connsiteY70" fmla="*/ 350187 h 533400"/>
-                  <a:gd name="connsiteX71" fmla="*/ 27670 w 533400"/>
-                  <a:gd name="connsiteY71" fmla="*/ 350806 h 533400"/>
-                  <a:gd name="connsiteX72" fmla="*/ 9287 w 533400"/>
-                  <a:gd name="connsiteY72" fmla="*/ 336756 h 533400"/>
-                  <a:gd name="connsiteX73" fmla="*/ 0 w 533400"/>
-                  <a:gd name="connsiteY73" fmla="*/ 266700 h 533400"/>
-                  <a:gd name="connsiteX74" fmla="*/ 20955 w 533400"/>
-                  <a:gd name="connsiteY74" fmla="*/ 162877 h 533400"/>
-                  <a:gd name="connsiteX75" fmla="*/ 78105 w 533400"/>
-                  <a:gd name="connsiteY75" fmla="*/ 78105 h 533400"/>
-                  <a:gd name="connsiteX76" fmla="*/ 162877 w 533400"/>
-                  <a:gd name="connsiteY76" fmla="*/ 20955 h 533400"/>
-                  <a:gd name="connsiteX77" fmla="*/ 266700 w 533400"/>
-                  <a:gd name="connsiteY77" fmla="*/ 0 h 533400"/>
-                </a:gdLst>
-                <a:ahLst/>
-                <a:cxnLst>
-                  <a:cxn ang="0">
-                    <a:pos x="connsiteX0" y="connsiteY0"/>
-                  </a:cxn>
-                  <a:cxn ang="0">
-                    <a:pos x="connsiteX1" y="connsiteY1"/>
-                  </a:cxn>
-                  <a:cxn ang="0">
-                    <a:pos x="connsiteX2" y="connsiteY2"/>
-                  </a:cxn>
-                  <a:cxn ang="0">
-                    <a:pos x="connsiteX3" y="connsiteY3"/>
-                  </a:cxn>
-                  <a:cxn ang="0">
-                    <a:pos x="connsiteX4" y="connsiteY4"/>
-                  </a:cxn>
-                  <a:cxn ang="0">
-                    <a:pos x="connsiteX5" y="connsiteY5"/>
-                  </a:cxn>
-                  <a:cxn ang="0">
-                    <a:pos x="connsiteX6" y="connsiteY6"/>
-                  </a:cxn>
-                  <a:cxn ang="0">
-                    <a:pos x="connsiteX7" y="connsiteY7"/>
-                  </a:cxn>
-                  <a:cxn ang="0">
-                    <a:pos x="connsiteX8" y="connsiteY8"/>
-                  </a:cxn>
-                  <a:cxn ang="0">
-                    <a:pos x="connsiteX9" y="connsiteY9"/>
-                  </a:cxn>
-                  <a:cxn ang="0">
-                    <a:pos x="connsiteX10" y="connsiteY10"/>
-                  </a:cxn>
-                  <a:cxn ang="0">
-                    <a:pos x="connsiteX11" y="connsiteY11"/>
-                  </a:cxn>
-                  <a:cxn ang="0">
-                    <a:pos x="connsiteX12" y="connsiteY12"/>
-                  </a:cxn>
-                  <a:cxn ang="0">
-                    <a:pos x="connsiteX13" y="connsiteY13"/>
-                  </a:cxn>
-                  <a:cxn ang="0">
-                    <a:pos x="connsiteX14" y="connsiteY14"/>
-                  </a:cxn>
-                  <a:cxn ang="0">
-                    <a:pos x="connsiteX15" y="connsiteY15"/>
-                  </a:cxn>
-                  <a:cxn ang="0">
-                    <a:pos x="connsiteX16" y="connsiteY16"/>
-                  </a:cxn>
-                  <a:cxn ang="0">
-                    <a:pos x="connsiteX17" y="connsiteY17"/>
-                  </a:cxn>
-                  <a:cxn ang="0">
-                    <a:pos x="connsiteX18" y="connsiteY18"/>
-                  </a:cxn>
-                  <a:cxn ang="0">
-                    <a:pos x="connsiteX19" y="connsiteY19"/>
-                  </a:cxn>
-                  <a:cxn ang="0">
-                    <a:pos x="connsiteX20" y="connsiteY20"/>
-                  </a:cxn>
-                  <a:cxn ang="0">
-                    <a:pos x="connsiteX21" y="connsiteY21"/>
-                  </a:cxn>
-                  <a:cxn ang="0">
-                    <a:pos x="connsiteX22" y="connsiteY22"/>
-                  </a:cxn>
-                  <a:cxn ang="0">
-                    <a:pos x="connsiteX23" y="connsiteY23"/>
-                  </a:cxn>
-                  <a:cxn ang="0">
-                    <a:pos x="connsiteX24" y="connsiteY24"/>
-                  </a:cxn>
-                  <a:cxn ang="0">
-                    <a:pos x="connsiteX25" y="connsiteY25"/>
-                  </a:cxn>
-                  <a:cxn ang="0">
-                    <a:pos x="connsiteX26" y="connsiteY26"/>
-                  </a:cxn>
-                  <a:cxn ang="0">
-                    <a:pos x="connsiteX27" y="connsiteY27"/>
-                  </a:cxn>
-                  <a:cxn ang="0">
-                    <a:pos x="connsiteX28" y="connsiteY28"/>
-                  </a:cxn>
-                  <a:cxn ang="0">
-                    <a:pos x="connsiteX29" y="connsiteY29"/>
-                  </a:cxn>
-                  <a:cxn ang="0">
-                    <a:pos x="connsiteX30" y="connsiteY30"/>
-                  </a:cxn>
-                  <a:cxn ang="0">
-                    <a:pos x="connsiteX31" y="connsiteY31"/>
-                  </a:cxn>
-                  <a:cxn ang="0">
-                    <a:pos x="connsiteX32" y="connsiteY32"/>
-                  </a:cxn>
-                  <a:cxn ang="0">
-                    <a:pos x="connsiteX33" y="connsiteY33"/>
-                  </a:cxn>
-                  <a:cxn ang="0">
-                    <a:pos x="connsiteX34" y="connsiteY34"/>
-                  </a:cxn>
-                  <a:cxn ang="0">
-                    <a:pos x="connsiteX35" y="connsiteY35"/>
-                  </a:cxn>
-                  <a:cxn ang="0">
-                    <a:pos x="connsiteX36" y="connsiteY36"/>
-                  </a:cxn>
-                  <a:cxn ang="0">
-                    <a:pos x="connsiteX37" y="connsiteY37"/>
-                  </a:cxn>
-                  <a:cxn ang="0">
-                    <a:pos x="connsiteX38" y="connsiteY38"/>
-                  </a:cxn>
-                  <a:cxn ang="0">
-                    <a:pos x="connsiteX39" y="connsiteY39"/>
-                  </a:cxn>
-                  <a:cxn ang="0">
-                    <a:pos x="connsiteX40" y="connsiteY40"/>
-                  </a:cxn>
-                  <a:cxn ang="0">
-                    <a:pos x="connsiteX41" y="connsiteY41"/>
-                  </a:cxn>
-                  <a:cxn ang="0">
-                    <a:pos x="connsiteX42" y="connsiteY42"/>
-                  </a:cxn>
-                  <a:cxn ang="0">
-                    <a:pos x="connsiteX43" y="connsiteY43"/>
-                  </a:cxn>
-                  <a:cxn ang="0">
-                    <a:pos x="connsiteX44" y="connsiteY44"/>
-                  </a:cxn>
-                  <a:cxn ang="0">
-                    <a:pos x="connsiteX45" y="connsiteY45"/>
-                  </a:cxn>
-                  <a:cxn ang="0">
-                    <a:pos x="connsiteX46" y="connsiteY46"/>
-                  </a:cxn>
-                  <a:cxn ang="0">
-                    <a:pos x="connsiteX47" y="connsiteY47"/>
-                  </a:cxn>
-                  <a:cxn ang="0">
-                    <a:pos x="connsiteX48" y="connsiteY48"/>
-                  </a:cxn>
-                  <a:cxn ang="0">
-                    <a:pos x="connsiteX49" y="connsiteY49"/>
-                  </a:cxn>
-                  <a:cxn ang="0">
-                    <a:pos x="connsiteX50" y="connsiteY50"/>
-                  </a:cxn>
-                  <a:cxn ang="0">
-                    <a:pos x="connsiteX51" y="connsiteY51"/>
-                  </a:cxn>
-                  <a:cxn ang="0">
-                    <a:pos x="connsiteX52" y="connsiteY52"/>
-                  </a:cxn>
-                  <a:cxn ang="0">
-                    <a:pos x="connsiteX53" y="connsiteY53"/>
-                  </a:cxn>
-                  <a:cxn ang="0">
-                    <a:pos x="connsiteX54" y="connsiteY54"/>
-                  </a:cxn>
-                  <a:cxn ang="0">
-                    <a:pos x="connsiteX55" y="connsiteY55"/>
-                  </a:cxn>
-                  <a:cxn ang="0">
-                    <a:pos x="connsiteX56" y="connsiteY56"/>
-                  </a:cxn>
-                  <a:cxn ang="0">
-                    <a:pos x="connsiteX57" y="connsiteY57"/>
-                  </a:cxn>
-                  <a:cxn ang="0">
-                    <a:pos x="connsiteX58" y="connsiteY58"/>
-                  </a:cxn>
-                  <a:cxn ang="0">
-                    <a:pos x="connsiteX59" y="connsiteY59"/>
-                  </a:cxn>
-                  <a:cxn ang="0">
-                    <a:pos x="connsiteX60" y="connsiteY60"/>
-                  </a:cxn>
-                  <a:cxn ang="0">
-                    <a:pos x="connsiteX61" y="connsiteY61"/>
-                  </a:cxn>
-                  <a:cxn ang="0">
-                    <a:pos x="connsiteX62" y="connsiteY62"/>
-                  </a:cxn>
-                  <a:cxn ang="0">
-                    <a:pos x="connsiteX63" y="connsiteY63"/>
-                  </a:cxn>
-                  <a:cxn ang="0">
-                    <a:pos x="connsiteX64" y="connsiteY64"/>
-                  </a:cxn>
-                  <a:cxn ang="0">
-                    <a:pos x="connsiteX65" y="connsiteY65"/>
-                  </a:cxn>
-                  <a:cxn ang="0">
-                    <a:pos x="connsiteX66" y="connsiteY66"/>
-                  </a:cxn>
-                  <a:cxn ang="0">
-                    <a:pos x="connsiteX67" y="connsiteY67"/>
-                  </a:cxn>
-                  <a:cxn ang="0">
-                    <a:pos x="connsiteX68" y="connsiteY68"/>
-                  </a:cxn>
-                  <a:cxn ang="0">
-                    <a:pos x="connsiteX69" y="connsiteY69"/>
-                  </a:cxn>
-                  <a:cxn ang="0">
-                    <a:pos x="connsiteX70" y="connsiteY70"/>
-                  </a:cxn>
-                  <a:cxn ang="0">
-                    <a:pos x="connsiteX71" y="connsiteY71"/>
-                  </a:cxn>
-                  <a:cxn ang="0">
-                    <a:pos x="connsiteX72" y="connsiteY72"/>
-                  </a:cxn>
-                  <a:cxn ang="0">
-                    <a:pos x="connsiteX73" y="connsiteY73"/>
-                  </a:cxn>
-                  <a:cxn ang="0">
-                    <a:pos x="connsiteX74" y="connsiteY74"/>
-                  </a:cxn>
-                  <a:cxn ang="0">
-                    <a:pos x="connsiteX75" y="connsiteY75"/>
-                  </a:cxn>
-                  <a:cxn ang="0">
-                    <a:pos x="connsiteX76" y="connsiteY76"/>
-                  </a:cxn>
-                  <a:cxn ang="0">
-                    <a:pos x="connsiteX77" y="connsiteY77"/>
-                  </a:cxn>
-                </a:cxnLst>
-                <a:rect l="l" t="t" r="r" b="b"/>
-                <a:pathLst>
-                  <a:path w="533400" h="533400" fill="norm" stroke="1" extrusionOk="0">
-                    <a:moveTo>
-                      <a:pt x="269689" y="359587"/>
-                    </a:moveTo>
-                    <a:cubicBezTo>
-                      <a:pt x="281503" y="359587"/>
-                      <a:pt x="291126" y="369161"/>
-                      <a:pt x="291126" y="381021"/>
-                    </a:cubicBezTo>
-                    <a:cubicBezTo>
-                      <a:pt x="291126" y="392882"/>
-                      <a:pt x="281503" y="402456"/>
-                      <a:pt x="269689" y="402456"/>
-                    </a:cubicBezTo>
-                    <a:cubicBezTo>
-                      <a:pt x="257828" y="402456"/>
-                      <a:pt x="248252" y="392882"/>
-                      <a:pt x="248252" y="381021"/>
-                    </a:cubicBezTo>
-                    <a:cubicBezTo>
-                      <a:pt x="248252" y="369161"/>
-                      <a:pt x="257828" y="359587"/>
-                      <a:pt x="269689" y="359587"/>
-                    </a:cubicBezTo>
-                    <a:close/>
-                    <a:moveTo>
-                      <a:pt x="500729" y="183356"/>
-                    </a:moveTo>
-                    <a:cubicBezTo>
-                      <a:pt x="510921" y="180642"/>
-                      <a:pt x="521399" y="186595"/>
-                      <a:pt x="524113" y="196739"/>
-                    </a:cubicBezTo>
-                    <a:cubicBezTo>
-                      <a:pt x="530305" y="219456"/>
-                      <a:pt x="533400" y="242935"/>
-                      <a:pt x="533400" y="266700"/>
-                    </a:cubicBezTo>
-                    <a:cubicBezTo>
-                      <a:pt x="533400" y="302705"/>
-                      <a:pt x="526399" y="337614"/>
-                      <a:pt x="512445" y="370523"/>
-                    </a:cubicBezTo>
-                    <a:cubicBezTo>
-                      <a:pt x="499015" y="402336"/>
-                      <a:pt x="479774" y="430816"/>
-                      <a:pt x="455295" y="455295"/>
-                    </a:cubicBezTo>
-                    <a:cubicBezTo>
-                      <a:pt x="430816" y="479774"/>
-                      <a:pt x="402336" y="499015"/>
-                      <a:pt x="370523" y="512445"/>
-                    </a:cubicBezTo>
-                    <a:cubicBezTo>
-                      <a:pt x="337614" y="526399"/>
-                      <a:pt x="302705" y="533400"/>
-                      <a:pt x="266700" y="533400"/>
-                    </a:cubicBezTo>
-                    <a:cubicBezTo>
-                      <a:pt x="224028" y="533400"/>
-                      <a:pt x="181642" y="523113"/>
-                      <a:pt x="144018" y="503587"/>
-                    </a:cubicBezTo>
-                    <a:cubicBezTo>
-                      <a:pt x="119062" y="490680"/>
-                      <a:pt x="96202" y="473678"/>
-                      <a:pt x="76486" y="453628"/>
-                    </a:cubicBezTo>
-                    <a:lnTo>
-                      <a:pt x="76486" y="489728"/>
-                    </a:lnTo>
-                    <a:cubicBezTo>
-                      <a:pt x="76486" y="500253"/>
-                      <a:pt x="68008" y="508778"/>
-                      <a:pt x="57436" y="508778"/>
-                    </a:cubicBezTo>
-                    <a:cubicBezTo>
-                      <a:pt x="46910" y="508778"/>
-                      <a:pt x="38386" y="500253"/>
-                      <a:pt x="38386" y="489728"/>
-                    </a:cubicBezTo>
-                    <a:lnTo>
-                      <a:pt x="38386" y="400431"/>
-                    </a:lnTo>
-                    <a:cubicBezTo>
-                      <a:pt x="38386" y="389858"/>
-                      <a:pt x="46910" y="381381"/>
-                      <a:pt x="57436" y="381381"/>
-                    </a:cubicBezTo>
-                    <a:lnTo>
-                      <a:pt x="146732" y="381381"/>
-                    </a:lnTo>
-                    <a:cubicBezTo>
-                      <a:pt x="157305" y="381381"/>
-                      <a:pt x="165782" y="389858"/>
-                      <a:pt x="165782" y="400431"/>
-                    </a:cubicBezTo>
-                    <a:cubicBezTo>
-                      <a:pt x="165782" y="410956"/>
-                      <a:pt x="157305" y="419481"/>
-                      <a:pt x="146732" y="419481"/>
-                    </a:cubicBezTo>
-                    <a:lnTo>
-                      <a:pt x="96631" y="419481"/>
-                    </a:lnTo>
-                    <a:cubicBezTo>
-                      <a:pt x="139732" y="467344"/>
-                      <a:pt x="201740" y="495348"/>
-                      <a:pt x="266700" y="495348"/>
-                    </a:cubicBezTo>
-                    <a:cubicBezTo>
-                      <a:pt x="392716" y="495348"/>
-                      <a:pt x="495300" y="392811"/>
-                      <a:pt x="495300" y="266748"/>
-                    </a:cubicBezTo>
-                    <a:cubicBezTo>
-                      <a:pt x="495300" y="246412"/>
-                      <a:pt x="492633" y="226219"/>
-                      <a:pt x="487347" y="206740"/>
-                    </a:cubicBezTo>
-                    <a:cubicBezTo>
-                      <a:pt x="484585" y="196596"/>
-                      <a:pt x="490538" y="186119"/>
-                      <a:pt x="500729" y="183356"/>
-                    </a:cubicBezTo>
-                    <a:close/>
-                    <a:moveTo>
-                      <a:pt x="268546" y="109994"/>
-                    </a:moveTo>
-                    <a:cubicBezTo>
-                      <a:pt x="292936" y="111661"/>
-                      <a:pt x="312086" y="120187"/>
-                      <a:pt x="325329" y="135239"/>
-                    </a:cubicBezTo>
-                    <a:cubicBezTo>
-                      <a:pt x="338763" y="150434"/>
-                      <a:pt x="344622" y="170439"/>
-                      <a:pt x="342907" y="194732"/>
-                    </a:cubicBezTo>
-                    <a:lnTo>
-                      <a:pt x="342907" y="194827"/>
-                    </a:lnTo>
-                    <a:cubicBezTo>
-                      <a:pt x="342002" y="207688"/>
-                      <a:pt x="339049" y="218881"/>
-                      <a:pt x="334142" y="228170"/>
-                    </a:cubicBezTo>
-                    <a:cubicBezTo>
-                      <a:pt x="329759" y="236601"/>
-                      <a:pt x="324472" y="244222"/>
-                      <a:pt x="318374" y="250938"/>
-                    </a:cubicBezTo>
-                    <a:cubicBezTo>
-                      <a:pt x="313420" y="256416"/>
-                      <a:pt x="308513" y="262084"/>
-                      <a:pt x="303607" y="267847"/>
-                    </a:cubicBezTo>
-                    <a:cubicBezTo>
-                      <a:pt x="299701" y="272468"/>
-                      <a:pt x="296175" y="278136"/>
-                      <a:pt x="293127" y="284566"/>
-                    </a:cubicBezTo>
-                    <a:cubicBezTo>
-                      <a:pt x="290364" y="290473"/>
-                      <a:pt x="288601" y="298332"/>
-                      <a:pt x="287934" y="307954"/>
-                    </a:cubicBezTo>
-                    <a:cubicBezTo>
-                      <a:pt x="287220" y="318052"/>
-                      <a:pt x="278883" y="325720"/>
-                      <a:pt x="268927" y="325720"/>
-                    </a:cubicBezTo>
-                    <a:cubicBezTo>
-                      <a:pt x="268498" y="325720"/>
-                      <a:pt x="268069" y="325720"/>
-                      <a:pt x="267593" y="325673"/>
-                    </a:cubicBezTo>
-                    <a:cubicBezTo>
-                      <a:pt x="257065" y="324863"/>
-                      <a:pt x="249205" y="315765"/>
-                      <a:pt x="249920" y="305286"/>
-                    </a:cubicBezTo>
-                    <a:cubicBezTo>
-                      <a:pt x="250920" y="290949"/>
-                      <a:pt x="253826" y="278565"/>
-                      <a:pt x="258542" y="268419"/>
-                    </a:cubicBezTo>
-                    <a:cubicBezTo>
-                      <a:pt x="263020" y="258845"/>
-                      <a:pt x="268355" y="250319"/>
-                      <a:pt x="274500" y="243126"/>
-                    </a:cubicBezTo>
-                    <a:cubicBezTo>
-                      <a:pt x="279598" y="237125"/>
-                      <a:pt x="284838" y="231123"/>
-                      <a:pt x="290030" y="225407"/>
-                    </a:cubicBezTo>
-                    <a:cubicBezTo>
-                      <a:pt x="293984" y="221025"/>
-                      <a:pt x="297462" y="215976"/>
-                      <a:pt x="300415" y="210450"/>
-                    </a:cubicBezTo>
-                    <a:cubicBezTo>
-                      <a:pt x="302845" y="205878"/>
-                      <a:pt x="304321" y="199733"/>
-                      <a:pt x="304845" y="192207"/>
-                    </a:cubicBezTo>
-                    <a:lnTo>
-                      <a:pt x="304845" y="192112"/>
-                    </a:lnTo>
-                    <a:cubicBezTo>
-                      <a:pt x="305846" y="178108"/>
-                      <a:pt x="303178" y="167820"/>
-                      <a:pt x="296747" y="160484"/>
-                    </a:cubicBezTo>
-                    <a:cubicBezTo>
-                      <a:pt x="290268" y="153101"/>
-                      <a:pt x="280122" y="149053"/>
-                      <a:pt x="265878" y="148052"/>
-                    </a:cubicBezTo>
-                    <a:cubicBezTo>
-                      <a:pt x="252683" y="147100"/>
-                      <a:pt x="243060" y="150053"/>
-                      <a:pt x="235533" y="157293"/>
-                    </a:cubicBezTo>
-                    <a:cubicBezTo>
-                      <a:pt x="227578" y="164962"/>
-                      <a:pt x="222624" y="177203"/>
-                      <a:pt x="220861" y="193732"/>
-                    </a:cubicBezTo>
-                    <a:cubicBezTo>
-                      <a:pt x="220004" y="204068"/>
-                      <a:pt x="210953" y="211879"/>
-                      <a:pt x="200520" y="211165"/>
-                    </a:cubicBezTo>
-                    <a:cubicBezTo>
-                      <a:pt x="189992" y="210403"/>
-                      <a:pt x="182132" y="201257"/>
-                      <a:pt x="182847" y="190778"/>
-                    </a:cubicBezTo>
-                    <a:lnTo>
-                      <a:pt x="182847" y="190635"/>
-                    </a:lnTo>
-                    <a:cubicBezTo>
-                      <a:pt x="182847" y="190397"/>
-                      <a:pt x="182894" y="190207"/>
-                      <a:pt x="182894" y="189969"/>
-                    </a:cubicBezTo>
-                    <a:cubicBezTo>
-                      <a:pt x="185657" y="164104"/>
-                      <a:pt x="194470" y="143861"/>
-                      <a:pt x="209190" y="129762"/>
-                    </a:cubicBezTo>
-                    <a:cubicBezTo>
-                      <a:pt x="224577" y="114948"/>
-                      <a:pt x="244537" y="108327"/>
-                      <a:pt x="268546" y="109994"/>
-                    </a:cubicBezTo>
-                    <a:close/>
-                    <a:moveTo>
-                      <a:pt x="266700" y="0"/>
-                    </a:moveTo>
-                    <a:cubicBezTo>
-                      <a:pt x="305419" y="0"/>
-                      <a:pt x="342757" y="8096"/>
-                      <a:pt x="377666" y="24098"/>
-                    </a:cubicBezTo>
-                    <a:cubicBezTo>
-                      <a:pt x="407956" y="38005"/>
-                      <a:pt x="434959" y="57102"/>
-                      <a:pt x="458105" y="80963"/>
-                    </a:cubicBezTo>
-                    <a:lnTo>
-                      <a:pt x="458105" y="44339"/>
-                    </a:lnTo>
-                    <a:cubicBezTo>
-                      <a:pt x="458105" y="33814"/>
-                      <a:pt x="466630" y="25289"/>
-                      <a:pt x="477155" y="25289"/>
-                    </a:cubicBezTo>
-                    <a:cubicBezTo>
-                      <a:pt x="487680" y="25289"/>
-                      <a:pt x="496205" y="33814"/>
-                      <a:pt x="496205" y="44339"/>
-                    </a:cubicBezTo>
-                    <a:lnTo>
-                      <a:pt x="496205" y="133636"/>
-                    </a:lnTo>
-                    <a:cubicBezTo>
-                      <a:pt x="496205" y="144209"/>
-                      <a:pt x="487680" y="152686"/>
-                      <a:pt x="477155" y="152686"/>
-                    </a:cubicBezTo>
-                    <a:lnTo>
-                      <a:pt x="387858" y="152686"/>
-                    </a:lnTo>
-                    <a:cubicBezTo>
-                      <a:pt x="377333" y="152686"/>
-                      <a:pt x="368808" y="144209"/>
-                      <a:pt x="368808" y="133636"/>
-                    </a:cubicBezTo>
-                    <a:cubicBezTo>
-                      <a:pt x="368808" y="123111"/>
-                      <a:pt x="377333" y="114586"/>
-                      <a:pt x="387858" y="114586"/>
-                    </a:cubicBezTo>
-                    <a:lnTo>
-                      <a:pt x="437388" y="114586"/>
-                    </a:lnTo>
-                    <a:cubicBezTo>
-                      <a:pt x="394002" y="65961"/>
-                      <a:pt x="331851" y="38100"/>
-                      <a:pt x="266700" y="38100"/>
-                    </a:cubicBezTo>
-                    <a:cubicBezTo>
-                      <a:pt x="140684" y="38100"/>
-                      <a:pt x="38100" y="140684"/>
-                      <a:pt x="38100" y="266700"/>
-                    </a:cubicBezTo>
-                    <a:cubicBezTo>
-                      <a:pt x="38100" y="287131"/>
-                      <a:pt x="40767" y="307372"/>
-                      <a:pt x="46101" y="326850"/>
-                    </a:cubicBezTo>
-                    <a:cubicBezTo>
-                      <a:pt x="48815" y="336947"/>
-                      <a:pt x="42862" y="347424"/>
-                      <a:pt x="32671" y="350187"/>
-                    </a:cubicBezTo>
-                    <a:cubicBezTo>
-                      <a:pt x="31004" y="350568"/>
-                      <a:pt x="29337" y="350806"/>
-                      <a:pt x="27670" y="350806"/>
-                    </a:cubicBezTo>
-                    <a:cubicBezTo>
-                      <a:pt x="19288" y="350806"/>
-                      <a:pt x="11620" y="345234"/>
-                      <a:pt x="9287" y="336756"/>
-                    </a:cubicBezTo>
-                    <a:cubicBezTo>
-                      <a:pt x="3143" y="314039"/>
-                      <a:pt x="0" y="290465"/>
-                      <a:pt x="0" y="266700"/>
-                    </a:cubicBezTo>
-                    <a:cubicBezTo>
-                      <a:pt x="0" y="230695"/>
-                      <a:pt x="7048" y="195786"/>
-                      <a:pt x="20955" y="162877"/>
-                    </a:cubicBezTo>
-                    <a:cubicBezTo>
-                      <a:pt x="34433" y="131112"/>
-                      <a:pt x="53626" y="102584"/>
-                      <a:pt x="78105" y="78105"/>
-                    </a:cubicBezTo>
-                    <a:cubicBezTo>
-                      <a:pt x="102584" y="53626"/>
-                      <a:pt x="131111" y="34433"/>
-                      <a:pt x="162877" y="20955"/>
-                    </a:cubicBezTo>
-                    <a:cubicBezTo>
-                      <a:pt x="195787" y="7049"/>
-                      <a:pt x="230696" y="0"/>
-                      <a:pt x="266700" y="0"/>
-                    </a:cubicBezTo>
-                    <a:close/>
-                  </a:path>
-                </a:pathLst>
-              </a:custGeom>
-              <a:solidFill>
-                <a:schemeClr val="bg1"/>
-              </a:solidFill>
-              <a:ln>
-                <a:noFill/>
-              </a:ln>
-            </p:spPr>
-            <p:style>
-              <a:lnRef idx="2">
-                <a:schemeClr val="accent1">
-                  <a:shade val="50000"/>
-                </a:schemeClr>
-              </a:lnRef>
-              <a:fillRef idx="1">
-                <a:schemeClr val="accent1"/>
-              </a:fillRef>
-              <a:effectRef idx="0">
-                <a:schemeClr val="accent1"/>
-              </a:effectRef>
-              <a:fontRef idx="minor">
-                <a:schemeClr val="lt1"/>
-              </a:fontRef>
-            </p:style>
-            <p:txBody>
-              <a:bodyPr rtlCol="0" anchor="ctr"/>
-              <a:lstStyle/>
-              <a:p>
-                <a:pPr algn="ctr">
-                  <a:defRPr/>
-                </a:pPr>
-                <a:endParaRPr lang="en-US"/>
-              </a:p>
-            </p:txBody>
-          </p:sp>
-        </p:grpSp>
-      </p:grpSp>
-      <p:sp>
-        <p:nvSpPr>
-          <p:cNvPr id="1324106157" name="文本框 1"/>
-          <p:cNvSpPr txBox="1"/>
-          <p:nvPr/>
-        </p:nvSpPr>
-        <p:spPr bwMode="auto">
-          <a:xfrm>
-            <a:off x="3928242" y="2394075"/>
-            <a:ext cx="7013375" cy="1569660"/>
-          </a:xfrm>
-          <a:prstGeom prst="rect">
-            <a:avLst/>
-          </a:prstGeom>
-          <a:noFill/>
-        </p:spPr>
-        <p:txBody>
-          <a:bodyPr wrap="square" rtlCol="0">
-            <a:spAutoFit/>
-          </a:bodyPr>
-          <a:lstStyle/>
-          <a:p>
-            <a:pPr>
-              <a:defRPr/>
-            </a:pPr>
-            <a:r>
-              <a:rPr lang="zh-CN" sz="2400" b="1" i="0">
-                <a:latin typeface="Inter"/>
-              </a:rPr>
-              <a:t>设计灵感：</a:t>
-            </a:r>
-            <a:r>
-              <a:rPr lang="en-US" sz="2400" b="0" i="0">
-                <a:latin typeface="Inter"/>
-              </a:rPr>
-              <a:t>AI </a:t>
-            </a:r>
-            <a:r>
-              <a:rPr lang="zh-CN" sz="2400" b="0" i="0">
-                <a:latin typeface="Inter"/>
-              </a:rPr>
-              <a:t>辅助进行图形与组件的设计，</a:t>
-            </a:r>
-            <a:r>
-              <a:rPr lang="en-US" sz="2400" b="0" i="0">
-                <a:latin typeface="Inter"/>
-              </a:rPr>
-              <a:t>AI </a:t>
-            </a:r>
-            <a:r>
-              <a:rPr lang="zh-CN" sz="2400" b="0" i="0">
-                <a:latin typeface="Inter"/>
-              </a:rPr>
-              <a:t>能基于给定的示例风格，生成不同排版、色彩搭配的卡片样式，设计者从中筛选灵感，再用专业设计软件微调细节，一定程度上提升设计效率。</a:t>
-            </a:r>
-            <a:endParaRPr lang="zh-CN" sz="2400"/>
-          </a:p>
-        </p:txBody>
-      </p:sp>
-      <p:sp>
-        <p:nvSpPr>
-          <p:cNvPr id="100284029" name="文本框 2"/>
-          <p:cNvSpPr txBox="1"/>
-          <p:nvPr/>
-        </p:nvSpPr>
-        <p:spPr bwMode="auto">
-          <a:xfrm>
-            <a:off x="225009" y="5720084"/>
-            <a:ext cx="2960431" cy="369332"/>
-          </a:xfrm>
-          <a:prstGeom prst="rect">
-            <a:avLst/>
-          </a:prstGeom>
-          <a:noFill/>
-        </p:spPr>
-        <p:txBody>
-          <a:bodyPr wrap="square" rtlCol="0">
-            <a:spAutoFit/>
-          </a:bodyPr>
-          <a:lstStyle/>
-          <a:p>
-            <a:pPr algn="ctr">
-              <a:defRPr/>
-            </a:pPr>
-            <a:r>
-              <a:rPr lang="zh-CN" b="1">
-                <a:solidFill>
-                  <a:srgbClr val="00B0F0"/>
-                </a:solidFill>
-                <a:latin typeface="+mn-ea"/>
-              </a:rPr>
-              <a:t>设计的</a:t>
-            </a:r>
-            <a:r>
-              <a:rPr lang="en-US" b="1">
-                <a:solidFill>
-                  <a:srgbClr val="00B0F0"/>
-                </a:solidFill>
-                <a:latin typeface="+mn-ea"/>
-              </a:rPr>
-              <a:t>“</a:t>
-            </a:r>
-            <a:r>
-              <a:rPr lang="zh-CN" b="1">
-                <a:solidFill>
-                  <a:srgbClr val="00B0F0"/>
-                </a:solidFill>
-                <a:latin typeface="+mn-ea"/>
-              </a:rPr>
-              <a:t>旅游日记</a:t>
-            </a:r>
-            <a:r>
-              <a:rPr lang="en-US" b="1">
-                <a:solidFill>
-                  <a:srgbClr val="00B0F0"/>
-                </a:solidFill>
-                <a:latin typeface="+mn-ea"/>
-              </a:rPr>
-              <a:t>”</a:t>
-            </a:r>
-            <a:r>
-              <a:rPr lang="zh-CN" b="1">
-                <a:solidFill>
-                  <a:srgbClr val="00B0F0"/>
-                </a:solidFill>
-                <a:latin typeface="+mn-ea"/>
-              </a:rPr>
-              <a:t> </a:t>
-            </a:r>
-            <a:r>
-              <a:rPr lang="en-US" b="1">
-                <a:solidFill>
-                  <a:srgbClr val="00B0F0"/>
-                </a:solidFill>
-                <a:latin typeface="+mn-ea"/>
-              </a:rPr>
-              <a:t>logo</a:t>
-            </a:r>
-            <a:endParaRPr lang="zh-CN" b="1">
-              <a:solidFill>
-                <a:srgbClr val="00B0F0"/>
-              </a:solidFill>
-              <a:latin typeface="+mn-ea"/>
-            </a:endParaRPr>
-          </a:p>
-        </p:txBody>
-      </p:sp>
+      </p:pic>
     </p:spTree>
   </p:cSld>
   <p:clrMapOvr>
@@ -32247,7 +34935,7 @@
       </p:grpSpPr>
       <p:sp>
         <p:nvSpPr>
-          <p:cNvPr id="1767760605" name="Title 31"/>
+          <p:cNvPr id="533339257" name="Title 2"/>
           <p:cNvSpPr>
             <a:spLocks noGrp="1"/>
           </p:cNvSpPr>
@@ -32257,8 +34945,8 @@
         </p:nvSpPr>
         <p:spPr bwMode="auto">
           <a:xfrm>
-            <a:off x="660400" y="0"/>
-            <a:ext cx="10858500" cy="1028700"/>
+            <a:off x="6095999" y="2571750"/>
+            <a:ext cx="5333999" cy="857250"/>
           </a:xfrm>
         </p:spPr>
         <p:txBody>
@@ -32267,101 +34955,22 @@
           </a:bodyPr>
           <a:lstStyle/>
           <a:p>
-            <a:pPr lvl="0">
-              <a:defRPr/>
-            </a:pPr>
-            <a:r>
-              <a:rPr lang="zh-CN"/>
-              <a:t>产品原型设计方面</a:t>
-            </a:r>
-            <a:endParaRPr lang="en-US"/>
-          </a:p>
-        </p:txBody>
-      </p:sp>
-      <p:pic>
-        <p:nvPicPr>
-          <p:cNvPr id="2016418329" name="图片 4"/>
-          <p:cNvPicPr>
-            <a:picLocks noChangeAspect="1"/>
-          </p:cNvPicPr>
-          <p:nvPr/>
-        </p:nvPicPr>
-        <p:blipFill>
-          <a:blip r:embed="rId3"/>
-          <a:stretch/>
-        </p:blipFill>
-        <p:spPr bwMode="auto">
-          <a:xfrm>
-            <a:off x="1094677" y="1376425"/>
-            <a:ext cx="10002646" cy="3439005"/>
-          </a:xfrm>
-          <a:prstGeom prst="rect">
-            <a:avLst/>
-          </a:prstGeom>
-        </p:spPr>
-      </p:pic>
-      <p:sp>
-        <p:nvSpPr>
-          <p:cNvPr id="579026342" name="文本框 8"/>
-          <p:cNvSpPr txBox="1"/>
-          <p:nvPr/>
-        </p:nvSpPr>
-        <p:spPr bwMode="auto">
-          <a:xfrm>
-            <a:off x="1094677" y="5039360"/>
-            <a:ext cx="10002646" cy="1477328"/>
-          </a:xfrm>
-          <a:prstGeom prst="rect">
-            <a:avLst/>
-          </a:prstGeom>
-          <a:noFill/>
-        </p:spPr>
-        <p:txBody>
-          <a:bodyPr wrap="square" rtlCol="0">
-            <a:spAutoFit/>
-          </a:bodyPr>
-          <a:lstStyle/>
-          <a:p>
             <a:pPr>
               <a:defRPr/>
             </a:pPr>
             <a:r>
-              <a:rPr lang="zh-CN" b="1" i="0">
-                <a:solidFill>
-                  <a:srgbClr val="1C1F23"/>
-                </a:solidFill>
-                <a:latin typeface="Inter"/>
-              </a:rPr>
-              <a:t>成果展示：</a:t>
+              <a:rPr lang="en-US"/>
+              <a:t>0</a:t>
             </a:r>
             <a:r>
-              <a:rPr lang="zh-CN" b="0" i="0">
-                <a:solidFill>
-                  <a:srgbClr val="1C1F23"/>
-                </a:solidFill>
-                <a:latin typeface="Inter"/>
-              </a:rPr>
-              <a:t>上图为产品原型设计在静态的呈现，</a:t>
+              <a:rPr lang="zh-CN"/>
+              <a:t>3</a:t>
             </a:r>
             <a:r>
-              <a:rPr lang="zh-CN" b="0" i="0">
-                <a:latin typeface="Inter"/>
-              </a:rPr>
-              <a:t>登录与注册页面以清新色调打造，简洁布局方便用户操作，保障信息安全；游记列表页面的背景借鉴</a:t>
+              <a:rPr lang="en-US"/>
+              <a:t>.后端开发与终端设计</a:t>
             </a:r>
-            <a:r>
-              <a:rPr lang="en-US" b="0" i="0">
-                <a:latin typeface="Inter"/>
-              </a:rPr>
-              <a:t>AI</a:t>
-            </a:r>
-            <a:r>
-              <a:rPr lang="zh-CN" b="0" i="0">
-                <a:latin typeface="Inter"/>
-              </a:rPr>
-              <a:t>生图的色彩搭配，用瀑布流形式展示推荐内容；我的游记页面能让用户便捷管理个人游记；游记发布页面通过简洁大方设计和丰富输入区，引导用户轻松记录；游记详情页面全方位展示内容且方便分享，各页面相辅相成，共同构建起满足用户旅游记录与分享需求的平台雏形。（需要改进的是：部分组件需要重新设计和美化）</a:t>
-            </a:r>
-            <a:endParaRPr lang="zh-CN"/>
+            <a:endParaRPr/>
           </a:p>
         </p:txBody>
       </p:sp>
